--- a/presentation.pptx
+++ b/presentation.pptx
@@ -1,43 +1,43 @@
 
 <file path=ppt/presentation.xml><?xml version="1.0" encoding="utf-8"?>
-<p:presentation xmlns:a="http://schemas.openxmlformats.org/drawingml/2006/main" xmlns:r="http://schemas.openxmlformats.org/officeDocument/2006/relationships" xmlns:mc="http://schemas.openxmlformats.org/markup-compatibility/2006" xmlns:mv="urn:schemas-microsoft-com:mac:vml" xmlns:p="http://schemas.openxmlformats.org/presentationml/2006/main" xmlns:c="http://schemas.openxmlformats.org/drawingml/2006/chart" xmlns:dgm="http://schemas.openxmlformats.org/drawingml/2006/diagram" xmlns:o="urn:schemas-microsoft-com:office:office" xmlns:v="urn:schemas-microsoft-com:vml" xmlns:pvml="urn:schemas-microsoft-com:office:powerpoint" xmlns:com="http://schemas.openxmlformats.org/drawingml/2006/compatibility" xmlns:p14="http://schemas.microsoft.com/office/powerpoint/2010/main" xmlns:p15="http://schemas.microsoft.com/office/powerpoint/2012/main" autoCompressPictures="0" embedTrueTypeFonts="1" strictFirstAndLastChars="0" saveSubsetFonts="1">
+<p:presentation xmlns:a="http://schemas.openxmlformats.org/drawingml/2006/main" xmlns:r="http://schemas.openxmlformats.org/officeDocument/2006/relationships" xmlns:p="http://schemas.openxmlformats.org/presentationml/2006/main" strictFirstAndLastChars="0" embedTrueTypeFonts="1" saveSubsetFonts="1" autoCompressPictures="0">
   <p:sldMasterIdLst>
-    <p:sldMasterId id="2147483659" r:id="rId4"/>
+    <p:sldMasterId id="2147483659" r:id="rId1"/>
   </p:sldMasterIdLst>
   <p:notesMasterIdLst>
-    <p:notesMasterId r:id="rId5"/>
+    <p:notesMasterId r:id="rId13"/>
   </p:notesMasterIdLst>
   <p:sldIdLst>
-    <p:sldId id="256" r:id="rId6"/>
-    <p:sldId id="257" r:id="rId7"/>
-    <p:sldId id="258" r:id="rId8"/>
-    <p:sldId id="259" r:id="rId9"/>
-    <p:sldId id="260" r:id="rId10"/>
-    <p:sldId id="261" r:id="rId11"/>
-    <p:sldId id="262" r:id="rId12"/>
-    <p:sldId id="263" r:id="rId13"/>
-    <p:sldId id="264" r:id="rId14"/>
-    <p:sldId id="265" r:id="rId15"/>
-    <p:sldId id="266" r:id="rId16"/>
+    <p:sldId id="256" r:id="rId2"/>
+    <p:sldId id="257" r:id="rId3"/>
+    <p:sldId id="258" r:id="rId4"/>
+    <p:sldId id="259" r:id="rId5"/>
+    <p:sldId id="260" r:id="rId6"/>
+    <p:sldId id="261" r:id="rId7"/>
+    <p:sldId id="262" r:id="rId8"/>
+    <p:sldId id="263" r:id="rId9"/>
+    <p:sldId id="264" r:id="rId10"/>
+    <p:sldId id="265" r:id="rId11"/>
+    <p:sldId id="266" r:id="rId12"/>
   </p:sldIdLst>
-  <p:sldSz cy="5143500" cx="9144000"/>
+  <p:sldSz cx="9144000" cy="5143500" type="screen16x9"/>
   <p:notesSz cx="6858000" cy="9144000"/>
   <p:embeddedFontLst>
     <p:embeddedFont>
-      <p:font typeface="PT Sans Narrow"/>
-      <p:regular r:id="rId17"/>
-      <p:bold r:id="rId18"/>
+      <p:font typeface="Open Sans" panose="020B0606030504020204" pitchFamily="34" charset="0"/>
+      <p:regular r:id="rId14"/>
+      <p:bold r:id="rId15"/>
+      <p:italic r:id="rId16"/>
+      <p:boldItalic r:id="rId17"/>
     </p:embeddedFont>
     <p:embeddedFont>
-      <p:font typeface="Open Sans"/>
-      <p:regular r:id="rId19"/>
-      <p:bold r:id="rId20"/>
-      <p:italic r:id="rId21"/>
-      <p:boldItalic r:id="rId22"/>
+      <p:font typeface="PT Sans Narrow" panose="020B0506020203020204" pitchFamily="34" charset="77"/>
+      <p:regular r:id="rId18"/>
+      <p:bold r:id="rId19"/>
     </p:embeddedFont>
   </p:embeddedFontLst>
   <p:defaultTextStyle>
-    <a:defPPr lvl="0" marR="0" rtl="0" algn="l">
+    <a:defPPr marR="0" lvl="0" algn="l" rtl="0">
       <a:lnSpc>
         <a:spcPct val="100000"/>
       </a:lnSpc>
@@ -48,7 +48,7 @@
         <a:spcPts val="0"/>
       </a:spcAft>
     </a:defPPr>
-    <a:lvl1pPr lvl="0" marR="0" rtl="0" algn="l">
+    <a:lvl1pPr marR="0" lvl="0" algn="l" rtl="0">
       <a:lnSpc>
         <a:spcPct val="100000"/>
       </a:lnSpc>
@@ -62,7 +62,7 @@
         <a:srgbClr val="000000"/>
       </a:buClr>
       <a:buFont typeface="Arial"/>
-      <a:defRPr b="0" i="0" sz="1400" u="none" cap="none" strike="noStrike">
+      <a:defRPr sz="1400" b="0" i="0" u="none" strike="noStrike" cap="none">
         <a:solidFill>
           <a:srgbClr val="000000"/>
         </a:solidFill>
@@ -72,7 +72,7 @@
         <a:sym typeface="Arial"/>
       </a:defRPr>
     </a:lvl1pPr>
-    <a:lvl2pPr lvl="1" marR="0" rtl="0" algn="l">
+    <a:lvl2pPr marR="0" lvl="1" algn="l" rtl="0">
       <a:lnSpc>
         <a:spcPct val="100000"/>
       </a:lnSpc>
@@ -86,7 +86,7 @@
         <a:srgbClr val="000000"/>
       </a:buClr>
       <a:buFont typeface="Arial"/>
-      <a:defRPr b="0" i="0" sz="1400" u="none" cap="none" strike="noStrike">
+      <a:defRPr sz="1400" b="0" i="0" u="none" strike="noStrike" cap="none">
         <a:solidFill>
           <a:srgbClr val="000000"/>
         </a:solidFill>
@@ -96,7 +96,7 @@
         <a:sym typeface="Arial"/>
       </a:defRPr>
     </a:lvl2pPr>
-    <a:lvl3pPr lvl="2" marR="0" rtl="0" algn="l">
+    <a:lvl3pPr marR="0" lvl="2" algn="l" rtl="0">
       <a:lnSpc>
         <a:spcPct val="100000"/>
       </a:lnSpc>
@@ -110,7 +110,7 @@
         <a:srgbClr val="000000"/>
       </a:buClr>
       <a:buFont typeface="Arial"/>
-      <a:defRPr b="0" i="0" sz="1400" u="none" cap="none" strike="noStrike">
+      <a:defRPr sz="1400" b="0" i="0" u="none" strike="noStrike" cap="none">
         <a:solidFill>
           <a:srgbClr val="000000"/>
         </a:solidFill>
@@ -120,7 +120,7 @@
         <a:sym typeface="Arial"/>
       </a:defRPr>
     </a:lvl3pPr>
-    <a:lvl4pPr lvl="3" marR="0" rtl="0" algn="l">
+    <a:lvl4pPr marR="0" lvl="3" algn="l" rtl="0">
       <a:lnSpc>
         <a:spcPct val="100000"/>
       </a:lnSpc>
@@ -134,7 +134,7 @@
         <a:srgbClr val="000000"/>
       </a:buClr>
       <a:buFont typeface="Arial"/>
-      <a:defRPr b="0" i="0" sz="1400" u="none" cap="none" strike="noStrike">
+      <a:defRPr sz="1400" b="0" i="0" u="none" strike="noStrike" cap="none">
         <a:solidFill>
           <a:srgbClr val="000000"/>
         </a:solidFill>
@@ -144,7 +144,7 @@
         <a:sym typeface="Arial"/>
       </a:defRPr>
     </a:lvl4pPr>
-    <a:lvl5pPr lvl="4" marR="0" rtl="0" algn="l">
+    <a:lvl5pPr marR="0" lvl="4" algn="l" rtl="0">
       <a:lnSpc>
         <a:spcPct val="100000"/>
       </a:lnSpc>
@@ -158,7 +158,7 @@
         <a:srgbClr val="000000"/>
       </a:buClr>
       <a:buFont typeface="Arial"/>
-      <a:defRPr b="0" i="0" sz="1400" u="none" cap="none" strike="noStrike">
+      <a:defRPr sz="1400" b="0" i="0" u="none" strike="noStrike" cap="none">
         <a:solidFill>
           <a:srgbClr val="000000"/>
         </a:solidFill>
@@ -168,7 +168,7 @@
         <a:sym typeface="Arial"/>
       </a:defRPr>
     </a:lvl5pPr>
-    <a:lvl6pPr lvl="5" marR="0" rtl="0" algn="l">
+    <a:lvl6pPr marR="0" lvl="5" algn="l" rtl="0">
       <a:lnSpc>
         <a:spcPct val="100000"/>
       </a:lnSpc>
@@ -182,7 +182,7 @@
         <a:srgbClr val="000000"/>
       </a:buClr>
       <a:buFont typeface="Arial"/>
-      <a:defRPr b="0" i="0" sz="1400" u="none" cap="none" strike="noStrike">
+      <a:defRPr sz="1400" b="0" i="0" u="none" strike="noStrike" cap="none">
         <a:solidFill>
           <a:srgbClr val="000000"/>
         </a:solidFill>
@@ -192,7 +192,7 @@
         <a:sym typeface="Arial"/>
       </a:defRPr>
     </a:lvl6pPr>
-    <a:lvl7pPr lvl="6" marR="0" rtl="0" algn="l">
+    <a:lvl7pPr marR="0" lvl="6" algn="l" rtl="0">
       <a:lnSpc>
         <a:spcPct val="100000"/>
       </a:lnSpc>
@@ -206,7 +206,7 @@
         <a:srgbClr val="000000"/>
       </a:buClr>
       <a:buFont typeface="Arial"/>
-      <a:defRPr b="0" i="0" sz="1400" u="none" cap="none" strike="noStrike">
+      <a:defRPr sz="1400" b="0" i="0" u="none" strike="noStrike" cap="none">
         <a:solidFill>
           <a:srgbClr val="000000"/>
         </a:solidFill>
@@ -216,7 +216,7 @@
         <a:sym typeface="Arial"/>
       </a:defRPr>
     </a:lvl7pPr>
-    <a:lvl8pPr lvl="7" marR="0" rtl="0" algn="l">
+    <a:lvl8pPr marR="0" lvl="7" algn="l" rtl="0">
       <a:lnSpc>
         <a:spcPct val="100000"/>
       </a:lnSpc>
@@ -230,7 +230,7 @@
         <a:srgbClr val="000000"/>
       </a:buClr>
       <a:buFont typeface="Arial"/>
-      <a:defRPr b="0" i="0" sz="1400" u="none" cap="none" strike="noStrike">
+      <a:defRPr sz="1400" b="0" i="0" u="none" strike="noStrike" cap="none">
         <a:solidFill>
           <a:srgbClr val="000000"/>
         </a:solidFill>
@@ -240,7 +240,7 @@
         <a:sym typeface="Arial"/>
       </a:defRPr>
     </a:lvl8pPr>
-    <a:lvl9pPr lvl="8" marR="0" rtl="0" algn="l">
+    <a:lvl9pPr marR="0" lvl="8" algn="l" rtl="0">
       <a:lnSpc>
         <a:spcPct val="100000"/>
       </a:lnSpc>
@@ -254,7 +254,7 @@
         <a:srgbClr val="000000"/>
       </a:buClr>
       <a:buFont typeface="Arial"/>
-      <a:defRPr b="0" i="0" sz="1400" u="none" cap="none" strike="noStrike">
+      <a:defRPr sz="1400" b="0" i="0" u="none" strike="noStrike" cap="none">
         <a:solidFill>
           <a:srgbClr val="000000"/>
         </a:solidFill>
@@ -269,11 +269,16 @@
 </file>
 
 <file path=ppt/notesMasters/notesMaster1.xml><?xml version="1.0" encoding="utf-8"?>
-<p:notesMaster xmlns:a="http://schemas.openxmlformats.org/drawingml/2006/main" xmlns:r="http://schemas.openxmlformats.org/officeDocument/2006/relationships" xmlns:mc="http://schemas.openxmlformats.org/markup-compatibility/2006" xmlns:mv="urn:schemas-microsoft-com:mac:vml" xmlns:p="http://schemas.openxmlformats.org/presentationml/2006/main" xmlns:c="http://schemas.openxmlformats.org/drawingml/2006/chart" xmlns:dgm="http://schemas.openxmlformats.org/drawingml/2006/diagram" xmlns:o="urn:schemas-microsoft-com:office:office" xmlns:v="urn:schemas-microsoft-com:vml" xmlns:pvml="urn:schemas-microsoft-com:office:powerpoint" xmlns:com="http://schemas.openxmlformats.org/drawingml/2006/compatibility" xmlns:p14="http://schemas.microsoft.com/office/powerpoint/2010/main" xmlns:p15="http://schemas.microsoft.com/office/powerpoint/2012/main">
+<p:notesMaster xmlns:a="http://schemas.openxmlformats.org/drawingml/2006/main" xmlns:r="http://schemas.openxmlformats.org/officeDocument/2006/relationships" xmlns:p="http://schemas.openxmlformats.org/presentationml/2006/main">
   <p:cSld>
+    <p:bg>
+      <p:bgRef idx="1001">
+        <a:schemeClr val="bg1"/>
+      </p:bgRef>
+    </p:bg>
     <p:spTree>
       <p:nvGrpSpPr>
-        <p:cNvPr id="2" name="Shape 2"/>
+        <p:cNvPr id="1" name="Shape 2"/>
         <p:cNvGrpSpPr/>
         <p:nvPr/>
       </p:nvGrpSpPr>
@@ -288,9 +293,11 @@
       <p:sp>
         <p:nvSpPr>
           <p:cNvPr id="3" name="Google Shape;3;n"/>
-          <p:cNvSpPr/>
+          <p:cNvSpPr>
+            <a:spLocks noGrp="1" noRot="1" noChangeAspect="1"/>
+          </p:cNvSpPr>
           <p:nvPr>
-            <p:ph idx="2" type="sldImg"/>
+            <p:ph type="sldImg" idx="2"/>
           </p:nvPr>
         </p:nvSpPr>
         <p:spPr>
@@ -299,9 +306,13 @@
             <a:ext cx="6096075" cy="3429000"/>
           </a:xfrm>
           <a:custGeom>
-            <a:rect b="b" l="l" r="r" t="t"/>
+            <a:avLst/>
+            <a:gdLst/>
+            <a:ahLst/>
+            <a:cxnLst/>
+            <a:rect l="l" t="t" r="r" b="b"/>
             <a:pathLst>
-              <a:path extrusionOk="0" h="120000" w="120000">
+              <a:path w="120000" h="120000" extrusionOk="0">
                 <a:moveTo>
                   <a:pt x="0" y="0"/>
                 </a:moveTo>
@@ -319,23 +330,25 @@
             </a:pathLst>
           </a:custGeom>
           <a:noFill/>
-          <a:ln cap="flat" cmpd="sng" w="9525">
+          <a:ln w="9525" cap="flat" cmpd="sng">
             <a:solidFill>
               <a:srgbClr val="000000"/>
             </a:solidFill>
             <a:prstDash val="solid"/>
             <a:round/>
-            <a:headEnd len="sm" w="sm" type="none"/>
-            <a:tailEnd len="sm" w="sm" type="none"/>
+            <a:headEnd type="none" w="sm" len="sm"/>
+            <a:tailEnd type="none" w="sm" len="sm"/>
           </a:ln>
         </p:spPr>
       </p:sp>
       <p:sp>
         <p:nvSpPr>
           <p:cNvPr id="4" name="Google Shape;4;n"/>
-          <p:cNvSpPr txBox="1"/>
+          <p:cNvSpPr txBox="1">
+            <a:spLocks noGrp="1"/>
+          </p:cNvSpPr>
           <p:nvPr>
-            <p:ph idx="1" type="body"/>
+            <p:ph type="body" idx="1"/>
           </p:nvPr>
         </p:nvSpPr>
         <p:spPr>
@@ -352,9 +365,9 @@
           </a:ln>
         </p:spPr>
         <p:txBody>
-          <a:bodyPr anchorCtr="0" anchor="t" bIns="91425" lIns="91425" spcFirstLastPara="1" rIns="91425" wrap="square" tIns="91425"/>
+          <a:bodyPr spcFirstLastPara="1" wrap="square" lIns="91425" tIns="91425" rIns="91425" bIns="91425" anchor="t" anchorCtr="0"/>
           <a:lstStyle>
-            <a:lvl1pPr indent="-298450" lvl="0" marL="457200">
+            <a:lvl1pPr marL="457200" lvl="0" indent="-298450">
               <a:spcBef>
                 <a:spcPts val="0"/>
               </a:spcBef>
@@ -365,7 +378,7 @@
               <a:buChar char="●"/>
               <a:defRPr sz="1100"/>
             </a:lvl1pPr>
-            <a:lvl2pPr indent="-298450" lvl="1" marL="914400">
+            <a:lvl2pPr marL="914400" lvl="1" indent="-298450">
               <a:spcBef>
                 <a:spcPts val="0"/>
               </a:spcBef>
@@ -376,7 +389,7 @@
               <a:buChar char="○"/>
               <a:defRPr sz="1100"/>
             </a:lvl2pPr>
-            <a:lvl3pPr indent="-298450" lvl="2" marL="1371600">
+            <a:lvl3pPr marL="1371600" lvl="2" indent="-298450">
               <a:spcBef>
                 <a:spcPts val="0"/>
               </a:spcBef>
@@ -387,7 +400,7 @@
               <a:buChar char="■"/>
               <a:defRPr sz="1100"/>
             </a:lvl3pPr>
-            <a:lvl4pPr indent="-298450" lvl="3" marL="1828800">
+            <a:lvl4pPr marL="1828800" lvl="3" indent="-298450">
               <a:spcBef>
                 <a:spcPts val="0"/>
               </a:spcBef>
@@ -398,7 +411,7 @@
               <a:buChar char="●"/>
               <a:defRPr sz="1100"/>
             </a:lvl4pPr>
-            <a:lvl5pPr indent="-298450" lvl="4" marL="2286000">
+            <a:lvl5pPr marL="2286000" lvl="4" indent="-298450">
               <a:spcBef>
                 <a:spcPts val="0"/>
               </a:spcBef>
@@ -409,7 +422,7 @@
               <a:buChar char="○"/>
               <a:defRPr sz="1100"/>
             </a:lvl5pPr>
-            <a:lvl6pPr indent="-298450" lvl="5" marL="2743200">
+            <a:lvl6pPr marL="2743200" lvl="5" indent="-298450">
               <a:spcBef>
                 <a:spcPts val="0"/>
               </a:spcBef>
@@ -420,7 +433,7 @@
               <a:buChar char="■"/>
               <a:defRPr sz="1100"/>
             </a:lvl6pPr>
-            <a:lvl7pPr indent="-298450" lvl="6" marL="3200400">
+            <a:lvl7pPr marL="3200400" lvl="6" indent="-298450">
               <a:spcBef>
                 <a:spcPts val="0"/>
               </a:spcBef>
@@ -431,7 +444,7 @@
               <a:buChar char="●"/>
               <a:defRPr sz="1100"/>
             </a:lvl7pPr>
-            <a:lvl8pPr indent="-298450" lvl="7" marL="3657600">
+            <a:lvl8pPr marL="3657600" lvl="7" indent="-298450">
               <a:spcBef>
                 <a:spcPts val="0"/>
               </a:spcBef>
@@ -442,7 +455,7 @@
               <a:buChar char="○"/>
               <a:defRPr sz="1100"/>
             </a:lvl8pPr>
-            <a:lvl9pPr indent="-298450" lvl="8" marL="4114800">
+            <a:lvl9pPr marL="4114800" lvl="8" indent="-298450">
               <a:spcBef>
                 <a:spcPts val="0"/>
               </a:spcBef>
@@ -454,14 +467,16 @@
               <a:defRPr sz="1100"/>
             </a:lvl9pPr>
           </a:lstStyle>
-          <a:p/>
+          <a:p>
+            <a:endParaRPr/>
+          </a:p>
         </p:txBody>
       </p:sp>
     </p:spTree>
   </p:cSld>
-  <p:clrMap accent1="accent1" accent2="accent2" accent3="accent3" accent4="accent4" accent5="accent5" accent6="accent6" bg1="lt1" bg2="dk2" tx1="dk1" tx2="lt2" folHlink="folHlink" hlink="hlink"/>
+  <p:clrMap bg1="lt1" tx1="dk1" bg2="dk2" tx2="lt2" accent1="accent1" accent2="accent2" accent3="accent3" accent4="accent4" accent5="accent5" accent6="accent6" hlink="hlink" folHlink="folHlink"/>
   <p:notesStyle>
-    <a:defPPr lvl="0" marR="0" rtl="0" algn="l">
+    <a:defPPr marR="0" lvl="0" algn="l" rtl="0">
       <a:lnSpc>
         <a:spcPct val="100000"/>
       </a:lnSpc>
@@ -472,7 +487,7 @@
         <a:spcPts val="0"/>
       </a:spcAft>
     </a:defPPr>
-    <a:lvl1pPr lvl="0" marR="0" rtl="0" algn="l">
+    <a:lvl1pPr marR="0" lvl="0" algn="l" rtl="0">
       <a:lnSpc>
         <a:spcPct val="100000"/>
       </a:lnSpc>
@@ -486,7 +501,7 @@
         <a:srgbClr val="000000"/>
       </a:buClr>
       <a:buFont typeface="Arial"/>
-      <a:defRPr b="0" i="0" sz="1400" u="none" cap="none" strike="noStrike">
+      <a:defRPr sz="1400" b="0" i="0" u="none" strike="noStrike" cap="none">
         <a:solidFill>
           <a:srgbClr val="000000"/>
         </a:solidFill>
@@ -496,7 +511,7 @@
         <a:sym typeface="Arial"/>
       </a:defRPr>
     </a:lvl1pPr>
-    <a:lvl2pPr lvl="1" marR="0" rtl="0" algn="l">
+    <a:lvl2pPr marR="0" lvl="1" algn="l" rtl="0">
       <a:lnSpc>
         <a:spcPct val="100000"/>
       </a:lnSpc>
@@ -510,7 +525,7 @@
         <a:srgbClr val="000000"/>
       </a:buClr>
       <a:buFont typeface="Arial"/>
-      <a:defRPr b="0" i="0" sz="1400" u="none" cap="none" strike="noStrike">
+      <a:defRPr sz="1400" b="0" i="0" u="none" strike="noStrike" cap="none">
         <a:solidFill>
           <a:srgbClr val="000000"/>
         </a:solidFill>
@@ -520,7 +535,7 @@
         <a:sym typeface="Arial"/>
       </a:defRPr>
     </a:lvl2pPr>
-    <a:lvl3pPr lvl="2" marR="0" rtl="0" algn="l">
+    <a:lvl3pPr marR="0" lvl="2" algn="l" rtl="0">
       <a:lnSpc>
         <a:spcPct val="100000"/>
       </a:lnSpc>
@@ -534,7 +549,7 @@
         <a:srgbClr val="000000"/>
       </a:buClr>
       <a:buFont typeface="Arial"/>
-      <a:defRPr b="0" i="0" sz="1400" u="none" cap="none" strike="noStrike">
+      <a:defRPr sz="1400" b="0" i="0" u="none" strike="noStrike" cap="none">
         <a:solidFill>
           <a:srgbClr val="000000"/>
         </a:solidFill>
@@ -544,7 +559,7 @@
         <a:sym typeface="Arial"/>
       </a:defRPr>
     </a:lvl3pPr>
-    <a:lvl4pPr lvl="3" marR="0" rtl="0" algn="l">
+    <a:lvl4pPr marR="0" lvl="3" algn="l" rtl="0">
       <a:lnSpc>
         <a:spcPct val="100000"/>
       </a:lnSpc>
@@ -558,7 +573,7 @@
         <a:srgbClr val="000000"/>
       </a:buClr>
       <a:buFont typeface="Arial"/>
-      <a:defRPr b="0" i="0" sz="1400" u="none" cap="none" strike="noStrike">
+      <a:defRPr sz="1400" b="0" i="0" u="none" strike="noStrike" cap="none">
         <a:solidFill>
           <a:srgbClr val="000000"/>
         </a:solidFill>
@@ -568,7 +583,7 @@
         <a:sym typeface="Arial"/>
       </a:defRPr>
     </a:lvl4pPr>
-    <a:lvl5pPr lvl="4" marR="0" rtl="0" algn="l">
+    <a:lvl5pPr marR="0" lvl="4" algn="l" rtl="0">
       <a:lnSpc>
         <a:spcPct val="100000"/>
       </a:lnSpc>
@@ -582,7 +597,7 @@
         <a:srgbClr val="000000"/>
       </a:buClr>
       <a:buFont typeface="Arial"/>
-      <a:defRPr b="0" i="0" sz="1400" u="none" cap="none" strike="noStrike">
+      <a:defRPr sz="1400" b="0" i="0" u="none" strike="noStrike" cap="none">
         <a:solidFill>
           <a:srgbClr val="000000"/>
         </a:solidFill>
@@ -592,7 +607,7 @@
         <a:sym typeface="Arial"/>
       </a:defRPr>
     </a:lvl5pPr>
-    <a:lvl6pPr lvl="5" marR="0" rtl="0" algn="l">
+    <a:lvl6pPr marR="0" lvl="5" algn="l" rtl="0">
       <a:lnSpc>
         <a:spcPct val="100000"/>
       </a:lnSpc>
@@ -606,7 +621,7 @@
         <a:srgbClr val="000000"/>
       </a:buClr>
       <a:buFont typeface="Arial"/>
-      <a:defRPr b="0" i="0" sz="1400" u="none" cap="none" strike="noStrike">
+      <a:defRPr sz="1400" b="0" i="0" u="none" strike="noStrike" cap="none">
         <a:solidFill>
           <a:srgbClr val="000000"/>
         </a:solidFill>
@@ -616,7 +631,7 @@
         <a:sym typeface="Arial"/>
       </a:defRPr>
     </a:lvl6pPr>
-    <a:lvl7pPr lvl="6" marR="0" rtl="0" algn="l">
+    <a:lvl7pPr marR="0" lvl="6" algn="l" rtl="0">
       <a:lnSpc>
         <a:spcPct val="100000"/>
       </a:lnSpc>
@@ -630,7 +645,7 @@
         <a:srgbClr val="000000"/>
       </a:buClr>
       <a:buFont typeface="Arial"/>
-      <a:defRPr b="0" i="0" sz="1400" u="none" cap="none" strike="noStrike">
+      <a:defRPr sz="1400" b="0" i="0" u="none" strike="noStrike" cap="none">
         <a:solidFill>
           <a:srgbClr val="000000"/>
         </a:solidFill>
@@ -640,7 +655,7 @@
         <a:sym typeface="Arial"/>
       </a:defRPr>
     </a:lvl7pPr>
-    <a:lvl8pPr lvl="7" marR="0" rtl="0" algn="l">
+    <a:lvl8pPr marR="0" lvl="7" algn="l" rtl="0">
       <a:lnSpc>
         <a:spcPct val="100000"/>
       </a:lnSpc>
@@ -654,7 +669,7 @@
         <a:srgbClr val="000000"/>
       </a:buClr>
       <a:buFont typeface="Arial"/>
-      <a:defRPr b="0" i="0" sz="1400" u="none" cap="none" strike="noStrike">
+      <a:defRPr sz="1400" b="0" i="0" u="none" strike="noStrike" cap="none">
         <a:solidFill>
           <a:srgbClr val="000000"/>
         </a:solidFill>
@@ -664,7 +679,7 @@
         <a:sym typeface="Arial"/>
       </a:defRPr>
     </a:lvl8pPr>
-    <a:lvl9pPr lvl="8" marR="0" rtl="0" algn="l">
+    <a:lvl9pPr marR="0" lvl="8" algn="l" rtl="0">
       <a:lnSpc>
         <a:spcPct val="100000"/>
       </a:lnSpc>
@@ -678,7 +693,7 @@
         <a:srgbClr val="000000"/>
       </a:buClr>
       <a:buFont typeface="Arial"/>
-      <a:defRPr b="0" i="0" sz="1400" u="none" cap="none" strike="noStrike">
+      <a:defRPr sz="1400" b="0" i="0" u="none" strike="noStrike" cap="none">
         <a:solidFill>
           <a:srgbClr val="000000"/>
         </a:solidFill>
@@ -693,11 +708,11 @@
 </file>
 
 <file path=ppt/notesSlides/notesSlide1.xml><?xml version="1.0" encoding="utf-8"?>
-<p:notes xmlns:a="http://schemas.openxmlformats.org/drawingml/2006/main" xmlns:r="http://schemas.openxmlformats.org/officeDocument/2006/relationships" xmlns:mc="http://schemas.openxmlformats.org/markup-compatibility/2006" xmlns:mv="urn:schemas-microsoft-com:mac:vml" xmlns:p="http://schemas.openxmlformats.org/presentationml/2006/main" xmlns:c="http://schemas.openxmlformats.org/drawingml/2006/chart" xmlns:dgm="http://schemas.openxmlformats.org/drawingml/2006/diagram" xmlns:o="urn:schemas-microsoft-com:office:office" xmlns:v="urn:schemas-microsoft-com:vml" xmlns:pvml="urn:schemas-microsoft-com:office:powerpoint" xmlns:com="http://schemas.openxmlformats.org/drawingml/2006/compatibility" xmlns:p14="http://schemas.microsoft.com/office/powerpoint/2010/main" xmlns:p15="http://schemas.microsoft.com/office/powerpoint/2012/main" showMasterPhAnim="0" showMasterSp="0">
+<p:notes xmlns:a="http://schemas.openxmlformats.org/drawingml/2006/main" xmlns:r="http://schemas.openxmlformats.org/officeDocument/2006/relationships" xmlns:p="http://schemas.openxmlformats.org/presentationml/2006/main" showMasterSp="0" showMasterPhAnim="0">
   <p:cSld>
     <p:spTree>
       <p:nvGrpSpPr>
-        <p:cNvPr id="62" name="Shape 62"/>
+        <p:cNvPr id="1" name="Shape 62"/>
         <p:cNvGrpSpPr/>
         <p:nvPr/>
       </p:nvGrpSpPr>
@@ -712,9 +727,11 @@
       <p:sp>
         <p:nvSpPr>
           <p:cNvPr id="63" name="Google Shape;63;p:notes"/>
-          <p:cNvSpPr/>
+          <p:cNvSpPr>
+            <a:spLocks noGrp="1" noRot="1" noChangeAspect="1"/>
+          </p:cNvSpPr>
           <p:nvPr>
-            <p:ph idx="2" type="sldImg"/>
+            <p:ph type="sldImg" idx="2"/>
           </p:nvPr>
         </p:nvSpPr>
         <p:spPr>
@@ -723,9 +740,13 @@
             <a:ext cx="6096075" cy="3429000"/>
           </a:xfrm>
           <a:custGeom>
-            <a:rect b="b" l="l" r="r" t="t"/>
+            <a:avLst/>
+            <a:gdLst/>
+            <a:ahLst/>
+            <a:cxnLst/>
+            <a:rect l="l" t="t" r="r" b="b"/>
             <a:pathLst>
-              <a:path extrusionOk="0" h="120000" w="120000">
+              <a:path w="120000" h="120000" extrusionOk="0">
                 <a:moveTo>
                   <a:pt x="0" y="0"/>
                 </a:moveTo>
@@ -747,9 +768,11 @@
       <p:sp>
         <p:nvSpPr>
           <p:cNvPr id="64" name="Google Shape;64;p:notes"/>
-          <p:cNvSpPr txBox="1"/>
+          <p:cNvSpPr txBox="1">
+            <a:spLocks noGrp="1"/>
+          </p:cNvSpPr>
           <p:nvPr>
-            <p:ph idx="1" type="body"/>
+            <p:ph type="body" idx="1"/>
           </p:nvPr>
         </p:nvSpPr>
         <p:spPr>
@@ -762,12 +785,12 @@
           </a:prstGeom>
         </p:spPr>
         <p:txBody>
-          <a:bodyPr anchorCtr="0" anchor="t" bIns="91425" lIns="91425" spcFirstLastPara="1" rIns="91425" wrap="square" tIns="91425">
+          <a:bodyPr spcFirstLastPara="1" wrap="square" lIns="91425" tIns="91425" rIns="91425" bIns="91425" anchor="t" anchorCtr="0">
             <a:noAutofit/>
           </a:bodyPr>
           <a:lstStyle/>
           <a:p>
-            <a:pPr indent="0" lvl="0" marL="0" rtl="0" algn="l">
+            <a:pPr marL="0" lvl="0" indent="0" algn="l" rtl="0">
               <a:spcBef>
                 <a:spcPts val="0"/>
               </a:spcBef>
@@ -776,9 +799,6 @@
               </a:spcAft>
               <a:buNone/>
             </a:pPr>
-            <a:r>
-              <a:t/>
-            </a:r>
             <a:endParaRPr/>
           </a:p>
         </p:txBody>
@@ -792,11 +812,11 @@
 </file>
 
 <file path=ppt/notesSlides/notesSlide10.xml><?xml version="1.0" encoding="utf-8"?>
-<p:notes xmlns:a="http://schemas.openxmlformats.org/drawingml/2006/main" xmlns:r="http://schemas.openxmlformats.org/officeDocument/2006/relationships" xmlns:mc="http://schemas.openxmlformats.org/markup-compatibility/2006" xmlns:mv="urn:schemas-microsoft-com:mac:vml" xmlns:p="http://schemas.openxmlformats.org/presentationml/2006/main" xmlns:c="http://schemas.openxmlformats.org/drawingml/2006/chart" xmlns:dgm="http://schemas.openxmlformats.org/drawingml/2006/diagram" xmlns:o="urn:schemas-microsoft-com:office:office" xmlns:v="urn:schemas-microsoft-com:vml" xmlns:pvml="urn:schemas-microsoft-com:office:powerpoint" xmlns:com="http://schemas.openxmlformats.org/drawingml/2006/compatibility" xmlns:p14="http://schemas.microsoft.com/office/powerpoint/2010/main" xmlns:p15="http://schemas.microsoft.com/office/powerpoint/2012/main" showMasterPhAnim="0" showMasterSp="0">
+<p:notes xmlns:a="http://schemas.openxmlformats.org/drawingml/2006/main" xmlns:r="http://schemas.openxmlformats.org/officeDocument/2006/relationships" xmlns:p="http://schemas.openxmlformats.org/presentationml/2006/main" showMasterSp="0" showMasterPhAnim="0">
   <p:cSld>
     <p:spTree>
       <p:nvGrpSpPr>
-        <p:cNvPr id="129" name="Shape 129"/>
+        <p:cNvPr id="1" name="Shape 129"/>
         <p:cNvGrpSpPr/>
         <p:nvPr/>
       </p:nvGrpSpPr>
@@ -811,20 +831,26 @@
       <p:sp>
         <p:nvSpPr>
           <p:cNvPr id="130" name="Google Shape;130;g463e153cd9_0_190:notes"/>
-          <p:cNvSpPr/>
+          <p:cNvSpPr>
+            <a:spLocks noGrp="1" noRot="1" noChangeAspect="1"/>
+          </p:cNvSpPr>
           <p:nvPr>
-            <p:ph idx="2" type="sldImg"/>
+            <p:ph type="sldImg" idx="2"/>
           </p:nvPr>
         </p:nvSpPr>
         <p:spPr>
           <a:xfrm>
-            <a:off x="381300" y="685800"/>
+            <a:off x="381000" y="685800"/>
             <a:ext cx="6096000" cy="3429000"/>
           </a:xfrm>
           <a:custGeom>
-            <a:rect b="b" l="l" r="r" t="t"/>
+            <a:avLst/>
+            <a:gdLst/>
+            <a:ahLst/>
+            <a:cxnLst/>
+            <a:rect l="l" t="t" r="r" b="b"/>
             <a:pathLst>
-              <a:path extrusionOk="0" h="120000" w="120000">
+              <a:path w="120000" h="120000" extrusionOk="0">
                 <a:moveTo>
                   <a:pt x="0" y="0"/>
                 </a:moveTo>
@@ -846,9 +872,11 @@
       <p:sp>
         <p:nvSpPr>
           <p:cNvPr id="131" name="Google Shape;131;g463e153cd9_0_190:notes"/>
-          <p:cNvSpPr txBox="1"/>
+          <p:cNvSpPr txBox="1">
+            <a:spLocks noGrp="1"/>
+          </p:cNvSpPr>
           <p:nvPr>
-            <p:ph idx="1" type="body"/>
+            <p:ph type="body" idx="1"/>
           </p:nvPr>
         </p:nvSpPr>
         <p:spPr>
@@ -861,12 +889,12 @@
           </a:prstGeom>
         </p:spPr>
         <p:txBody>
-          <a:bodyPr anchorCtr="0" anchor="t" bIns="91425" lIns="91425" spcFirstLastPara="1" rIns="91425" wrap="square" tIns="91425">
+          <a:bodyPr spcFirstLastPara="1" wrap="square" lIns="91425" tIns="91425" rIns="91425" bIns="91425" anchor="t" anchorCtr="0">
             <a:noAutofit/>
           </a:bodyPr>
           <a:lstStyle/>
           <a:p>
-            <a:pPr indent="0" lvl="0" marL="0" rtl="0" algn="l">
+            <a:pPr marL="0" lvl="0" indent="0" algn="l" rtl="0">
               <a:spcBef>
                 <a:spcPts val="0"/>
               </a:spcBef>
@@ -875,9 +903,6 @@
               </a:spcAft>
               <a:buNone/>
             </a:pPr>
-            <a:r>
-              <a:t/>
-            </a:r>
             <a:endParaRPr/>
           </a:p>
         </p:txBody>
@@ -891,11 +916,11 @@
 </file>
 
 <file path=ppt/notesSlides/notesSlide11.xml><?xml version="1.0" encoding="utf-8"?>
-<p:notes xmlns:a="http://schemas.openxmlformats.org/drawingml/2006/main" xmlns:r="http://schemas.openxmlformats.org/officeDocument/2006/relationships" xmlns:mc="http://schemas.openxmlformats.org/markup-compatibility/2006" xmlns:mv="urn:schemas-microsoft-com:mac:vml" xmlns:p="http://schemas.openxmlformats.org/presentationml/2006/main" xmlns:c="http://schemas.openxmlformats.org/drawingml/2006/chart" xmlns:dgm="http://schemas.openxmlformats.org/drawingml/2006/diagram" xmlns:o="urn:schemas-microsoft-com:office:office" xmlns:v="urn:schemas-microsoft-com:vml" xmlns:pvml="urn:schemas-microsoft-com:office:powerpoint" xmlns:com="http://schemas.openxmlformats.org/drawingml/2006/compatibility" xmlns:p14="http://schemas.microsoft.com/office/powerpoint/2010/main" xmlns:p15="http://schemas.microsoft.com/office/powerpoint/2012/main" showMasterPhAnim="0" showMasterSp="0">
+<p:notes xmlns:a="http://schemas.openxmlformats.org/drawingml/2006/main" xmlns:r="http://schemas.openxmlformats.org/officeDocument/2006/relationships" xmlns:p="http://schemas.openxmlformats.org/presentationml/2006/main" showMasterSp="0" showMasterPhAnim="0">
   <p:cSld>
     <p:spTree>
       <p:nvGrpSpPr>
-        <p:cNvPr id="138" name="Shape 138"/>
+        <p:cNvPr id="1" name="Shape 138"/>
         <p:cNvGrpSpPr/>
         <p:nvPr/>
       </p:nvGrpSpPr>
@@ -910,20 +935,26 @@
       <p:sp>
         <p:nvSpPr>
           <p:cNvPr id="139" name="Google Shape;139;g463e153cd9_0_178:notes"/>
-          <p:cNvSpPr/>
+          <p:cNvSpPr>
+            <a:spLocks noGrp="1" noRot="1" noChangeAspect="1"/>
+          </p:cNvSpPr>
           <p:nvPr>
-            <p:ph idx="2" type="sldImg"/>
+            <p:ph type="sldImg" idx="2"/>
           </p:nvPr>
         </p:nvSpPr>
         <p:spPr>
           <a:xfrm>
-            <a:off x="381300" y="685800"/>
+            <a:off x="381000" y="685800"/>
             <a:ext cx="6096000" cy="3429000"/>
           </a:xfrm>
           <a:custGeom>
-            <a:rect b="b" l="l" r="r" t="t"/>
+            <a:avLst/>
+            <a:gdLst/>
+            <a:ahLst/>
+            <a:cxnLst/>
+            <a:rect l="l" t="t" r="r" b="b"/>
             <a:pathLst>
-              <a:path extrusionOk="0" h="120000" w="120000">
+              <a:path w="120000" h="120000" extrusionOk="0">
                 <a:moveTo>
                   <a:pt x="0" y="0"/>
                 </a:moveTo>
@@ -945,9 +976,11 @@
       <p:sp>
         <p:nvSpPr>
           <p:cNvPr id="140" name="Google Shape;140;g463e153cd9_0_178:notes"/>
-          <p:cNvSpPr txBox="1"/>
+          <p:cNvSpPr txBox="1">
+            <a:spLocks noGrp="1"/>
+          </p:cNvSpPr>
           <p:nvPr>
-            <p:ph idx="1" type="body"/>
+            <p:ph type="body" idx="1"/>
           </p:nvPr>
         </p:nvSpPr>
         <p:spPr>
@@ -960,12 +993,12 @@
           </a:prstGeom>
         </p:spPr>
         <p:txBody>
-          <a:bodyPr anchorCtr="0" anchor="t" bIns="91425" lIns="91425" spcFirstLastPara="1" rIns="91425" wrap="square" tIns="91425">
+          <a:bodyPr spcFirstLastPara="1" wrap="square" lIns="91425" tIns="91425" rIns="91425" bIns="91425" anchor="t" anchorCtr="0">
             <a:noAutofit/>
           </a:bodyPr>
           <a:lstStyle/>
           <a:p>
-            <a:pPr indent="0" lvl="0" marL="0" rtl="0" algn="l">
+            <a:pPr marL="0" lvl="0" indent="0" algn="l" rtl="0">
               <a:spcBef>
                 <a:spcPts val="0"/>
               </a:spcBef>
@@ -974,9 +1007,6 @@
               </a:spcAft>
               <a:buNone/>
             </a:pPr>
-            <a:r>
-              <a:t/>
-            </a:r>
             <a:endParaRPr/>
           </a:p>
         </p:txBody>
@@ -990,11 +1020,11 @@
 </file>
 
 <file path=ppt/notesSlides/notesSlide2.xml><?xml version="1.0" encoding="utf-8"?>
-<p:notes xmlns:a="http://schemas.openxmlformats.org/drawingml/2006/main" xmlns:r="http://schemas.openxmlformats.org/officeDocument/2006/relationships" xmlns:mc="http://schemas.openxmlformats.org/markup-compatibility/2006" xmlns:mv="urn:schemas-microsoft-com:mac:vml" xmlns:p="http://schemas.openxmlformats.org/presentationml/2006/main" xmlns:c="http://schemas.openxmlformats.org/drawingml/2006/chart" xmlns:dgm="http://schemas.openxmlformats.org/drawingml/2006/diagram" xmlns:o="urn:schemas-microsoft-com:office:office" xmlns:v="urn:schemas-microsoft-com:vml" xmlns:pvml="urn:schemas-microsoft-com:office:powerpoint" xmlns:com="http://schemas.openxmlformats.org/drawingml/2006/compatibility" xmlns:p14="http://schemas.microsoft.com/office/powerpoint/2010/main" xmlns:p15="http://schemas.microsoft.com/office/powerpoint/2012/main" showMasterPhAnim="0" showMasterSp="0">
+<p:notes xmlns:a="http://schemas.openxmlformats.org/drawingml/2006/main" xmlns:r="http://schemas.openxmlformats.org/officeDocument/2006/relationships" xmlns:p="http://schemas.openxmlformats.org/presentationml/2006/main" showMasterSp="0" showMasterPhAnim="0">
   <p:cSld>
     <p:spTree>
       <p:nvGrpSpPr>
-        <p:cNvPr id="68" name="Shape 68"/>
+        <p:cNvPr id="1" name="Shape 68"/>
         <p:cNvGrpSpPr/>
         <p:nvPr/>
       </p:nvGrpSpPr>
@@ -1009,9 +1039,11 @@
       <p:sp>
         <p:nvSpPr>
           <p:cNvPr id="69" name="Google Shape;69;g463e153cd9_0_112:notes"/>
-          <p:cNvSpPr/>
+          <p:cNvSpPr>
+            <a:spLocks noGrp="1" noRot="1" noChangeAspect="1"/>
+          </p:cNvSpPr>
           <p:nvPr>
-            <p:ph idx="2" type="sldImg"/>
+            <p:ph type="sldImg" idx="2"/>
           </p:nvPr>
         </p:nvSpPr>
         <p:spPr>
@@ -1020,9 +1052,13 @@
             <a:ext cx="6096000" cy="3429000"/>
           </a:xfrm>
           <a:custGeom>
-            <a:rect b="b" l="l" r="r" t="t"/>
+            <a:avLst/>
+            <a:gdLst/>
+            <a:ahLst/>
+            <a:cxnLst/>
+            <a:rect l="l" t="t" r="r" b="b"/>
             <a:pathLst>
-              <a:path extrusionOk="0" h="120000" w="120000">
+              <a:path w="120000" h="120000" extrusionOk="0">
                 <a:moveTo>
                   <a:pt x="0" y="0"/>
                 </a:moveTo>
@@ -1044,9 +1080,11 @@
       <p:sp>
         <p:nvSpPr>
           <p:cNvPr id="70" name="Google Shape;70;g463e153cd9_0_112:notes"/>
-          <p:cNvSpPr txBox="1"/>
+          <p:cNvSpPr txBox="1">
+            <a:spLocks noGrp="1"/>
+          </p:cNvSpPr>
           <p:nvPr>
-            <p:ph idx="1" type="body"/>
+            <p:ph type="body" idx="1"/>
           </p:nvPr>
         </p:nvSpPr>
         <p:spPr>
@@ -1059,12 +1097,12 @@
           </a:prstGeom>
         </p:spPr>
         <p:txBody>
-          <a:bodyPr anchorCtr="0" anchor="t" bIns="91425" lIns="91425" spcFirstLastPara="1" rIns="91425" wrap="square" tIns="91425">
+          <a:bodyPr spcFirstLastPara="1" wrap="square" lIns="91425" tIns="91425" rIns="91425" bIns="91425" anchor="t" anchorCtr="0">
             <a:noAutofit/>
           </a:bodyPr>
           <a:lstStyle/>
           <a:p>
-            <a:pPr indent="0" lvl="0" marL="0" rtl="0" algn="l">
+            <a:pPr marL="0" lvl="0" indent="0" algn="l" rtl="0">
               <a:spcBef>
                 <a:spcPts val="0"/>
               </a:spcBef>
@@ -1073,9 +1111,6 @@
               </a:spcAft>
               <a:buNone/>
             </a:pPr>
-            <a:r>
-              <a:t/>
-            </a:r>
             <a:endParaRPr/>
           </a:p>
         </p:txBody>
@@ -1089,11 +1124,11 @@
 </file>
 
 <file path=ppt/notesSlides/notesSlide3.xml><?xml version="1.0" encoding="utf-8"?>
-<p:notes xmlns:a="http://schemas.openxmlformats.org/drawingml/2006/main" xmlns:r="http://schemas.openxmlformats.org/officeDocument/2006/relationships" xmlns:mc="http://schemas.openxmlformats.org/markup-compatibility/2006" xmlns:mv="urn:schemas-microsoft-com:mac:vml" xmlns:p="http://schemas.openxmlformats.org/presentationml/2006/main" xmlns:c="http://schemas.openxmlformats.org/drawingml/2006/chart" xmlns:dgm="http://schemas.openxmlformats.org/drawingml/2006/diagram" xmlns:o="urn:schemas-microsoft-com:office:office" xmlns:v="urn:schemas-microsoft-com:vml" xmlns:pvml="urn:schemas-microsoft-com:office:powerpoint" xmlns:com="http://schemas.openxmlformats.org/drawingml/2006/compatibility" xmlns:p14="http://schemas.microsoft.com/office/powerpoint/2010/main" xmlns:p15="http://schemas.microsoft.com/office/powerpoint/2012/main" showMasterPhAnim="0" showMasterSp="0">
+<p:notes xmlns:a="http://schemas.openxmlformats.org/drawingml/2006/main" xmlns:r="http://schemas.openxmlformats.org/officeDocument/2006/relationships" xmlns:p="http://schemas.openxmlformats.org/presentationml/2006/main" showMasterSp="0" showMasterPhAnim="0">
   <p:cSld>
     <p:spTree>
       <p:nvGrpSpPr>
-        <p:cNvPr id="74" name="Shape 74"/>
+        <p:cNvPr id="1" name="Shape 74"/>
         <p:cNvGrpSpPr/>
         <p:nvPr/>
       </p:nvGrpSpPr>
@@ -1108,9 +1143,11 @@
       <p:sp>
         <p:nvSpPr>
           <p:cNvPr id="75" name="Google Shape;75;g463e153cd9_0_117:notes"/>
-          <p:cNvSpPr/>
+          <p:cNvSpPr>
+            <a:spLocks noGrp="1" noRot="1" noChangeAspect="1"/>
+          </p:cNvSpPr>
           <p:nvPr>
-            <p:ph idx="2" type="sldImg"/>
+            <p:ph type="sldImg" idx="2"/>
           </p:nvPr>
         </p:nvSpPr>
         <p:spPr>
@@ -1119,9 +1156,13 @@
             <a:ext cx="6096000" cy="3429000"/>
           </a:xfrm>
           <a:custGeom>
-            <a:rect b="b" l="l" r="r" t="t"/>
+            <a:avLst/>
+            <a:gdLst/>
+            <a:ahLst/>
+            <a:cxnLst/>
+            <a:rect l="l" t="t" r="r" b="b"/>
             <a:pathLst>
-              <a:path extrusionOk="0" h="120000" w="120000">
+              <a:path w="120000" h="120000" extrusionOk="0">
                 <a:moveTo>
                   <a:pt x="0" y="0"/>
                 </a:moveTo>
@@ -1143,9 +1184,11 @@
       <p:sp>
         <p:nvSpPr>
           <p:cNvPr id="76" name="Google Shape;76;g463e153cd9_0_117:notes"/>
-          <p:cNvSpPr txBox="1"/>
+          <p:cNvSpPr txBox="1">
+            <a:spLocks noGrp="1"/>
+          </p:cNvSpPr>
           <p:nvPr>
-            <p:ph idx="1" type="body"/>
+            <p:ph type="body" idx="1"/>
           </p:nvPr>
         </p:nvSpPr>
         <p:spPr>
@@ -1158,12 +1201,12 @@
           </a:prstGeom>
         </p:spPr>
         <p:txBody>
-          <a:bodyPr anchorCtr="0" anchor="t" bIns="91425" lIns="91425" spcFirstLastPara="1" rIns="91425" wrap="square" tIns="91425">
+          <a:bodyPr spcFirstLastPara="1" wrap="square" lIns="91425" tIns="91425" rIns="91425" bIns="91425" anchor="t" anchorCtr="0">
             <a:noAutofit/>
           </a:bodyPr>
           <a:lstStyle/>
           <a:p>
-            <a:pPr indent="0" lvl="0" marL="0" rtl="0" algn="l">
+            <a:pPr marL="0" lvl="0" indent="0" algn="l" rtl="0">
               <a:spcBef>
                 <a:spcPts val="0"/>
               </a:spcBef>
@@ -1172,9 +1215,6 @@
               </a:spcAft>
               <a:buNone/>
             </a:pPr>
-            <a:r>
-              <a:t/>
-            </a:r>
             <a:endParaRPr/>
           </a:p>
         </p:txBody>
@@ -1188,11 +1228,11 @@
 </file>
 
 <file path=ppt/notesSlides/notesSlide4.xml><?xml version="1.0" encoding="utf-8"?>
-<p:notes xmlns:a="http://schemas.openxmlformats.org/drawingml/2006/main" xmlns:r="http://schemas.openxmlformats.org/officeDocument/2006/relationships" xmlns:mc="http://schemas.openxmlformats.org/markup-compatibility/2006" xmlns:mv="urn:schemas-microsoft-com:mac:vml" xmlns:p="http://schemas.openxmlformats.org/presentationml/2006/main" xmlns:c="http://schemas.openxmlformats.org/drawingml/2006/chart" xmlns:dgm="http://schemas.openxmlformats.org/drawingml/2006/diagram" xmlns:o="urn:schemas-microsoft-com:office:office" xmlns:v="urn:schemas-microsoft-com:vml" xmlns:pvml="urn:schemas-microsoft-com:office:powerpoint" xmlns:com="http://schemas.openxmlformats.org/drawingml/2006/compatibility" xmlns:p14="http://schemas.microsoft.com/office/powerpoint/2010/main" xmlns:p15="http://schemas.microsoft.com/office/powerpoint/2012/main" showMasterPhAnim="0" showMasterSp="0">
+<p:notes xmlns:a="http://schemas.openxmlformats.org/drawingml/2006/main" xmlns:r="http://schemas.openxmlformats.org/officeDocument/2006/relationships" xmlns:p="http://schemas.openxmlformats.org/presentationml/2006/main" showMasterSp="0" showMasterPhAnim="0">
   <p:cSld>
     <p:spTree>
       <p:nvGrpSpPr>
-        <p:cNvPr id="81" name="Shape 81"/>
+        <p:cNvPr id="1" name="Shape 81"/>
         <p:cNvGrpSpPr/>
         <p:nvPr/>
       </p:nvGrpSpPr>
@@ -1207,9 +1247,11 @@
       <p:sp>
         <p:nvSpPr>
           <p:cNvPr id="82" name="Google Shape;82;g463e153cd9_0_122:notes"/>
-          <p:cNvSpPr/>
+          <p:cNvSpPr>
+            <a:spLocks noGrp="1" noRot="1" noChangeAspect="1"/>
+          </p:cNvSpPr>
           <p:nvPr>
-            <p:ph idx="2" type="sldImg"/>
+            <p:ph type="sldImg" idx="2"/>
           </p:nvPr>
         </p:nvSpPr>
         <p:spPr>
@@ -1218,9 +1260,13 @@
             <a:ext cx="6096000" cy="3429000"/>
           </a:xfrm>
           <a:custGeom>
-            <a:rect b="b" l="l" r="r" t="t"/>
+            <a:avLst/>
+            <a:gdLst/>
+            <a:ahLst/>
+            <a:cxnLst/>
+            <a:rect l="l" t="t" r="r" b="b"/>
             <a:pathLst>
-              <a:path extrusionOk="0" h="120000" w="120000">
+              <a:path w="120000" h="120000" extrusionOk="0">
                 <a:moveTo>
                   <a:pt x="0" y="0"/>
                 </a:moveTo>
@@ -1242,9 +1288,11 @@
       <p:sp>
         <p:nvSpPr>
           <p:cNvPr id="83" name="Google Shape;83;g463e153cd9_0_122:notes"/>
-          <p:cNvSpPr txBox="1"/>
+          <p:cNvSpPr txBox="1">
+            <a:spLocks noGrp="1"/>
+          </p:cNvSpPr>
           <p:nvPr>
-            <p:ph idx="1" type="body"/>
+            <p:ph type="body" idx="1"/>
           </p:nvPr>
         </p:nvSpPr>
         <p:spPr>
@@ -1257,12 +1305,12 @@
           </a:prstGeom>
         </p:spPr>
         <p:txBody>
-          <a:bodyPr anchorCtr="0" anchor="t" bIns="91425" lIns="91425" spcFirstLastPara="1" rIns="91425" wrap="square" tIns="91425">
+          <a:bodyPr spcFirstLastPara="1" wrap="square" lIns="91425" tIns="91425" rIns="91425" bIns="91425" anchor="t" anchorCtr="0">
             <a:noAutofit/>
           </a:bodyPr>
           <a:lstStyle/>
           <a:p>
-            <a:pPr indent="0" lvl="0" marL="0" rtl="0" algn="l">
+            <a:pPr marL="0" lvl="0" indent="0" algn="l" rtl="0">
               <a:spcBef>
                 <a:spcPts val="0"/>
               </a:spcBef>
@@ -1271,9 +1319,6 @@
               </a:spcAft>
               <a:buNone/>
             </a:pPr>
-            <a:r>
-              <a:t/>
-            </a:r>
             <a:endParaRPr/>
           </a:p>
         </p:txBody>
@@ -1287,11 +1332,11 @@
 </file>
 
 <file path=ppt/notesSlides/notesSlide5.xml><?xml version="1.0" encoding="utf-8"?>
-<p:notes xmlns:a="http://schemas.openxmlformats.org/drawingml/2006/main" xmlns:r="http://schemas.openxmlformats.org/officeDocument/2006/relationships" xmlns:mc="http://schemas.openxmlformats.org/markup-compatibility/2006" xmlns:mv="urn:schemas-microsoft-com:mac:vml" xmlns:p="http://schemas.openxmlformats.org/presentationml/2006/main" xmlns:c="http://schemas.openxmlformats.org/drawingml/2006/chart" xmlns:dgm="http://schemas.openxmlformats.org/drawingml/2006/diagram" xmlns:o="urn:schemas-microsoft-com:office:office" xmlns:v="urn:schemas-microsoft-com:vml" xmlns:pvml="urn:schemas-microsoft-com:office:powerpoint" xmlns:com="http://schemas.openxmlformats.org/drawingml/2006/compatibility" xmlns:p14="http://schemas.microsoft.com/office/powerpoint/2010/main" xmlns:p15="http://schemas.microsoft.com/office/powerpoint/2012/main" showMasterPhAnim="0" showMasterSp="0">
+<p:notes xmlns:a="http://schemas.openxmlformats.org/drawingml/2006/main" xmlns:r="http://schemas.openxmlformats.org/officeDocument/2006/relationships" xmlns:p="http://schemas.openxmlformats.org/presentationml/2006/main" showMasterSp="0" showMasterPhAnim="0">
   <p:cSld>
     <p:spTree>
       <p:nvGrpSpPr>
-        <p:cNvPr id="89" name="Shape 89"/>
+        <p:cNvPr id="1" name="Shape 89"/>
         <p:cNvGrpSpPr/>
         <p:nvPr/>
       </p:nvGrpSpPr>
@@ -1306,20 +1351,26 @@
       <p:sp>
         <p:nvSpPr>
           <p:cNvPr id="90" name="Google Shape;90;g463e153cd9_0_132:notes"/>
-          <p:cNvSpPr/>
+          <p:cNvSpPr>
+            <a:spLocks noGrp="1" noRot="1" noChangeAspect="1"/>
+          </p:cNvSpPr>
           <p:nvPr>
-            <p:ph idx="2" type="sldImg"/>
+            <p:ph type="sldImg" idx="2"/>
           </p:nvPr>
         </p:nvSpPr>
         <p:spPr>
           <a:xfrm>
-            <a:off x="381300" y="685800"/>
+            <a:off x="381000" y="685800"/>
             <a:ext cx="6096000" cy="3429000"/>
           </a:xfrm>
           <a:custGeom>
-            <a:rect b="b" l="l" r="r" t="t"/>
+            <a:avLst/>
+            <a:gdLst/>
+            <a:ahLst/>
+            <a:cxnLst/>
+            <a:rect l="l" t="t" r="r" b="b"/>
             <a:pathLst>
-              <a:path extrusionOk="0" h="120000" w="120000">
+              <a:path w="120000" h="120000" extrusionOk="0">
                 <a:moveTo>
                   <a:pt x="0" y="0"/>
                 </a:moveTo>
@@ -1341,9 +1392,11 @@
       <p:sp>
         <p:nvSpPr>
           <p:cNvPr id="91" name="Google Shape;91;g463e153cd9_0_132:notes"/>
-          <p:cNvSpPr txBox="1"/>
+          <p:cNvSpPr txBox="1">
+            <a:spLocks noGrp="1"/>
+          </p:cNvSpPr>
           <p:nvPr>
-            <p:ph idx="1" type="body"/>
+            <p:ph type="body" idx="1"/>
           </p:nvPr>
         </p:nvSpPr>
         <p:spPr>
@@ -1356,12 +1409,12 @@
           </a:prstGeom>
         </p:spPr>
         <p:txBody>
-          <a:bodyPr anchorCtr="0" anchor="t" bIns="91425" lIns="91425" spcFirstLastPara="1" rIns="91425" wrap="square" tIns="91425">
+          <a:bodyPr spcFirstLastPara="1" wrap="square" lIns="91425" tIns="91425" rIns="91425" bIns="91425" anchor="t" anchorCtr="0">
             <a:noAutofit/>
           </a:bodyPr>
           <a:lstStyle/>
           <a:p>
-            <a:pPr indent="0" lvl="0" marL="0" rtl="0" algn="l">
+            <a:pPr marL="0" lvl="0" indent="0" algn="l" rtl="0">
               <a:spcBef>
                 <a:spcPts val="0"/>
               </a:spcBef>
@@ -1370,9 +1423,6 @@
               </a:spcAft>
               <a:buNone/>
             </a:pPr>
-            <a:r>
-              <a:t/>
-            </a:r>
             <a:endParaRPr/>
           </a:p>
         </p:txBody>
@@ -1386,11 +1436,11 @@
 </file>
 
 <file path=ppt/notesSlides/notesSlide6.xml><?xml version="1.0" encoding="utf-8"?>
-<p:notes xmlns:a="http://schemas.openxmlformats.org/drawingml/2006/main" xmlns:r="http://schemas.openxmlformats.org/officeDocument/2006/relationships" xmlns:mc="http://schemas.openxmlformats.org/markup-compatibility/2006" xmlns:mv="urn:schemas-microsoft-com:mac:vml" xmlns:p="http://schemas.openxmlformats.org/presentationml/2006/main" xmlns:c="http://schemas.openxmlformats.org/drawingml/2006/chart" xmlns:dgm="http://schemas.openxmlformats.org/drawingml/2006/diagram" xmlns:o="urn:schemas-microsoft-com:office:office" xmlns:v="urn:schemas-microsoft-com:vml" xmlns:pvml="urn:schemas-microsoft-com:office:powerpoint" xmlns:com="http://schemas.openxmlformats.org/drawingml/2006/compatibility" xmlns:p14="http://schemas.microsoft.com/office/powerpoint/2010/main" xmlns:p15="http://schemas.microsoft.com/office/powerpoint/2012/main" showMasterPhAnim="0" showMasterSp="0">
+<p:notes xmlns:a="http://schemas.openxmlformats.org/drawingml/2006/main" xmlns:r="http://schemas.openxmlformats.org/officeDocument/2006/relationships" xmlns:p="http://schemas.openxmlformats.org/presentationml/2006/main" showMasterSp="0" showMasterPhAnim="0">
   <p:cSld>
     <p:spTree>
       <p:nvGrpSpPr>
-        <p:cNvPr id="97" name="Shape 97"/>
+        <p:cNvPr id="1" name="Shape 97"/>
         <p:cNvGrpSpPr/>
         <p:nvPr/>
       </p:nvGrpSpPr>
@@ -1405,9 +1455,11 @@
       <p:sp>
         <p:nvSpPr>
           <p:cNvPr id="98" name="Google Shape;98;g463e153cd9_0_127:notes"/>
-          <p:cNvSpPr/>
+          <p:cNvSpPr>
+            <a:spLocks noGrp="1" noRot="1" noChangeAspect="1"/>
+          </p:cNvSpPr>
           <p:nvPr>
-            <p:ph idx="2" type="sldImg"/>
+            <p:ph type="sldImg" idx="2"/>
           </p:nvPr>
         </p:nvSpPr>
         <p:spPr>
@@ -1416,9 +1468,13 @@
             <a:ext cx="6096000" cy="3429000"/>
           </a:xfrm>
           <a:custGeom>
-            <a:rect b="b" l="l" r="r" t="t"/>
+            <a:avLst/>
+            <a:gdLst/>
+            <a:ahLst/>
+            <a:cxnLst/>
+            <a:rect l="l" t="t" r="r" b="b"/>
             <a:pathLst>
-              <a:path extrusionOk="0" h="120000" w="120000">
+              <a:path w="120000" h="120000" extrusionOk="0">
                 <a:moveTo>
                   <a:pt x="0" y="0"/>
                 </a:moveTo>
@@ -1440,9 +1496,11 @@
       <p:sp>
         <p:nvSpPr>
           <p:cNvPr id="99" name="Google Shape;99;g463e153cd9_0_127:notes"/>
-          <p:cNvSpPr txBox="1"/>
+          <p:cNvSpPr txBox="1">
+            <a:spLocks noGrp="1"/>
+          </p:cNvSpPr>
           <p:nvPr>
-            <p:ph idx="1" type="body"/>
+            <p:ph type="body" idx="1"/>
           </p:nvPr>
         </p:nvSpPr>
         <p:spPr>
@@ -1455,12 +1513,12 @@
           </a:prstGeom>
         </p:spPr>
         <p:txBody>
-          <a:bodyPr anchorCtr="0" anchor="t" bIns="91425" lIns="91425" spcFirstLastPara="1" rIns="91425" wrap="square" tIns="91425">
+          <a:bodyPr spcFirstLastPara="1" wrap="square" lIns="91425" tIns="91425" rIns="91425" bIns="91425" anchor="t" anchorCtr="0">
             <a:noAutofit/>
           </a:bodyPr>
           <a:lstStyle/>
           <a:p>
-            <a:pPr indent="0" lvl="0" marL="0" rtl="0" algn="l">
+            <a:pPr marL="0" lvl="0" indent="0" algn="l" rtl="0">
               <a:spcBef>
                 <a:spcPts val="0"/>
               </a:spcBef>
@@ -1469,9 +1527,6 @@
               </a:spcAft>
               <a:buNone/>
             </a:pPr>
-            <a:r>
-              <a:t/>
-            </a:r>
             <a:endParaRPr/>
           </a:p>
         </p:txBody>
@@ -1485,11 +1540,11 @@
 </file>
 
 <file path=ppt/notesSlides/notesSlide7.xml><?xml version="1.0" encoding="utf-8"?>
-<p:notes xmlns:a="http://schemas.openxmlformats.org/drawingml/2006/main" xmlns:r="http://schemas.openxmlformats.org/officeDocument/2006/relationships" xmlns:mc="http://schemas.openxmlformats.org/markup-compatibility/2006" xmlns:mv="urn:schemas-microsoft-com:mac:vml" xmlns:p="http://schemas.openxmlformats.org/presentationml/2006/main" xmlns:c="http://schemas.openxmlformats.org/drawingml/2006/chart" xmlns:dgm="http://schemas.openxmlformats.org/drawingml/2006/diagram" xmlns:o="urn:schemas-microsoft-com:office:office" xmlns:v="urn:schemas-microsoft-com:vml" xmlns:pvml="urn:schemas-microsoft-com:office:powerpoint" xmlns:com="http://schemas.openxmlformats.org/drawingml/2006/compatibility" xmlns:p14="http://schemas.microsoft.com/office/powerpoint/2010/main" xmlns:p15="http://schemas.microsoft.com/office/powerpoint/2012/main" showMasterPhAnim="0" showMasterSp="0">
+<p:notes xmlns:a="http://schemas.openxmlformats.org/drawingml/2006/main" xmlns:r="http://schemas.openxmlformats.org/officeDocument/2006/relationships" xmlns:p="http://schemas.openxmlformats.org/presentationml/2006/main" showMasterSp="0" showMasterPhAnim="0">
   <p:cSld>
     <p:spTree>
       <p:nvGrpSpPr>
-        <p:cNvPr id="104" name="Shape 104"/>
+        <p:cNvPr id="1" name="Shape 104"/>
         <p:cNvGrpSpPr/>
         <p:nvPr/>
       </p:nvGrpSpPr>
@@ -1504,20 +1559,26 @@
       <p:sp>
         <p:nvSpPr>
           <p:cNvPr id="105" name="Google Shape;105;g463e153cd9_0_160:notes"/>
-          <p:cNvSpPr/>
+          <p:cNvSpPr>
+            <a:spLocks noGrp="1" noRot="1" noChangeAspect="1"/>
+          </p:cNvSpPr>
           <p:nvPr>
-            <p:ph idx="2" type="sldImg"/>
+            <p:ph type="sldImg" idx="2"/>
           </p:nvPr>
         </p:nvSpPr>
         <p:spPr>
           <a:xfrm>
-            <a:off x="381300" y="685800"/>
+            <a:off x="381000" y="685800"/>
             <a:ext cx="6096000" cy="3429000"/>
           </a:xfrm>
           <a:custGeom>
-            <a:rect b="b" l="l" r="r" t="t"/>
+            <a:avLst/>
+            <a:gdLst/>
+            <a:ahLst/>
+            <a:cxnLst/>
+            <a:rect l="l" t="t" r="r" b="b"/>
             <a:pathLst>
-              <a:path extrusionOk="0" h="120000" w="120000">
+              <a:path w="120000" h="120000" extrusionOk="0">
                 <a:moveTo>
                   <a:pt x="0" y="0"/>
                 </a:moveTo>
@@ -1539,9 +1600,11 @@
       <p:sp>
         <p:nvSpPr>
           <p:cNvPr id="106" name="Google Shape;106;g463e153cd9_0_160:notes"/>
-          <p:cNvSpPr txBox="1"/>
+          <p:cNvSpPr txBox="1">
+            <a:spLocks noGrp="1"/>
+          </p:cNvSpPr>
           <p:nvPr>
-            <p:ph idx="1" type="body"/>
+            <p:ph type="body" idx="1"/>
           </p:nvPr>
         </p:nvSpPr>
         <p:spPr>
@@ -1554,12 +1617,12 @@
           </a:prstGeom>
         </p:spPr>
         <p:txBody>
-          <a:bodyPr anchorCtr="0" anchor="t" bIns="91425" lIns="91425" spcFirstLastPara="1" rIns="91425" wrap="square" tIns="91425">
+          <a:bodyPr spcFirstLastPara="1" wrap="square" lIns="91425" tIns="91425" rIns="91425" bIns="91425" anchor="t" anchorCtr="0">
             <a:noAutofit/>
           </a:bodyPr>
           <a:lstStyle/>
           <a:p>
-            <a:pPr indent="0" lvl="0" marL="0" rtl="0" algn="l">
+            <a:pPr marL="0" lvl="0" indent="0" algn="l" rtl="0">
               <a:spcBef>
                 <a:spcPts val="0"/>
               </a:spcBef>
@@ -1568,9 +1631,6 @@
               </a:spcAft>
               <a:buNone/>
             </a:pPr>
-            <a:r>
-              <a:t/>
-            </a:r>
             <a:endParaRPr/>
           </a:p>
         </p:txBody>
@@ -1584,11 +1644,11 @@
 </file>
 
 <file path=ppt/notesSlides/notesSlide8.xml><?xml version="1.0" encoding="utf-8"?>
-<p:notes xmlns:a="http://schemas.openxmlformats.org/drawingml/2006/main" xmlns:r="http://schemas.openxmlformats.org/officeDocument/2006/relationships" xmlns:mc="http://schemas.openxmlformats.org/markup-compatibility/2006" xmlns:mv="urn:schemas-microsoft-com:mac:vml" xmlns:p="http://schemas.openxmlformats.org/presentationml/2006/main" xmlns:c="http://schemas.openxmlformats.org/drawingml/2006/chart" xmlns:dgm="http://schemas.openxmlformats.org/drawingml/2006/diagram" xmlns:o="urn:schemas-microsoft-com:office:office" xmlns:v="urn:schemas-microsoft-com:vml" xmlns:pvml="urn:schemas-microsoft-com:office:powerpoint" xmlns:com="http://schemas.openxmlformats.org/drawingml/2006/compatibility" xmlns:p14="http://schemas.microsoft.com/office/powerpoint/2010/main" xmlns:p15="http://schemas.microsoft.com/office/powerpoint/2012/main" showMasterPhAnim="0" showMasterSp="0">
+<p:notes xmlns:a="http://schemas.openxmlformats.org/drawingml/2006/main" xmlns:r="http://schemas.openxmlformats.org/officeDocument/2006/relationships" xmlns:p="http://schemas.openxmlformats.org/presentationml/2006/main" showMasterSp="0" showMasterPhAnim="0">
   <p:cSld>
     <p:spTree>
       <p:nvGrpSpPr>
-        <p:cNvPr id="114" name="Shape 114"/>
+        <p:cNvPr id="1" name="Shape 114"/>
         <p:cNvGrpSpPr/>
         <p:nvPr/>
       </p:nvGrpSpPr>
@@ -1603,9 +1663,11 @@
       <p:sp>
         <p:nvSpPr>
           <p:cNvPr id="115" name="Google Shape;115;g463e153cd9_0_137:notes"/>
-          <p:cNvSpPr/>
+          <p:cNvSpPr>
+            <a:spLocks noGrp="1" noRot="1" noChangeAspect="1"/>
+          </p:cNvSpPr>
           <p:nvPr>
-            <p:ph idx="2" type="sldImg"/>
+            <p:ph type="sldImg" idx="2"/>
           </p:nvPr>
         </p:nvSpPr>
         <p:spPr>
@@ -1614,9 +1676,13 @@
             <a:ext cx="6096000" cy="3429000"/>
           </a:xfrm>
           <a:custGeom>
-            <a:rect b="b" l="l" r="r" t="t"/>
+            <a:avLst/>
+            <a:gdLst/>
+            <a:ahLst/>
+            <a:cxnLst/>
+            <a:rect l="l" t="t" r="r" b="b"/>
             <a:pathLst>
-              <a:path extrusionOk="0" h="120000" w="120000">
+              <a:path w="120000" h="120000" extrusionOk="0">
                 <a:moveTo>
                   <a:pt x="0" y="0"/>
                 </a:moveTo>
@@ -1638,9 +1704,11 @@
       <p:sp>
         <p:nvSpPr>
           <p:cNvPr id="116" name="Google Shape;116;g463e153cd9_0_137:notes"/>
-          <p:cNvSpPr txBox="1"/>
+          <p:cNvSpPr txBox="1">
+            <a:spLocks noGrp="1"/>
+          </p:cNvSpPr>
           <p:nvPr>
-            <p:ph idx="1" type="body"/>
+            <p:ph type="body" idx="1"/>
           </p:nvPr>
         </p:nvSpPr>
         <p:spPr>
@@ -1653,12 +1721,12 @@
           </a:prstGeom>
         </p:spPr>
         <p:txBody>
-          <a:bodyPr anchorCtr="0" anchor="t" bIns="91425" lIns="91425" spcFirstLastPara="1" rIns="91425" wrap="square" tIns="91425">
+          <a:bodyPr spcFirstLastPara="1" wrap="square" lIns="91425" tIns="91425" rIns="91425" bIns="91425" anchor="t" anchorCtr="0">
             <a:noAutofit/>
           </a:bodyPr>
           <a:lstStyle/>
           <a:p>
-            <a:pPr indent="0" lvl="0" marL="0" rtl="0" algn="l">
+            <a:pPr marL="0" lvl="0" indent="0" algn="l" rtl="0">
               <a:spcBef>
                 <a:spcPts val="0"/>
               </a:spcBef>
@@ -1667,9 +1735,6 @@
               </a:spcAft>
               <a:buNone/>
             </a:pPr>
-            <a:r>
-              <a:t/>
-            </a:r>
             <a:endParaRPr/>
           </a:p>
         </p:txBody>
@@ -1683,11 +1748,11 @@
 </file>
 
 <file path=ppt/notesSlides/notesSlide9.xml><?xml version="1.0" encoding="utf-8"?>
-<p:notes xmlns:a="http://schemas.openxmlformats.org/drawingml/2006/main" xmlns:r="http://schemas.openxmlformats.org/officeDocument/2006/relationships" xmlns:mc="http://schemas.openxmlformats.org/markup-compatibility/2006" xmlns:mv="urn:schemas-microsoft-com:mac:vml" xmlns:p="http://schemas.openxmlformats.org/presentationml/2006/main" xmlns:c="http://schemas.openxmlformats.org/drawingml/2006/chart" xmlns:dgm="http://schemas.openxmlformats.org/drawingml/2006/diagram" xmlns:o="urn:schemas-microsoft-com:office:office" xmlns:v="urn:schemas-microsoft-com:vml" xmlns:pvml="urn:schemas-microsoft-com:office:powerpoint" xmlns:com="http://schemas.openxmlformats.org/drawingml/2006/compatibility" xmlns:p14="http://schemas.microsoft.com/office/powerpoint/2010/main" xmlns:p15="http://schemas.microsoft.com/office/powerpoint/2012/main" showMasterPhAnim="0" showMasterSp="0">
+<p:notes xmlns:a="http://schemas.openxmlformats.org/drawingml/2006/main" xmlns:r="http://schemas.openxmlformats.org/officeDocument/2006/relationships" xmlns:p="http://schemas.openxmlformats.org/presentationml/2006/main" showMasterSp="0" showMasterPhAnim="0">
   <p:cSld>
     <p:spTree>
       <p:nvGrpSpPr>
-        <p:cNvPr id="122" name="Shape 122"/>
+        <p:cNvPr id="1" name="Shape 122"/>
         <p:cNvGrpSpPr/>
         <p:nvPr/>
       </p:nvGrpSpPr>
@@ -1702,20 +1767,26 @@
       <p:sp>
         <p:nvSpPr>
           <p:cNvPr id="123" name="Google Shape;123;g463e153cd9_0_206:notes"/>
-          <p:cNvSpPr/>
+          <p:cNvSpPr>
+            <a:spLocks noGrp="1" noRot="1" noChangeAspect="1"/>
+          </p:cNvSpPr>
           <p:nvPr>
-            <p:ph idx="2" type="sldImg"/>
+            <p:ph type="sldImg" idx="2"/>
           </p:nvPr>
         </p:nvSpPr>
         <p:spPr>
           <a:xfrm>
-            <a:off x="381300" y="685800"/>
+            <a:off x="381000" y="685800"/>
             <a:ext cx="6096000" cy="3429000"/>
           </a:xfrm>
           <a:custGeom>
-            <a:rect b="b" l="l" r="r" t="t"/>
+            <a:avLst/>
+            <a:gdLst/>
+            <a:ahLst/>
+            <a:cxnLst/>
+            <a:rect l="l" t="t" r="r" b="b"/>
             <a:pathLst>
-              <a:path extrusionOk="0" h="120000" w="120000">
+              <a:path w="120000" h="120000" extrusionOk="0">
                 <a:moveTo>
                   <a:pt x="0" y="0"/>
                 </a:moveTo>
@@ -1737,9 +1808,11 @@
       <p:sp>
         <p:nvSpPr>
           <p:cNvPr id="124" name="Google Shape;124;g463e153cd9_0_206:notes"/>
-          <p:cNvSpPr txBox="1"/>
+          <p:cNvSpPr txBox="1">
+            <a:spLocks noGrp="1"/>
+          </p:cNvSpPr>
           <p:nvPr>
-            <p:ph idx="1" type="body"/>
+            <p:ph type="body" idx="1"/>
           </p:nvPr>
         </p:nvSpPr>
         <p:spPr>
@@ -1752,12 +1825,12 @@
           </a:prstGeom>
         </p:spPr>
         <p:txBody>
-          <a:bodyPr anchorCtr="0" anchor="t" bIns="91425" lIns="91425" spcFirstLastPara="1" rIns="91425" wrap="square" tIns="91425">
+          <a:bodyPr spcFirstLastPara="1" wrap="square" lIns="91425" tIns="91425" rIns="91425" bIns="91425" anchor="t" anchorCtr="0">
             <a:noAutofit/>
           </a:bodyPr>
           <a:lstStyle/>
           <a:p>
-            <a:pPr indent="0" lvl="0" marL="0" rtl="0" algn="l">
+            <a:pPr marL="0" lvl="0" indent="0" algn="l" rtl="0">
               <a:spcBef>
                 <a:spcPts val="0"/>
               </a:spcBef>
@@ -1766,9 +1839,6 @@
               </a:spcAft>
               <a:buNone/>
             </a:pPr>
-            <a:r>
-              <a:t/>
-            </a:r>
             <a:endParaRPr/>
           </a:p>
         </p:txBody>
@@ -1782,11 +1852,11 @@
 </file>
 
 <file path=ppt/slideLayouts/slideLayout1.xml><?xml version="1.0" encoding="utf-8"?>
-<p:sldLayout xmlns:a="http://schemas.openxmlformats.org/drawingml/2006/main" xmlns:r="http://schemas.openxmlformats.org/officeDocument/2006/relationships" xmlns:mc="http://schemas.openxmlformats.org/markup-compatibility/2006" xmlns:mv="urn:schemas-microsoft-com:mac:vml" xmlns:p="http://schemas.openxmlformats.org/presentationml/2006/main" xmlns:c="http://schemas.openxmlformats.org/drawingml/2006/chart" xmlns:dgm="http://schemas.openxmlformats.org/drawingml/2006/diagram" xmlns:o="urn:schemas-microsoft-com:office:office" xmlns:v="urn:schemas-microsoft-com:vml" xmlns:pvml="urn:schemas-microsoft-com:office:powerpoint" xmlns:com="http://schemas.openxmlformats.org/drawingml/2006/compatibility" xmlns:p14="http://schemas.microsoft.com/office/powerpoint/2010/main" xmlns:p15="http://schemas.microsoft.com/office/powerpoint/2012/main" matchingName="Title slide" type="title">
+<p:sldLayout xmlns:a="http://schemas.openxmlformats.org/drawingml/2006/main" xmlns:r="http://schemas.openxmlformats.org/officeDocument/2006/relationships" xmlns:p="http://schemas.openxmlformats.org/presentationml/2006/main" matchingName="Title slide" type="title">
   <p:cSld name="TITLE">
     <p:spTree>
       <p:nvGrpSpPr>
-        <p:cNvPr id="9" name="Shape 9"/>
+        <p:cNvPr id="1" name="Shape 9"/>
         <p:cNvGrpSpPr/>
         <p:nvPr/>
       </p:nvGrpSpPr>
@@ -1813,14 +1883,14 @@
             <a:avLst/>
           </a:prstGeom>
           <a:noFill/>
-          <a:ln cap="flat" cmpd="sng" w="76200">
+          <a:ln w="76200" cap="flat" cmpd="sng">
             <a:solidFill>
               <a:schemeClr val="lt2"/>
             </a:solidFill>
             <a:prstDash val="solid"/>
             <a:round/>
-            <a:headEnd len="sm" w="sm" type="none"/>
-            <a:tailEnd len="sm" w="sm" type="none"/>
+            <a:headEnd type="none" w="sm" len="sm"/>
+            <a:tailEnd type="none" w="sm" len="sm"/>
           </a:ln>
         </p:spPr>
       </p:cxnSp>
@@ -1839,14 +1909,14 @@
             <a:avLst/>
           </a:prstGeom>
           <a:noFill/>
-          <a:ln cap="flat" cmpd="sng" w="76200">
+          <a:ln w="76200" cap="flat" cmpd="sng">
             <a:solidFill>
               <a:schemeClr val="lt2"/>
             </a:solidFill>
             <a:prstDash val="solid"/>
             <a:round/>
-            <a:headEnd len="sm" w="sm" type="none"/>
-            <a:tailEnd len="sm" w="sm" type="none"/>
+            <a:headEnd type="none" w="sm" len="sm"/>
+            <a:tailEnd type="none" w="sm" len="sm"/>
           </a:ln>
         </p:spPr>
       </p:cxnSp>
@@ -1879,14 +1949,14 @@
               <a:avLst/>
             </a:prstGeom>
             <a:noFill/>
-            <a:ln cap="flat" cmpd="sng" w="76200">
+            <a:ln w="76200" cap="flat" cmpd="sng">
               <a:solidFill>
                 <a:schemeClr val="accent3"/>
               </a:solidFill>
               <a:prstDash val="solid"/>
               <a:round/>
-              <a:headEnd len="sm" w="sm" type="none"/>
-              <a:tailEnd len="sm" w="sm" type="none"/>
+              <a:headEnd type="none" w="sm" len="sm"/>
+              <a:tailEnd type="none" w="sm" len="sm"/>
             </a:ln>
           </p:spPr>
         </p:cxnSp>
@@ -1905,14 +1975,14 @@
               <a:avLst/>
             </a:prstGeom>
             <a:noFill/>
-            <a:ln cap="flat" cmpd="sng" w="9525">
+            <a:ln w="9525" cap="flat" cmpd="sng">
               <a:solidFill>
                 <a:schemeClr val="accent3"/>
               </a:solidFill>
               <a:prstDash val="solid"/>
               <a:round/>
-              <a:headEnd len="sm" w="sm" type="none"/>
-              <a:tailEnd len="sm" w="sm" type="none"/>
+              <a:headEnd type="none" w="sm" len="sm"/>
+              <a:tailEnd type="none" w="sm" len="sm"/>
             </a:ln>
           </p:spPr>
         </p:cxnSp>
@@ -1946,14 +2016,14 @@
               <a:avLst/>
             </a:prstGeom>
             <a:noFill/>
-            <a:ln cap="flat" cmpd="sng" w="76200">
+            <a:ln w="76200" cap="flat" cmpd="sng">
               <a:solidFill>
                 <a:schemeClr val="accent3"/>
               </a:solidFill>
               <a:prstDash val="solid"/>
               <a:round/>
-              <a:headEnd len="sm" w="sm" type="none"/>
-              <a:tailEnd len="sm" w="sm" type="none"/>
+              <a:headEnd type="none" w="sm" len="sm"/>
+              <a:tailEnd type="none" w="sm" len="sm"/>
             </a:ln>
           </p:spPr>
         </p:cxnSp>
@@ -1972,14 +2042,14 @@
               <a:avLst/>
             </a:prstGeom>
             <a:noFill/>
-            <a:ln cap="flat" cmpd="sng" w="9525">
+            <a:ln w="9525" cap="flat" cmpd="sng">
               <a:solidFill>
                 <a:schemeClr val="accent3"/>
               </a:solidFill>
               <a:prstDash val="solid"/>
               <a:round/>
-              <a:headEnd len="sm" w="sm" type="none"/>
-              <a:tailEnd len="sm" w="sm" type="none"/>
+              <a:headEnd type="none" w="sm" len="sm"/>
+              <a:tailEnd type="none" w="sm" len="sm"/>
             </a:ln>
           </p:spPr>
         </p:cxnSp>
@@ -1987,7 +2057,9 @@
       <p:sp>
         <p:nvSpPr>
           <p:cNvPr id="18" name="Google Shape;18;p2"/>
-          <p:cNvSpPr txBox="1"/>
+          <p:cNvSpPr txBox="1">
+            <a:spLocks noGrp="1"/>
+          </p:cNvSpPr>
           <p:nvPr>
             <p:ph type="ctrTitle"/>
           </p:nvPr>
@@ -2002,7 +2074,7 @@
           </a:prstGeom>
         </p:spPr>
         <p:txBody>
-          <a:bodyPr anchorCtr="0" anchor="b" bIns="91425" lIns="91425" spcFirstLastPara="1" rIns="91425" wrap="square" tIns="91425"/>
+          <a:bodyPr spcFirstLastPara="1" wrap="square" lIns="91425" tIns="91425" rIns="91425" bIns="91425" anchor="b" anchorCtr="0"/>
           <a:lstStyle>
             <a:lvl1pPr lvl="0" algn="ctr">
               <a:spcBef>
@@ -2104,15 +2176,19 @@
               <a:defRPr sz="5400"/>
             </a:lvl9pPr>
           </a:lstStyle>
-          <a:p/>
+          <a:p>
+            <a:endParaRPr/>
+          </a:p>
         </p:txBody>
       </p:sp>
       <p:sp>
         <p:nvSpPr>
           <p:cNvPr id="19" name="Google Shape;19;p2"/>
-          <p:cNvSpPr txBox="1"/>
+          <p:cNvSpPr txBox="1">
+            <a:spLocks noGrp="1"/>
+          </p:cNvSpPr>
           <p:nvPr>
-            <p:ph idx="1" type="subTitle"/>
+            <p:ph type="subTitle" idx="1"/>
           </p:nvPr>
         </p:nvSpPr>
         <p:spPr>
@@ -2125,7 +2201,7 @@
           </a:prstGeom>
         </p:spPr>
         <p:txBody>
-          <a:bodyPr anchorCtr="0" anchor="t" bIns="91425" lIns="91425" spcFirstLastPara="1" rIns="91425" wrap="square" tIns="91425"/>
+          <a:bodyPr spcFirstLastPara="1" wrap="square" lIns="91425" tIns="91425" rIns="91425" bIns="91425" anchor="t" anchorCtr="0"/>
           <a:lstStyle>
             <a:lvl1pPr lvl="0" algn="ctr">
               <a:lnSpc>
@@ -2254,15 +2330,19 @@
               <a:defRPr sz="2400"/>
             </a:lvl9pPr>
           </a:lstStyle>
-          <a:p/>
+          <a:p>
+            <a:endParaRPr/>
+          </a:p>
         </p:txBody>
       </p:sp>
       <p:sp>
         <p:nvSpPr>
           <p:cNvPr id="20" name="Google Shape;20;p2"/>
-          <p:cNvSpPr txBox="1"/>
+          <p:cNvSpPr txBox="1">
+            <a:spLocks noGrp="1"/>
+          </p:cNvSpPr>
           <p:nvPr>
-            <p:ph idx="12" type="sldNum"/>
+            <p:ph type="sldNum" idx="12"/>
           </p:nvPr>
         </p:nvSpPr>
         <p:spPr>
@@ -2275,7 +2355,7 @@
           </a:prstGeom>
         </p:spPr>
         <p:txBody>
-          <a:bodyPr anchorCtr="0" anchor="ctr" bIns="91425" lIns="91425" spcFirstLastPara="1" rIns="91425" wrap="square" tIns="91425">
+          <a:bodyPr spcFirstLastPara="1" wrap="square" lIns="91425" tIns="91425" rIns="91425" bIns="91425" anchor="ctr" anchorCtr="0">
             <a:noAutofit/>
           </a:bodyPr>
           <a:lstStyle>
@@ -2317,7 +2397,7 @@
             </a:lvl9pPr>
           </a:lstStyle>
           <a:p>
-            <a:pPr indent="0" lvl="0" marL="0" rtl="0" algn="r">
+            <a:pPr marL="0" lvl="0" indent="0" algn="r" rtl="0">
               <a:spcBef>
                 <a:spcPts val="0"/>
               </a:spcBef>
@@ -2343,11 +2423,11 @@
 </file>
 
 <file path=ppt/slideLayouts/slideLayout10.xml><?xml version="1.0" encoding="utf-8"?>
-<p:sldLayout xmlns:a="http://schemas.openxmlformats.org/drawingml/2006/main" xmlns:r="http://schemas.openxmlformats.org/officeDocument/2006/relationships" xmlns:mc="http://schemas.openxmlformats.org/markup-compatibility/2006" xmlns:mv="urn:schemas-microsoft-com:mac:vml" xmlns:p="http://schemas.openxmlformats.org/presentationml/2006/main" xmlns:c="http://schemas.openxmlformats.org/drawingml/2006/chart" xmlns:dgm="http://schemas.openxmlformats.org/drawingml/2006/diagram" xmlns:o="urn:schemas-microsoft-com:office:office" xmlns:v="urn:schemas-microsoft-com:vml" xmlns:pvml="urn:schemas-microsoft-com:office:powerpoint" xmlns:com="http://schemas.openxmlformats.org/drawingml/2006/compatibility" xmlns:p14="http://schemas.microsoft.com/office/powerpoint/2010/main" xmlns:p15="http://schemas.microsoft.com/office/powerpoint/2012/main" matchingName="Big number">
+<p:sldLayout xmlns:a="http://schemas.openxmlformats.org/drawingml/2006/main" xmlns:r="http://schemas.openxmlformats.org/officeDocument/2006/relationships" xmlns:p="http://schemas.openxmlformats.org/presentationml/2006/main" matchingName="Big number">
   <p:cSld name="BIG_NUMBER">
     <p:spTree>
       <p:nvGrpSpPr>
-        <p:cNvPr id="55" name="Shape 55"/>
+        <p:cNvPr id="1" name="Shape 55"/>
         <p:cNvGrpSpPr/>
         <p:nvPr/>
       </p:nvGrpSpPr>
@@ -2381,12 +2461,12 @@
           </a:ln>
         </p:spPr>
         <p:txBody>
-          <a:bodyPr anchorCtr="0" anchor="ctr" bIns="91425" lIns="91425" spcFirstLastPara="1" rIns="91425" wrap="square" tIns="91425">
+          <a:bodyPr spcFirstLastPara="1" wrap="square" lIns="91425" tIns="91425" rIns="91425" bIns="91425" anchor="ctr" anchorCtr="0">
             <a:noAutofit/>
           </a:bodyPr>
           <a:lstStyle/>
           <a:p>
-            <a:pPr indent="0" lvl="0" marL="0" rtl="0" algn="l">
+            <a:pPr marL="0" lvl="0" indent="0" algn="l" rtl="0">
               <a:spcBef>
                 <a:spcPts val="0"/>
               </a:spcBef>
@@ -2395,9 +2475,6 @@
               </a:spcAft>
               <a:buNone/>
             </a:pPr>
-            <a:r>
-              <a:t/>
-            </a:r>
             <a:endParaRPr/>
           </a:p>
         </p:txBody>
@@ -2405,9 +2482,11 @@
       <p:sp>
         <p:nvSpPr>
           <p:cNvPr id="57" name="Google Shape;57;p11"/>
-          <p:cNvSpPr txBox="1"/>
+          <p:cNvSpPr txBox="1">
+            <a:spLocks noGrp="1"/>
+          </p:cNvSpPr>
           <p:nvPr>
-            <p:ph hasCustomPrompt="1" type="title"/>
+            <p:ph type="title" hasCustomPrompt="1"/>
           </p:nvPr>
         </p:nvSpPr>
         <p:spPr>
@@ -2420,7 +2499,7 @@
           </a:prstGeom>
         </p:spPr>
         <p:txBody>
-          <a:bodyPr anchorCtr="0" anchor="ctr" bIns="91425" lIns="91425" spcFirstLastPara="1" rIns="91425" wrap="square" tIns="91425"/>
+          <a:bodyPr spcFirstLastPara="1" wrap="square" lIns="91425" tIns="91425" rIns="91425" bIns="91425" anchor="ctr" anchorCtr="0"/>
           <a:lstStyle>
             <a:lvl1pPr lvl="0" algn="ctr">
               <a:spcBef>
@@ -2595,9 +2674,11 @@
       <p:sp>
         <p:nvSpPr>
           <p:cNvPr id="58" name="Google Shape;58;p11"/>
-          <p:cNvSpPr txBox="1"/>
+          <p:cNvSpPr txBox="1">
+            <a:spLocks noGrp="1"/>
+          </p:cNvSpPr>
           <p:nvPr>
-            <p:ph idx="1" type="body"/>
+            <p:ph type="body" idx="1"/>
           </p:nvPr>
         </p:nvSpPr>
         <p:spPr>
@@ -2610,9 +2691,9 @@
           </a:prstGeom>
         </p:spPr>
         <p:txBody>
-          <a:bodyPr anchorCtr="0" anchor="t" bIns="91425" lIns="91425" spcFirstLastPara="1" rIns="91425" wrap="square" tIns="91425"/>
+          <a:bodyPr spcFirstLastPara="1" wrap="square" lIns="91425" tIns="91425" rIns="91425" bIns="91425" anchor="t" anchorCtr="0"/>
           <a:lstStyle>
-            <a:lvl1pPr indent="-342900" lvl="0" marL="457200" algn="ctr">
+            <a:lvl1pPr marL="457200" lvl="0" indent="-342900" algn="ctr">
               <a:spcBef>
                 <a:spcPts val="0"/>
               </a:spcBef>
@@ -2623,7 +2704,7 @@
               <a:buChar char="●"/>
               <a:defRPr/>
             </a:lvl1pPr>
-            <a:lvl2pPr indent="-317500" lvl="1" marL="914400" algn="ctr">
+            <a:lvl2pPr marL="914400" lvl="1" indent="-317500" algn="ctr">
               <a:spcBef>
                 <a:spcPts val="1600"/>
               </a:spcBef>
@@ -2634,7 +2715,7 @@
               <a:buChar char="○"/>
               <a:defRPr/>
             </a:lvl2pPr>
-            <a:lvl3pPr indent="-317500" lvl="2" marL="1371600" algn="ctr">
+            <a:lvl3pPr marL="1371600" lvl="2" indent="-317500" algn="ctr">
               <a:spcBef>
                 <a:spcPts val="1600"/>
               </a:spcBef>
@@ -2645,7 +2726,7 @@
               <a:buChar char="■"/>
               <a:defRPr/>
             </a:lvl3pPr>
-            <a:lvl4pPr indent="-317500" lvl="3" marL="1828800" algn="ctr">
+            <a:lvl4pPr marL="1828800" lvl="3" indent="-317500" algn="ctr">
               <a:spcBef>
                 <a:spcPts val="1600"/>
               </a:spcBef>
@@ -2656,7 +2737,7 @@
               <a:buChar char="●"/>
               <a:defRPr/>
             </a:lvl4pPr>
-            <a:lvl5pPr indent="-317500" lvl="4" marL="2286000" algn="ctr">
+            <a:lvl5pPr marL="2286000" lvl="4" indent="-317500" algn="ctr">
               <a:spcBef>
                 <a:spcPts val="1600"/>
               </a:spcBef>
@@ -2667,7 +2748,7 @@
               <a:buChar char="○"/>
               <a:defRPr/>
             </a:lvl5pPr>
-            <a:lvl6pPr indent="-317500" lvl="5" marL="2743200" algn="ctr">
+            <a:lvl6pPr marL="2743200" lvl="5" indent="-317500" algn="ctr">
               <a:spcBef>
                 <a:spcPts val="1600"/>
               </a:spcBef>
@@ -2678,7 +2759,7 @@
               <a:buChar char="■"/>
               <a:defRPr/>
             </a:lvl6pPr>
-            <a:lvl7pPr indent="-317500" lvl="6" marL="3200400" algn="ctr">
+            <a:lvl7pPr marL="3200400" lvl="6" indent="-317500" algn="ctr">
               <a:spcBef>
                 <a:spcPts val="1600"/>
               </a:spcBef>
@@ -2689,7 +2770,7 @@
               <a:buChar char="●"/>
               <a:defRPr/>
             </a:lvl7pPr>
-            <a:lvl8pPr indent="-317500" lvl="7" marL="3657600" algn="ctr">
+            <a:lvl8pPr marL="3657600" lvl="7" indent="-317500" algn="ctr">
               <a:spcBef>
                 <a:spcPts val="1600"/>
               </a:spcBef>
@@ -2700,7 +2781,7 @@
               <a:buChar char="○"/>
               <a:defRPr/>
             </a:lvl8pPr>
-            <a:lvl9pPr indent="-317500" lvl="8" marL="4114800" algn="ctr">
+            <a:lvl9pPr marL="4114800" lvl="8" indent="-317500" algn="ctr">
               <a:spcBef>
                 <a:spcPts val="1600"/>
               </a:spcBef>
@@ -2712,15 +2793,19 @@
               <a:defRPr/>
             </a:lvl9pPr>
           </a:lstStyle>
-          <a:p/>
+          <a:p>
+            <a:endParaRPr/>
+          </a:p>
         </p:txBody>
       </p:sp>
       <p:sp>
         <p:nvSpPr>
           <p:cNvPr id="59" name="Google Shape;59;p11"/>
-          <p:cNvSpPr txBox="1"/>
+          <p:cNvSpPr txBox="1">
+            <a:spLocks noGrp="1"/>
+          </p:cNvSpPr>
           <p:nvPr>
-            <p:ph idx="12" type="sldNum"/>
+            <p:ph type="sldNum" idx="12"/>
           </p:nvPr>
         </p:nvSpPr>
         <p:spPr>
@@ -2733,7 +2818,7 @@
           </a:prstGeom>
         </p:spPr>
         <p:txBody>
-          <a:bodyPr anchorCtr="0" anchor="ctr" bIns="91425" lIns="91425" spcFirstLastPara="1" rIns="91425" wrap="square" tIns="91425">
+          <a:bodyPr spcFirstLastPara="1" wrap="square" lIns="91425" tIns="91425" rIns="91425" bIns="91425" anchor="ctr" anchorCtr="0">
             <a:noAutofit/>
           </a:bodyPr>
           <a:lstStyle>
@@ -2775,7 +2860,7 @@
             </a:lvl9pPr>
           </a:lstStyle>
           <a:p>
-            <a:pPr indent="0" lvl="0" marL="0" rtl="0" algn="r">
+            <a:pPr marL="0" lvl="0" indent="0" algn="r" rtl="0">
               <a:spcBef>
                 <a:spcPts val="0"/>
               </a:spcBef>
@@ -2801,11 +2886,11 @@
 </file>
 
 <file path=ppt/slideLayouts/slideLayout11.xml><?xml version="1.0" encoding="utf-8"?>
-<p:sldLayout xmlns:a="http://schemas.openxmlformats.org/drawingml/2006/main" xmlns:r="http://schemas.openxmlformats.org/officeDocument/2006/relationships" xmlns:mc="http://schemas.openxmlformats.org/markup-compatibility/2006" xmlns:mv="urn:schemas-microsoft-com:mac:vml" xmlns:p="http://schemas.openxmlformats.org/presentationml/2006/main" xmlns:c="http://schemas.openxmlformats.org/drawingml/2006/chart" xmlns:dgm="http://schemas.openxmlformats.org/drawingml/2006/diagram" xmlns:o="urn:schemas-microsoft-com:office:office" xmlns:v="urn:schemas-microsoft-com:vml" xmlns:pvml="urn:schemas-microsoft-com:office:powerpoint" xmlns:com="http://schemas.openxmlformats.org/drawingml/2006/compatibility" xmlns:p14="http://schemas.microsoft.com/office/powerpoint/2010/main" xmlns:p15="http://schemas.microsoft.com/office/powerpoint/2012/main" matchingName="Blank" type="blank">
+<p:sldLayout xmlns:a="http://schemas.openxmlformats.org/drawingml/2006/main" xmlns:r="http://schemas.openxmlformats.org/officeDocument/2006/relationships" xmlns:p="http://schemas.openxmlformats.org/presentationml/2006/main" matchingName="Blank" type="blank">
   <p:cSld name="BLANK">
     <p:spTree>
       <p:nvGrpSpPr>
-        <p:cNvPr id="60" name="Shape 60"/>
+        <p:cNvPr id="1" name="Shape 60"/>
         <p:cNvGrpSpPr/>
         <p:nvPr/>
       </p:nvGrpSpPr>
@@ -2820,9 +2905,11 @@
       <p:sp>
         <p:nvSpPr>
           <p:cNvPr id="61" name="Google Shape;61;p12"/>
-          <p:cNvSpPr txBox="1"/>
+          <p:cNvSpPr txBox="1">
+            <a:spLocks noGrp="1"/>
+          </p:cNvSpPr>
           <p:nvPr>
-            <p:ph idx="12" type="sldNum"/>
+            <p:ph type="sldNum" idx="12"/>
           </p:nvPr>
         </p:nvSpPr>
         <p:spPr>
@@ -2835,7 +2922,7 @@
           </a:prstGeom>
         </p:spPr>
         <p:txBody>
-          <a:bodyPr anchorCtr="0" anchor="ctr" bIns="91425" lIns="91425" spcFirstLastPara="1" rIns="91425" wrap="square" tIns="91425">
+          <a:bodyPr spcFirstLastPara="1" wrap="square" lIns="91425" tIns="91425" rIns="91425" bIns="91425" anchor="ctr" anchorCtr="0">
             <a:noAutofit/>
           </a:bodyPr>
           <a:lstStyle>
@@ -2877,7 +2964,7 @@
             </a:lvl9pPr>
           </a:lstStyle>
           <a:p>
-            <a:pPr indent="0" lvl="0" marL="0" rtl="0" algn="r">
+            <a:pPr marL="0" lvl="0" indent="0" algn="r" rtl="0">
               <a:spcBef>
                 <a:spcPts val="0"/>
               </a:spcBef>
@@ -2903,11 +2990,11 @@
 </file>
 
 <file path=ppt/slideLayouts/slideLayout2.xml><?xml version="1.0" encoding="utf-8"?>
-<p:sldLayout xmlns:a="http://schemas.openxmlformats.org/drawingml/2006/main" xmlns:r="http://schemas.openxmlformats.org/officeDocument/2006/relationships" xmlns:mc="http://schemas.openxmlformats.org/markup-compatibility/2006" xmlns:mv="urn:schemas-microsoft-com:mac:vml" xmlns:p="http://schemas.openxmlformats.org/presentationml/2006/main" xmlns:c="http://schemas.openxmlformats.org/drawingml/2006/chart" xmlns:dgm="http://schemas.openxmlformats.org/drawingml/2006/diagram" xmlns:o="urn:schemas-microsoft-com:office:office" xmlns:v="urn:schemas-microsoft-com:vml" xmlns:pvml="urn:schemas-microsoft-com:office:powerpoint" xmlns:com="http://schemas.openxmlformats.org/drawingml/2006/compatibility" xmlns:p14="http://schemas.microsoft.com/office/powerpoint/2010/main" xmlns:p15="http://schemas.microsoft.com/office/powerpoint/2012/main" matchingName="Section header" type="secHead">
+<p:sldLayout xmlns:a="http://schemas.openxmlformats.org/drawingml/2006/main" xmlns:r="http://schemas.openxmlformats.org/officeDocument/2006/relationships" xmlns:p="http://schemas.openxmlformats.org/presentationml/2006/main" matchingName="Section header" type="secHead">
   <p:cSld name="SECTION_HEADER">
     <p:spTree>
       <p:nvGrpSpPr>
-        <p:cNvPr id="21" name="Shape 21"/>
+        <p:cNvPr id="1" name="Shape 21"/>
         <p:cNvGrpSpPr/>
         <p:nvPr/>
       </p:nvGrpSpPr>
@@ -2941,12 +3028,12 @@
           </a:ln>
         </p:spPr>
         <p:txBody>
-          <a:bodyPr anchorCtr="0" anchor="ctr" bIns="91425" lIns="91425" spcFirstLastPara="1" rIns="91425" wrap="square" tIns="91425">
+          <a:bodyPr spcFirstLastPara="1" wrap="square" lIns="91425" tIns="91425" rIns="91425" bIns="91425" anchor="ctr" anchorCtr="0">
             <a:noAutofit/>
           </a:bodyPr>
           <a:lstStyle/>
           <a:p>
-            <a:pPr indent="0" lvl="0" marL="0" rtl="0" algn="l">
+            <a:pPr marL="0" lvl="0" indent="0" algn="l" rtl="0">
               <a:spcBef>
                 <a:spcPts val="0"/>
               </a:spcBef>
@@ -2955,9 +3042,6 @@
               </a:spcAft>
               <a:buNone/>
             </a:pPr>
-            <a:r>
-              <a:t/>
-            </a:r>
             <a:endParaRPr/>
           </a:p>
         </p:txBody>
@@ -2965,7 +3049,9 @@
       <p:sp>
         <p:nvSpPr>
           <p:cNvPr id="23" name="Google Shape;23;p3"/>
-          <p:cNvSpPr txBox="1"/>
+          <p:cNvSpPr txBox="1">
+            <a:spLocks noGrp="1"/>
+          </p:cNvSpPr>
           <p:nvPr>
             <p:ph type="title"/>
           </p:nvPr>
@@ -2980,7 +3066,7 @@
           </a:prstGeom>
         </p:spPr>
         <p:txBody>
-          <a:bodyPr anchorCtr="0" anchor="ctr" bIns="91425" lIns="91425" spcFirstLastPara="1" rIns="91425" wrap="square" tIns="91425"/>
+          <a:bodyPr spcFirstLastPara="1" wrap="square" lIns="91425" tIns="91425" rIns="91425" bIns="91425" anchor="ctr" anchorCtr="0"/>
           <a:lstStyle>
             <a:lvl1pPr lvl="0" algn="ctr">
               <a:spcBef>
@@ -3082,15 +3168,19 @@
               <a:defRPr/>
             </a:lvl9pPr>
           </a:lstStyle>
-          <a:p/>
+          <a:p>
+            <a:endParaRPr/>
+          </a:p>
         </p:txBody>
       </p:sp>
       <p:sp>
         <p:nvSpPr>
           <p:cNvPr id="24" name="Google Shape;24;p3"/>
-          <p:cNvSpPr txBox="1"/>
+          <p:cNvSpPr txBox="1">
+            <a:spLocks noGrp="1"/>
+          </p:cNvSpPr>
           <p:nvPr>
-            <p:ph idx="12" type="sldNum"/>
+            <p:ph type="sldNum" idx="12"/>
           </p:nvPr>
         </p:nvSpPr>
         <p:spPr>
@@ -3103,7 +3193,7 @@
           </a:prstGeom>
         </p:spPr>
         <p:txBody>
-          <a:bodyPr anchorCtr="0" anchor="ctr" bIns="91425" lIns="91425" spcFirstLastPara="1" rIns="91425" wrap="square" tIns="91425">
+          <a:bodyPr spcFirstLastPara="1" wrap="square" lIns="91425" tIns="91425" rIns="91425" bIns="91425" anchor="ctr" anchorCtr="0">
             <a:noAutofit/>
           </a:bodyPr>
           <a:lstStyle>
@@ -3181,7 +3271,7 @@
             </a:lvl9pPr>
           </a:lstStyle>
           <a:p>
-            <a:pPr indent="0" lvl="0" marL="0" rtl="0" algn="r">
+            <a:pPr marL="0" lvl="0" indent="0" algn="r" rtl="0">
               <a:spcBef>
                 <a:spcPts val="0"/>
               </a:spcBef>
@@ -3207,11 +3297,11 @@
 </file>
 
 <file path=ppt/slideLayouts/slideLayout3.xml><?xml version="1.0" encoding="utf-8"?>
-<p:sldLayout xmlns:a="http://schemas.openxmlformats.org/drawingml/2006/main" xmlns:r="http://schemas.openxmlformats.org/officeDocument/2006/relationships" xmlns:mc="http://schemas.openxmlformats.org/markup-compatibility/2006" xmlns:mv="urn:schemas-microsoft-com:mac:vml" xmlns:p="http://schemas.openxmlformats.org/presentationml/2006/main" xmlns:c="http://schemas.openxmlformats.org/drawingml/2006/chart" xmlns:dgm="http://schemas.openxmlformats.org/drawingml/2006/diagram" xmlns:o="urn:schemas-microsoft-com:office:office" xmlns:v="urn:schemas-microsoft-com:vml" xmlns:pvml="urn:schemas-microsoft-com:office:powerpoint" xmlns:com="http://schemas.openxmlformats.org/drawingml/2006/compatibility" xmlns:p14="http://schemas.microsoft.com/office/powerpoint/2010/main" xmlns:p15="http://schemas.microsoft.com/office/powerpoint/2012/main" matchingName="Title and body" type="tx">
+<p:sldLayout xmlns:a="http://schemas.openxmlformats.org/drawingml/2006/main" xmlns:r="http://schemas.openxmlformats.org/officeDocument/2006/relationships" xmlns:p="http://schemas.openxmlformats.org/presentationml/2006/main" matchingName="Title and body" type="tx">
   <p:cSld name="TITLE_AND_BODY">
     <p:spTree>
       <p:nvGrpSpPr>
-        <p:cNvPr id="25" name="Shape 25"/>
+        <p:cNvPr id="1" name="Shape 25"/>
         <p:cNvGrpSpPr/>
         <p:nvPr/>
       </p:nvGrpSpPr>
@@ -3245,12 +3335,12 @@
           </a:ln>
         </p:spPr>
         <p:txBody>
-          <a:bodyPr anchorCtr="0" anchor="ctr" bIns="91425" lIns="91425" spcFirstLastPara="1" rIns="91425" wrap="square" tIns="91425">
+          <a:bodyPr spcFirstLastPara="1" wrap="square" lIns="91425" tIns="91425" rIns="91425" bIns="91425" anchor="ctr" anchorCtr="0">
             <a:noAutofit/>
           </a:bodyPr>
           <a:lstStyle/>
           <a:p>
-            <a:pPr indent="0" lvl="0" marL="0" rtl="0" algn="l">
+            <a:pPr marL="0" lvl="0" indent="0" algn="l" rtl="0">
               <a:spcBef>
                 <a:spcPts val="0"/>
               </a:spcBef>
@@ -3259,9 +3349,6 @@
               </a:spcAft>
               <a:buNone/>
             </a:pPr>
-            <a:r>
-              <a:t/>
-            </a:r>
             <a:endParaRPr/>
           </a:p>
         </p:txBody>
@@ -3269,7 +3356,9 @@
       <p:sp>
         <p:nvSpPr>
           <p:cNvPr id="27" name="Google Shape;27;p4"/>
-          <p:cNvSpPr txBox="1"/>
+          <p:cNvSpPr txBox="1">
+            <a:spLocks noGrp="1"/>
+          </p:cNvSpPr>
           <p:nvPr>
             <p:ph type="title"/>
           </p:nvPr>
@@ -3284,7 +3373,7 @@
           </a:prstGeom>
         </p:spPr>
         <p:txBody>
-          <a:bodyPr anchorCtr="0" anchor="t" bIns="91425" lIns="91425" spcFirstLastPara="1" rIns="91425" wrap="square" tIns="91425"/>
+          <a:bodyPr spcFirstLastPara="1" wrap="square" lIns="91425" tIns="91425" rIns="91425" bIns="91425" anchor="t" anchorCtr="0"/>
           <a:lstStyle>
             <a:lvl1pPr lvl="0">
               <a:spcBef>
@@ -3386,15 +3475,19 @@
               <a:defRPr/>
             </a:lvl9pPr>
           </a:lstStyle>
-          <a:p/>
+          <a:p>
+            <a:endParaRPr/>
+          </a:p>
         </p:txBody>
       </p:sp>
       <p:sp>
         <p:nvSpPr>
           <p:cNvPr id="28" name="Google Shape;28;p4"/>
-          <p:cNvSpPr txBox="1"/>
+          <p:cNvSpPr txBox="1">
+            <a:spLocks noGrp="1"/>
+          </p:cNvSpPr>
           <p:nvPr>
-            <p:ph idx="1" type="body"/>
+            <p:ph type="body" idx="1"/>
           </p:nvPr>
         </p:nvSpPr>
         <p:spPr>
@@ -3407,9 +3500,9 @@
           </a:prstGeom>
         </p:spPr>
         <p:txBody>
-          <a:bodyPr anchorCtr="0" anchor="t" bIns="91425" lIns="91425" spcFirstLastPara="1" rIns="91425" wrap="square" tIns="91425"/>
+          <a:bodyPr spcFirstLastPara="1" wrap="square" lIns="91425" tIns="91425" rIns="91425" bIns="91425" anchor="t" anchorCtr="0"/>
           <a:lstStyle>
-            <a:lvl1pPr indent="-342900" lvl="0" marL="457200">
+            <a:lvl1pPr marL="457200" lvl="0" indent="-342900">
               <a:spcBef>
                 <a:spcPts val="0"/>
               </a:spcBef>
@@ -3420,7 +3513,7 @@
               <a:buChar char="●"/>
               <a:defRPr/>
             </a:lvl1pPr>
-            <a:lvl2pPr indent="-317500" lvl="1" marL="914400">
+            <a:lvl2pPr marL="914400" lvl="1" indent="-317500">
               <a:spcBef>
                 <a:spcPts val="1600"/>
               </a:spcBef>
@@ -3431,7 +3524,7 @@
               <a:buChar char="○"/>
               <a:defRPr/>
             </a:lvl2pPr>
-            <a:lvl3pPr indent="-317500" lvl="2" marL="1371600">
+            <a:lvl3pPr marL="1371600" lvl="2" indent="-317500">
               <a:spcBef>
                 <a:spcPts val="1600"/>
               </a:spcBef>
@@ -3442,7 +3535,7 @@
               <a:buChar char="■"/>
               <a:defRPr/>
             </a:lvl3pPr>
-            <a:lvl4pPr indent="-317500" lvl="3" marL="1828800">
+            <a:lvl4pPr marL="1828800" lvl="3" indent="-317500">
               <a:spcBef>
                 <a:spcPts val="1600"/>
               </a:spcBef>
@@ -3453,7 +3546,7 @@
               <a:buChar char="●"/>
               <a:defRPr/>
             </a:lvl4pPr>
-            <a:lvl5pPr indent="-317500" lvl="4" marL="2286000">
+            <a:lvl5pPr marL="2286000" lvl="4" indent="-317500">
               <a:spcBef>
                 <a:spcPts val="1600"/>
               </a:spcBef>
@@ -3464,7 +3557,7 @@
               <a:buChar char="○"/>
               <a:defRPr/>
             </a:lvl5pPr>
-            <a:lvl6pPr indent="-317500" lvl="5" marL="2743200">
+            <a:lvl6pPr marL="2743200" lvl="5" indent="-317500">
               <a:spcBef>
                 <a:spcPts val="1600"/>
               </a:spcBef>
@@ -3475,7 +3568,7 @@
               <a:buChar char="■"/>
               <a:defRPr/>
             </a:lvl6pPr>
-            <a:lvl7pPr indent="-317500" lvl="6" marL="3200400">
+            <a:lvl7pPr marL="3200400" lvl="6" indent="-317500">
               <a:spcBef>
                 <a:spcPts val="1600"/>
               </a:spcBef>
@@ -3486,7 +3579,7 @@
               <a:buChar char="●"/>
               <a:defRPr/>
             </a:lvl7pPr>
-            <a:lvl8pPr indent="-317500" lvl="7" marL="3657600">
+            <a:lvl8pPr marL="3657600" lvl="7" indent="-317500">
               <a:spcBef>
                 <a:spcPts val="1600"/>
               </a:spcBef>
@@ -3497,7 +3590,7 @@
               <a:buChar char="○"/>
               <a:defRPr/>
             </a:lvl8pPr>
-            <a:lvl9pPr indent="-317500" lvl="8" marL="4114800">
+            <a:lvl9pPr marL="4114800" lvl="8" indent="-317500">
               <a:spcBef>
                 <a:spcPts val="1600"/>
               </a:spcBef>
@@ -3509,15 +3602,19 @@
               <a:defRPr/>
             </a:lvl9pPr>
           </a:lstStyle>
-          <a:p/>
+          <a:p>
+            <a:endParaRPr/>
+          </a:p>
         </p:txBody>
       </p:sp>
       <p:sp>
         <p:nvSpPr>
           <p:cNvPr id="29" name="Google Shape;29;p4"/>
-          <p:cNvSpPr txBox="1"/>
+          <p:cNvSpPr txBox="1">
+            <a:spLocks noGrp="1"/>
+          </p:cNvSpPr>
           <p:nvPr>
-            <p:ph idx="12" type="sldNum"/>
+            <p:ph type="sldNum" idx="12"/>
           </p:nvPr>
         </p:nvSpPr>
         <p:spPr>
@@ -3530,7 +3627,7 @@
           </a:prstGeom>
         </p:spPr>
         <p:txBody>
-          <a:bodyPr anchorCtr="0" anchor="ctr" bIns="91425" lIns="91425" spcFirstLastPara="1" rIns="91425" wrap="square" tIns="91425">
+          <a:bodyPr spcFirstLastPara="1" wrap="square" lIns="91425" tIns="91425" rIns="91425" bIns="91425" anchor="ctr" anchorCtr="0">
             <a:noAutofit/>
           </a:bodyPr>
           <a:lstStyle>
@@ -3572,7 +3669,7 @@
             </a:lvl9pPr>
           </a:lstStyle>
           <a:p>
-            <a:pPr indent="0" lvl="0" marL="0" rtl="0" algn="r">
+            <a:pPr marL="0" lvl="0" indent="0" algn="r" rtl="0">
               <a:spcBef>
                 <a:spcPts val="0"/>
               </a:spcBef>
@@ -3598,11 +3695,11 @@
 </file>
 
 <file path=ppt/slideLayouts/slideLayout4.xml><?xml version="1.0" encoding="utf-8"?>
-<p:sldLayout xmlns:a="http://schemas.openxmlformats.org/drawingml/2006/main" xmlns:r="http://schemas.openxmlformats.org/officeDocument/2006/relationships" xmlns:mc="http://schemas.openxmlformats.org/markup-compatibility/2006" xmlns:mv="urn:schemas-microsoft-com:mac:vml" xmlns:p="http://schemas.openxmlformats.org/presentationml/2006/main" xmlns:c="http://schemas.openxmlformats.org/drawingml/2006/chart" xmlns:dgm="http://schemas.openxmlformats.org/drawingml/2006/diagram" xmlns:o="urn:schemas-microsoft-com:office:office" xmlns:v="urn:schemas-microsoft-com:vml" xmlns:pvml="urn:schemas-microsoft-com:office:powerpoint" xmlns:com="http://schemas.openxmlformats.org/drawingml/2006/compatibility" xmlns:p14="http://schemas.microsoft.com/office/powerpoint/2010/main" xmlns:p15="http://schemas.microsoft.com/office/powerpoint/2012/main" matchingName="Title and two columns" type="twoColTx">
+<p:sldLayout xmlns:a="http://schemas.openxmlformats.org/drawingml/2006/main" xmlns:r="http://schemas.openxmlformats.org/officeDocument/2006/relationships" xmlns:p="http://schemas.openxmlformats.org/presentationml/2006/main" matchingName="Title and two columns" type="twoColTx">
   <p:cSld name="TITLE_AND_TWO_COLUMNS">
     <p:spTree>
       <p:nvGrpSpPr>
-        <p:cNvPr id="30" name="Shape 30"/>
+        <p:cNvPr id="1" name="Shape 30"/>
         <p:cNvGrpSpPr/>
         <p:nvPr/>
       </p:nvGrpSpPr>
@@ -3617,7 +3714,9 @@
       <p:sp>
         <p:nvSpPr>
           <p:cNvPr id="31" name="Google Shape;31;p5"/>
-          <p:cNvSpPr txBox="1"/>
+          <p:cNvSpPr txBox="1">
+            <a:spLocks noGrp="1"/>
+          </p:cNvSpPr>
           <p:nvPr>
             <p:ph type="title"/>
           </p:nvPr>
@@ -3632,7 +3731,7 @@
           </a:prstGeom>
         </p:spPr>
         <p:txBody>
-          <a:bodyPr anchorCtr="0" anchor="t" bIns="91425" lIns="91425" spcFirstLastPara="1" rIns="91425" wrap="square" tIns="91425"/>
+          <a:bodyPr spcFirstLastPara="1" wrap="square" lIns="91425" tIns="91425" rIns="91425" bIns="91425" anchor="t" anchorCtr="0"/>
           <a:lstStyle>
             <a:lvl1pPr lvl="0">
               <a:spcBef>
@@ -3734,15 +3833,19 @@
               <a:defRPr/>
             </a:lvl9pPr>
           </a:lstStyle>
-          <a:p/>
+          <a:p>
+            <a:endParaRPr/>
+          </a:p>
         </p:txBody>
       </p:sp>
       <p:sp>
         <p:nvSpPr>
           <p:cNvPr id="32" name="Google Shape;32;p5"/>
-          <p:cNvSpPr txBox="1"/>
+          <p:cNvSpPr txBox="1">
+            <a:spLocks noGrp="1"/>
+          </p:cNvSpPr>
           <p:nvPr>
-            <p:ph idx="1" type="body"/>
+            <p:ph type="body" idx="1"/>
           </p:nvPr>
         </p:nvSpPr>
         <p:spPr>
@@ -3755,9 +3858,9 @@
           </a:prstGeom>
         </p:spPr>
         <p:txBody>
-          <a:bodyPr anchorCtr="0" anchor="t" bIns="91425" lIns="91425" spcFirstLastPara="1" rIns="91425" wrap="square" tIns="91425"/>
+          <a:bodyPr spcFirstLastPara="1" wrap="square" lIns="91425" tIns="91425" rIns="91425" bIns="91425" anchor="t" anchorCtr="0"/>
           <a:lstStyle>
-            <a:lvl1pPr indent="-317500" lvl="0" marL="457200">
+            <a:lvl1pPr marL="457200" lvl="0" indent="-317500">
               <a:spcBef>
                 <a:spcPts val="0"/>
               </a:spcBef>
@@ -3768,7 +3871,7 @@
               <a:buChar char="●"/>
               <a:defRPr sz="1400"/>
             </a:lvl1pPr>
-            <a:lvl2pPr indent="-304800" lvl="1" marL="914400">
+            <a:lvl2pPr marL="914400" lvl="1" indent="-304800">
               <a:spcBef>
                 <a:spcPts val="1600"/>
               </a:spcBef>
@@ -3779,7 +3882,7 @@
               <a:buChar char="○"/>
               <a:defRPr sz="1200"/>
             </a:lvl2pPr>
-            <a:lvl3pPr indent="-304800" lvl="2" marL="1371600">
+            <a:lvl3pPr marL="1371600" lvl="2" indent="-304800">
               <a:spcBef>
                 <a:spcPts val="1600"/>
               </a:spcBef>
@@ -3790,7 +3893,7 @@
               <a:buChar char="■"/>
               <a:defRPr sz="1200"/>
             </a:lvl3pPr>
-            <a:lvl4pPr indent="-304800" lvl="3" marL="1828800">
+            <a:lvl4pPr marL="1828800" lvl="3" indent="-304800">
               <a:spcBef>
                 <a:spcPts val="1600"/>
               </a:spcBef>
@@ -3801,7 +3904,7 @@
               <a:buChar char="●"/>
               <a:defRPr sz="1200"/>
             </a:lvl4pPr>
-            <a:lvl5pPr indent="-304800" lvl="4" marL="2286000">
+            <a:lvl5pPr marL="2286000" lvl="4" indent="-304800">
               <a:spcBef>
                 <a:spcPts val="1600"/>
               </a:spcBef>
@@ -3812,7 +3915,7 @@
               <a:buChar char="○"/>
               <a:defRPr sz="1200"/>
             </a:lvl5pPr>
-            <a:lvl6pPr indent="-304800" lvl="5" marL="2743200">
+            <a:lvl6pPr marL="2743200" lvl="5" indent="-304800">
               <a:spcBef>
                 <a:spcPts val="1600"/>
               </a:spcBef>
@@ -3823,7 +3926,7 @@
               <a:buChar char="■"/>
               <a:defRPr sz="1200"/>
             </a:lvl6pPr>
-            <a:lvl7pPr indent="-304800" lvl="6" marL="3200400">
+            <a:lvl7pPr marL="3200400" lvl="6" indent="-304800">
               <a:spcBef>
                 <a:spcPts val="1600"/>
               </a:spcBef>
@@ -3834,7 +3937,7 @@
               <a:buChar char="●"/>
               <a:defRPr sz="1200"/>
             </a:lvl7pPr>
-            <a:lvl8pPr indent="-304800" lvl="7" marL="3657600">
+            <a:lvl8pPr marL="3657600" lvl="7" indent="-304800">
               <a:spcBef>
                 <a:spcPts val="1600"/>
               </a:spcBef>
@@ -3845,7 +3948,7 @@
               <a:buChar char="○"/>
               <a:defRPr sz="1200"/>
             </a:lvl8pPr>
-            <a:lvl9pPr indent="-304800" lvl="8" marL="4114800">
+            <a:lvl9pPr marL="4114800" lvl="8" indent="-304800">
               <a:spcBef>
                 <a:spcPts val="1600"/>
               </a:spcBef>
@@ -3857,15 +3960,19 @@
               <a:defRPr sz="1200"/>
             </a:lvl9pPr>
           </a:lstStyle>
-          <a:p/>
+          <a:p>
+            <a:endParaRPr/>
+          </a:p>
         </p:txBody>
       </p:sp>
       <p:sp>
         <p:nvSpPr>
           <p:cNvPr id="33" name="Google Shape;33;p5"/>
-          <p:cNvSpPr txBox="1"/>
+          <p:cNvSpPr txBox="1">
+            <a:spLocks noGrp="1"/>
+          </p:cNvSpPr>
           <p:nvPr>
-            <p:ph idx="2" type="body"/>
+            <p:ph type="body" idx="2"/>
           </p:nvPr>
         </p:nvSpPr>
         <p:spPr>
@@ -3878,9 +3985,9 @@
           </a:prstGeom>
         </p:spPr>
         <p:txBody>
-          <a:bodyPr anchorCtr="0" anchor="t" bIns="91425" lIns="91425" spcFirstLastPara="1" rIns="91425" wrap="square" tIns="91425"/>
+          <a:bodyPr spcFirstLastPara="1" wrap="square" lIns="91425" tIns="91425" rIns="91425" bIns="91425" anchor="t" anchorCtr="0"/>
           <a:lstStyle>
-            <a:lvl1pPr indent="-317500" lvl="0" marL="457200">
+            <a:lvl1pPr marL="457200" lvl="0" indent="-317500">
               <a:spcBef>
                 <a:spcPts val="0"/>
               </a:spcBef>
@@ -3891,7 +3998,7 @@
               <a:buChar char="●"/>
               <a:defRPr sz="1400"/>
             </a:lvl1pPr>
-            <a:lvl2pPr indent="-304800" lvl="1" marL="914400">
+            <a:lvl2pPr marL="914400" lvl="1" indent="-304800">
               <a:spcBef>
                 <a:spcPts val="1600"/>
               </a:spcBef>
@@ -3902,7 +4009,7 @@
               <a:buChar char="○"/>
               <a:defRPr sz="1200"/>
             </a:lvl2pPr>
-            <a:lvl3pPr indent="-304800" lvl="2" marL="1371600">
+            <a:lvl3pPr marL="1371600" lvl="2" indent="-304800">
               <a:spcBef>
                 <a:spcPts val="1600"/>
               </a:spcBef>
@@ -3913,7 +4020,7 @@
               <a:buChar char="■"/>
               <a:defRPr sz="1200"/>
             </a:lvl3pPr>
-            <a:lvl4pPr indent="-304800" lvl="3" marL="1828800">
+            <a:lvl4pPr marL="1828800" lvl="3" indent="-304800">
               <a:spcBef>
                 <a:spcPts val="1600"/>
               </a:spcBef>
@@ -3924,7 +4031,7 @@
               <a:buChar char="●"/>
               <a:defRPr sz="1200"/>
             </a:lvl4pPr>
-            <a:lvl5pPr indent="-304800" lvl="4" marL="2286000">
+            <a:lvl5pPr marL="2286000" lvl="4" indent="-304800">
               <a:spcBef>
                 <a:spcPts val="1600"/>
               </a:spcBef>
@@ -3935,7 +4042,7 @@
               <a:buChar char="○"/>
               <a:defRPr sz="1200"/>
             </a:lvl5pPr>
-            <a:lvl6pPr indent="-304800" lvl="5" marL="2743200">
+            <a:lvl6pPr marL="2743200" lvl="5" indent="-304800">
               <a:spcBef>
                 <a:spcPts val="1600"/>
               </a:spcBef>
@@ -3946,7 +4053,7 @@
               <a:buChar char="■"/>
               <a:defRPr sz="1200"/>
             </a:lvl6pPr>
-            <a:lvl7pPr indent="-304800" lvl="6" marL="3200400">
+            <a:lvl7pPr marL="3200400" lvl="6" indent="-304800">
               <a:spcBef>
                 <a:spcPts val="1600"/>
               </a:spcBef>
@@ -3957,7 +4064,7 @@
               <a:buChar char="●"/>
               <a:defRPr sz="1200"/>
             </a:lvl7pPr>
-            <a:lvl8pPr indent="-304800" lvl="7" marL="3657600">
+            <a:lvl8pPr marL="3657600" lvl="7" indent="-304800">
               <a:spcBef>
                 <a:spcPts val="1600"/>
               </a:spcBef>
@@ -3968,7 +4075,7 @@
               <a:buChar char="○"/>
               <a:defRPr sz="1200"/>
             </a:lvl8pPr>
-            <a:lvl9pPr indent="-304800" lvl="8" marL="4114800">
+            <a:lvl9pPr marL="4114800" lvl="8" indent="-304800">
               <a:spcBef>
                 <a:spcPts val="1600"/>
               </a:spcBef>
@@ -3980,15 +4087,19 @@
               <a:defRPr sz="1200"/>
             </a:lvl9pPr>
           </a:lstStyle>
-          <a:p/>
+          <a:p>
+            <a:endParaRPr/>
+          </a:p>
         </p:txBody>
       </p:sp>
       <p:sp>
         <p:nvSpPr>
           <p:cNvPr id="34" name="Google Shape;34;p5"/>
-          <p:cNvSpPr txBox="1"/>
+          <p:cNvSpPr txBox="1">
+            <a:spLocks noGrp="1"/>
+          </p:cNvSpPr>
           <p:nvPr>
-            <p:ph idx="12" type="sldNum"/>
+            <p:ph type="sldNum" idx="12"/>
           </p:nvPr>
         </p:nvSpPr>
         <p:spPr>
@@ -4001,7 +4112,7 @@
           </a:prstGeom>
         </p:spPr>
         <p:txBody>
-          <a:bodyPr anchorCtr="0" anchor="ctr" bIns="91425" lIns="91425" spcFirstLastPara="1" rIns="91425" wrap="square" tIns="91425">
+          <a:bodyPr spcFirstLastPara="1" wrap="square" lIns="91425" tIns="91425" rIns="91425" bIns="91425" anchor="ctr" anchorCtr="0">
             <a:noAutofit/>
           </a:bodyPr>
           <a:lstStyle>
@@ -4043,7 +4154,7 @@
             </a:lvl9pPr>
           </a:lstStyle>
           <a:p>
-            <a:pPr indent="0" lvl="0" marL="0" rtl="0" algn="r">
+            <a:pPr marL="0" lvl="0" indent="0" algn="r" rtl="0">
               <a:spcBef>
                 <a:spcPts val="0"/>
               </a:spcBef>
@@ -4069,11 +4180,11 @@
 </file>
 
 <file path=ppt/slideLayouts/slideLayout5.xml><?xml version="1.0" encoding="utf-8"?>
-<p:sldLayout xmlns:a="http://schemas.openxmlformats.org/drawingml/2006/main" xmlns:r="http://schemas.openxmlformats.org/officeDocument/2006/relationships" xmlns:mc="http://schemas.openxmlformats.org/markup-compatibility/2006" xmlns:mv="urn:schemas-microsoft-com:mac:vml" xmlns:p="http://schemas.openxmlformats.org/presentationml/2006/main" xmlns:c="http://schemas.openxmlformats.org/drawingml/2006/chart" xmlns:dgm="http://schemas.openxmlformats.org/drawingml/2006/diagram" xmlns:o="urn:schemas-microsoft-com:office:office" xmlns:v="urn:schemas-microsoft-com:vml" xmlns:pvml="urn:schemas-microsoft-com:office:powerpoint" xmlns:com="http://schemas.openxmlformats.org/drawingml/2006/compatibility" xmlns:p14="http://schemas.microsoft.com/office/powerpoint/2010/main" xmlns:p15="http://schemas.microsoft.com/office/powerpoint/2012/main" matchingName="Title only" type="titleOnly">
+<p:sldLayout xmlns:a="http://schemas.openxmlformats.org/drawingml/2006/main" xmlns:r="http://schemas.openxmlformats.org/officeDocument/2006/relationships" xmlns:p="http://schemas.openxmlformats.org/presentationml/2006/main" matchingName="Title only" type="titleOnly">
   <p:cSld name="TITLE_ONLY">
     <p:spTree>
       <p:nvGrpSpPr>
-        <p:cNvPr id="35" name="Shape 35"/>
+        <p:cNvPr id="1" name="Shape 35"/>
         <p:cNvGrpSpPr/>
         <p:nvPr/>
       </p:nvGrpSpPr>
@@ -4088,7 +4199,9 @@
       <p:sp>
         <p:nvSpPr>
           <p:cNvPr id="36" name="Google Shape;36;p6"/>
-          <p:cNvSpPr txBox="1"/>
+          <p:cNvSpPr txBox="1">
+            <a:spLocks noGrp="1"/>
+          </p:cNvSpPr>
           <p:nvPr>
             <p:ph type="title"/>
           </p:nvPr>
@@ -4103,7 +4216,7 @@
           </a:prstGeom>
         </p:spPr>
         <p:txBody>
-          <a:bodyPr anchorCtr="0" anchor="t" bIns="91425" lIns="91425" spcFirstLastPara="1" rIns="91425" wrap="square" tIns="91425"/>
+          <a:bodyPr spcFirstLastPara="1" wrap="square" lIns="91425" tIns="91425" rIns="91425" bIns="91425" anchor="t" anchorCtr="0"/>
           <a:lstStyle>
             <a:lvl1pPr lvl="0">
               <a:spcBef>
@@ -4205,15 +4318,19 @@
               <a:defRPr/>
             </a:lvl9pPr>
           </a:lstStyle>
-          <a:p/>
+          <a:p>
+            <a:endParaRPr/>
+          </a:p>
         </p:txBody>
       </p:sp>
       <p:sp>
         <p:nvSpPr>
           <p:cNvPr id="37" name="Google Shape;37;p6"/>
-          <p:cNvSpPr txBox="1"/>
+          <p:cNvSpPr txBox="1">
+            <a:spLocks noGrp="1"/>
+          </p:cNvSpPr>
           <p:nvPr>
-            <p:ph idx="12" type="sldNum"/>
+            <p:ph type="sldNum" idx="12"/>
           </p:nvPr>
         </p:nvSpPr>
         <p:spPr>
@@ -4226,7 +4343,7 @@
           </a:prstGeom>
         </p:spPr>
         <p:txBody>
-          <a:bodyPr anchorCtr="0" anchor="ctr" bIns="91425" lIns="91425" spcFirstLastPara="1" rIns="91425" wrap="square" tIns="91425">
+          <a:bodyPr spcFirstLastPara="1" wrap="square" lIns="91425" tIns="91425" rIns="91425" bIns="91425" anchor="ctr" anchorCtr="0">
             <a:noAutofit/>
           </a:bodyPr>
           <a:lstStyle>
@@ -4268,7 +4385,7 @@
             </a:lvl9pPr>
           </a:lstStyle>
           <a:p>
-            <a:pPr indent="0" lvl="0" marL="0" rtl="0" algn="r">
+            <a:pPr marL="0" lvl="0" indent="0" algn="r" rtl="0">
               <a:spcBef>
                 <a:spcPts val="0"/>
               </a:spcBef>
@@ -4294,11 +4411,11 @@
 </file>
 
 <file path=ppt/slideLayouts/slideLayout6.xml><?xml version="1.0" encoding="utf-8"?>
-<p:sldLayout xmlns:a="http://schemas.openxmlformats.org/drawingml/2006/main" xmlns:r="http://schemas.openxmlformats.org/officeDocument/2006/relationships" xmlns:mc="http://schemas.openxmlformats.org/markup-compatibility/2006" xmlns:mv="urn:schemas-microsoft-com:mac:vml" xmlns:p="http://schemas.openxmlformats.org/presentationml/2006/main" xmlns:c="http://schemas.openxmlformats.org/drawingml/2006/chart" xmlns:dgm="http://schemas.openxmlformats.org/drawingml/2006/diagram" xmlns:o="urn:schemas-microsoft-com:office:office" xmlns:v="urn:schemas-microsoft-com:vml" xmlns:pvml="urn:schemas-microsoft-com:office:powerpoint" xmlns:com="http://schemas.openxmlformats.org/drawingml/2006/compatibility" xmlns:p14="http://schemas.microsoft.com/office/powerpoint/2010/main" xmlns:p15="http://schemas.microsoft.com/office/powerpoint/2012/main" matchingName="One column text">
+<p:sldLayout xmlns:a="http://schemas.openxmlformats.org/drawingml/2006/main" xmlns:r="http://schemas.openxmlformats.org/officeDocument/2006/relationships" xmlns:p="http://schemas.openxmlformats.org/presentationml/2006/main" matchingName="One column text">
   <p:cSld name="ONE_COLUMN_TEXT">
     <p:spTree>
       <p:nvGrpSpPr>
-        <p:cNvPr id="38" name="Shape 38"/>
+        <p:cNvPr id="1" name="Shape 38"/>
         <p:cNvGrpSpPr/>
         <p:nvPr/>
       </p:nvGrpSpPr>
@@ -4313,7 +4430,9 @@
       <p:sp>
         <p:nvSpPr>
           <p:cNvPr id="39" name="Google Shape;39;p7"/>
-          <p:cNvSpPr txBox="1"/>
+          <p:cNvSpPr txBox="1">
+            <a:spLocks noGrp="1"/>
+          </p:cNvSpPr>
           <p:nvPr>
             <p:ph type="title"/>
           </p:nvPr>
@@ -4328,7 +4447,7 @@
           </a:prstGeom>
         </p:spPr>
         <p:txBody>
-          <a:bodyPr anchorCtr="0" anchor="b" bIns="91425" lIns="91425" spcFirstLastPara="1" rIns="91425" wrap="square" tIns="91425"/>
+          <a:bodyPr spcFirstLastPara="1" wrap="square" lIns="91425" tIns="91425" rIns="91425" bIns="91425" anchor="b" anchorCtr="0"/>
           <a:lstStyle>
             <a:lvl1pPr lvl="0">
               <a:spcBef>
@@ -4430,15 +4549,19 @@
               <a:defRPr sz="2400"/>
             </a:lvl9pPr>
           </a:lstStyle>
-          <a:p/>
+          <a:p>
+            <a:endParaRPr/>
+          </a:p>
         </p:txBody>
       </p:sp>
       <p:sp>
         <p:nvSpPr>
           <p:cNvPr id="40" name="Google Shape;40;p7"/>
-          <p:cNvSpPr txBox="1"/>
+          <p:cNvSpPr txBox="1">
+            <a:spLocks noGrp="1"/>
+          </p:cNvSpPr>
           <p:nvPr>
-            <p:ph idx="1" type="body"/>
+            <p:ph type="body" idx="1"/>
           </p:nvPr>
         </p:nvSpPr>
         <p:spPr>
@@ -4451,9 +4574,9 @@
           </a:prstGeom>
         </p:spPr>
         <p:txBody>
-          <a:bodyPr anchorCtr="0" anchor="t" bIns="91425" lIns="91425" spcFirstLastPara="1" rIns="91425" wrap="square" tIns="91425"/>
+          <a:bodyPr spcFirstLastPara="1" wrap="square" lIns="91425" tIns="91425" rIns="91425" bIns="91425" anchor="t" anchorCtr="0"/>
           <a:lstStyle>
-            <a:lvl1pPr indent="-304800" lvl="0" marL="457200">
+            <a:lvl1pPr marL="457200" lvl="0" indent="-304800">
               <a:spcBef>
                 <a:spcPts val="0"/>
               </a:spcBef>
@@ -4464,7 +4587,7 @@
               <a:buChar char="●"/>
               <a:defRPr sz="1200"/>
             </a:lvl1pPr>
-            <a:lvl2pPr indent="-304800" lvl="1" marL="914400">
+            <a:lvl2pPr marL="914400" lvl="1" indent="-304800">
               <a:spcBef>
                 <a:spcPts val="1600"/>
               </a:spcBef>
@@ -4475,7 +4598,7 @@
               <a:buChar char="○"/>
               <a:defRPr sz="1200"/>
             </a:lvl2pPr>
-            <a:lvl3pPr indent="-304800" lvl="2" marL="1371600">
+            <a:lvl3pPr marL="1371600" lvl="2" indent="-304800">
               <a:spcBef>
                 <a:spcPts val="1600"/>
               </a:spcBef>
@@ -4486,7 +4609,7 @@
               <a:buChar char="■"/>
               <a:defRPr sz="1200"/>
             </a:lvl3pPr>
-            <a:lvl4pPr indent="-304800" lvl="3" marL="1828800">
+            <a:lvl4pPr marL="1828800" lvl="3" indent="-304800">
               <a:spcBef>
                 <a:spcPts val="1600"/>
               </a:spcBef>
@@ -4497,7 +4620,7 @@
               <a:buChar char="●"/>
               <a:defRPr sz="1200"/>
             </a:lvl4pPr>
-            <a:lvl5pPr indent="-304800" lvl="4" marL="2286000">
+            <a:lvl5pPr marL="2286000" lvl="4" indent="-304800">
               <a:spcBef>
                 <a:spcPts val="1600"/>
               </a:spcBef>
@@ -4508,7 +4631,7 @@
               <a:buChar char="○"/>
               <a:defRPr sz="1200"/>
             </a:lvl5pPr>
-            <a:lvl6pPr indent="-304800" lvl="5" marL="2743200">
+            <a:lvl6pPr marL="2743200" lvl="5" indent="-304800">
               <a:spcBef>
                 <a:spcPts val="1600"/>
               </a:spcBef>
@@ -4519,7 +4642,7 @@
               <a:buChar char="■"/>
               <a:defRPr sz="1200"/>
             </a:lvl6pPr>
-            <a:lvl7pPr indent="-304800" lvl="6" marL="3200400">
+            <a:lvl7pPr marL="3200400" lvl="6" indent="-304800">
               <a:spcBef>
                 <a:spcPts val="1600"/>
               </a:spcBef>
@@ -4530,7 +4653,7 @@
               <a:buChar char="●"/>
               <a:defRPr sz="1200"/>
             </a:lvl7pPr>
-            <a:lvl8pPr indent="-304800" lvl="7" marL="3657600">
+            <a:lvl8pPr marL="3657600" lvl="7" indent="-304800">
               <a:spcBef>
                 <a:spcPts val="1600"/>
               </a:spcBef>
@@ -4541,7 +4664,7 @@
               <a:buChar char="○"/>
               <a:defRPr sz="1200"/>
             </a:lvl8pPr>
-            <a:lvl9pPr indent="-304800" lvl="8" marL="4114800">
+            <a:lvl9pPr marL="4114800" lvl="8" indent="-304800">
               <a:spcBef>
                 <a:spcPts val="1600"/>
               </a:spcBef>
@@ -4553,15 +4676,19 @@
               <a:defRPr sz="1200"/>
             </a:lvl9pPr>
           </a:lstStyle>
-          <a:p/>
+          <a:p>
+            <a:endParaRPr/>
+          </a:p>
         </p:txBody>
       </p:sp>
       <p:sp>
         <p:nvSpPr>
           <p:cNvPr id="41" name="Google Shape;41;p7"/>
-          <p:cNvSpPr txBox="1"/>
+          <p:cNvSpPr txBox="1">
+            <a:spLocks noGrp="1"/>
+          </p:cNvSpPr>
           <p:nvPr>
-            <p:ph idx="12" type="sldNum"/>
+            <p:ph type="sldNum" idx="12"/>
           </p:nvPr>
         </p:nvSpPr>
         <p:spPr>
@@ -4574,7 +4701,7 @@
           </a:prstGeom>
         </p:spPr>
         <p:txBody>
-          <a:bodyPr anchorCtr="0" anchor="ctr" bIns="91425" lIns="91425" spcFirstLastPara="1" rIns="91425" wrap="square" tIns="91425">
+          <a:bodyPr spcFirstLastPara="1" wrap="square" lIns="91425" tIns="91425" rIns="91425" bIns="91425" anchor="ctr" anchorCtr="0">
             <a:noAutofit/>
           </a:bodyPr>
           <a:lstStyle>
@@ -4616,7 +4743,7 @@
             </a:lvl9pPr>
           </a:lstStyle>
           <a:p>
-            <a:pPr indent="0" lvl="0" marL="0" rtl="0" algn="r">
+            <a:pPr marL="0" lvl="0" indent="0" algn="r" rtl="0">
               <a:spcBef>
                 <a:spcPts val="0"/>
               </a:spcBef>
@@ -4642,18 +4769,19 @@
 </file>
 
 <file path=ppt/slideLayouts/slideLayout7.xml><?xml version="1.0" encoding="utf-8"?>
-<p:sldLayout xmlns:a="http://schemas.openxmlformats.org/drawingml/2006/main" xmlns:r="http://schemas.openxmlformats.org/officeDocument/2006/relationships" xmlns:mc="http://schemas.openxmlformats.org/markup-compatibility/2006" xmlns:mv="urn:schemas-microsoft-com:mac:vml" xmlns:p="http://schemas.openxmlformats.org/presentationml/2006/main" xmlns:c="http://schemas.openxmlformats.org/drawingml/2006/chart" xmlns:dgm="http://schemas.openxmlformats.org/drawingml/2006/diagram" xmlns:o="urn:schemas-microsoft-com:office:office" xmlns:v="urn:schemas-microsoft-com:vml" xmlns:pvml="urn:schemas-microsoft-com:office:powerpoint" xmlns:com="http://schemas.openxmlformats.org/drawingml/2006/compatibility" xmlns:p14="http://schemas.microsoft.com/office/powerpoint/2010/main" xmlns:p15="http://schemas.microsoft.com/office/powerpoint/2012/main" matchingName="Main point">
+<p:sldLayout xmlns:a="http://schemas.openxmlformats.org/drawingml/2006/main" xmlns:r="http://schemas.openxmlformats.org/officeDocument/2006/relationships" xmlns:p="http://schemas.openxmlformats.org/presentationml/2006/main" matchingName="Main point">
   <p:cSld name="MAIN_POINT">
     <p:bg>
       <p:bgPr>
         <a:solidFill>
           <a:schemeClr val="accent6"/>
         </a:solidFill>
+        <a:effectLst/>
       </p:bgPr>
     </p:bg>
     <p:spTree>
       <p:nvGrpSpPr>
-        <p:cNvPr id="42" name="Shape 42"/>
+        <p:cNvPr id="1" name="Shape 42"/>
         <p:cNvGrpSpPr/>
         <p:nvPr/>
       </p:nvGrpSpPr>
@@ -4668,7 +4796,9 @@
       <p:sp>
         <p:nvSpPr>
           <p:cNvPr id="43" name="Google Shape;43;p8"/>
-          <p:cNvSpPr txBox="1"/>
+          <p:cNvSpPr txBox="1">
+            <a:spLocks noGrp="1"/>
+          </p:cNvSpPr>
           <p:nvPr>
             <p:ph type="title"/>
           </p:nvPr>
@@ -4683,7 +4813,7 @@
           </a:prstGeom>
         </p:spPr>
         <p:txBody>
-          <a:bodyPr anchorCtr="0" anchor="ctr" bIns="91425" lIns="91425" spcFirstLastPara="1" rIns="91425" wrap="square" tIns="91425"/>
+          <a:bodyPr spcFirstLastPara="1" wrap="square" lIns="91425" tIns="91425" rIns="91425" bIns="91425" anchor="ctr" anchorCtr="0"/>
           <a:lstStyle>
             <a:lvl1pPr lvl="0">
               <a:spcBef>
@@ -4697,7 +4827,7 @@
               </a:buClr>
               <a:buSzPts val="5400"/>
               <a:buNone/>
-              <a:defRPr b="0" sz="5400">
+              <a:defRPr sz="5400" b="0">
                 <a:solidFill>
                   <a:schemeClr val="dk2"/>
                 </a:solidFill>
@@ -4715,7 +4845,7 @@
               </a:buClr>
               <a:buSzPts val="5400"/>
               <a:buNone/>
-              <a:defRPr b="0" sz="5400">
+              <a:defRPr sz="5400" b="0">
                 <a:solidFill>
                   <a:schemeClr val="dk2"/>
                 </a:solidFill>
@@ -4733,7 +4863,7 @@
               </a:buClr>
               <a:buSzPts val="5400"/>
               <a:buNone/>
-              <a:defRPr b="0" sz="5400">
+              <a:defRPr sz="5400" b="0">
                 <a:solidFill>
                   <a:schemeClr val="dk2"/>
                 </a:solidFill>
@@ -4751,7 +4881,7 @@
               </a:buClr>
               <a:buSzPts val="5400"/>
               <a:buNone/>
-              <a:defRPr b="0" sz="5400">
+              <a:defRPr sz="5400" b="0">
                 <a:solidFill>
                   <a:schemeClr val="dk2"/>
                 </a:solidFill>
@@ -4769,7 +4899,7 @@
               </a:buClr>
               <a:buSzPts val="5400"/>
               <a:buNone/>
-              <a:defRPr b="0" sz="5400">
+              <a:defRPr sz="5400" b="0">
                 <a:solidFill>
                   <a:schemeClr val="dk2"/>
                 </a:solidFill>
@@ -4787,7 +4917,7 @@
               </a:buClr>
               <a:buSzPts val="5400"/>
               <a:buNone/>
-              <a:defRPr b="0" sz="5400">
+              <a:defRPr sz="5400" b="0">
                 <a:solidFill>
                   <a:schemeClr val="dk2"/>
                 </a:solidFill>
@@ -4805,7 +4935,7 @@
               </a:buClr>
               <a:buSzPts val="5400"/>
               <a:buNone/>
-              <a:defRPr b="0" sz="5400">
+              <a:defRPr sz="5400" b="0">
                 <a:solidFill>
                   <a:schemeClr val="dk2"/>
                 </a:solidFill>
@@ -4823,7 +4953,7 @@
               </a:buClr>
               <a:buSzPts val="5400"/>
               <a:buNone/>
-              <a:defRPr b="0" sz="5400">
+              <a:defRPr sz="5400" b="0">
                 <a:solidFill>
                   <a:schemeClr val="dk2"/>
                 </a:solidFill>
@@ -4841,22 +4971,26 @@
               </a:buClr>
               <a:buSzPts val="5400"/>
               <a:buNone/>
-              <a:defRPr b="0" sz="5400">
+              <a:defRPr sz="5400" b="0">
                 <a:solidFill>
                   <a:schemeClr val="dk2"/>
                 </a:solidFill>
               </a:defRPr>
             </a:lvl9pPr>
           </a:lstStyle>
-          <a:p/>
+          <a:p>
+            <a:endParaRPr/>
+          </a:p>
         </p:txBody>
       </p:sp>
       <p:sp>
         <p:nvSpPr>
           <p:cNvPr id="44" name="Google Shape;44;p8"/>
-          <p:cNvSpPr txBox="1"/>
+          <p:cNvSpPr txBox="1">
+            <a:spLocks noGrp="1"/>
+          </p:cNvSpPr>
           <p:nvPr>
-            <p:ph idx="12" type="sldNum"/>
+            <p:ph type="sldNum" idx="12"/>
           </p:nvPr>
         </p:nvSpPr>
         <p:spPr>
@@ -4869,7 +5003,7 @@
           </a:prstGeom>
         </p:spPr>
         <p:txBody>
-          <a:bodyPr anchorCtr="0" anchor="ctr" bIns="91425" lIns="91425" spcFirstLastPara="1" rIns="91425" wrap="square" tIns="91425">
+          <a:bodyPr spcFirstLastPara="1" wrap="square" lIns="91425" tIns="91425" rIns="91425" bIns="91425" anchor="ctr" anchorCtr="0">
             <a:noAutofit/>
           </a:bodyPr>
           <a:lstStyle>
@@ -4911,7 +5045,7 @@
             </a:lvl9pPr>
           </a:lstStyle>
           <a:p>
-            <a:pPr indent="0" lvl="0" marL="0" rtl="0" algn="r">
+            <a:pPr marL="0" lvl="0" indent="0" algn="r" rtl="0">
               <a:spcBef>
                 <a:spcPts val="0"/>
               </a:spcBef>
@@ -4937,11 +5071,11 @@
 </file>
 
 <file path=ppt/slideLayouts/slideLayout8.xml><?xml version="1.0" encoding="utf-8"?>
-<p:sldLayout xmlns:a="http://schemas.openxmlformats.org/drawingml/2006/main" xmlns:r="http://schemas.openxmlformats.org/officeDocument/2006/relationships" xmlns:mc="http://schemas.openxmlformats.org/markup-compatibility/2006" xmlns:mv="urn:schemas-microsoft-com:mac:vml" xmlns:p="http://schemas.openxmlformats.org/presentationml/2006/main" xmlns:c="http://schemas.openxmlformats.org/drawingml/2006/chart" xmlns:dgm="http://schemas.openxmlformats.org/drawingml/2006/diagram" xmlns:o="urn:schemas-microsoft-com:office:office" xmlns:v="urn:schemas-microsoft-com:vml" xmlns:pvml="urn:schemas-microsoft-com:office:powerpoint" xmlns:com="http://schemas.openxmlformats.org/drawingml/2006/compatibility" xmlns:p14="http://schemas.microsoft.com/office/powerpoint/2010/main" xmlns:p15="http://schemas.microsoft.com/office/powerpoint/2012/main" matchingName="Section title and description">
+<p:sldLayout xmlns:a="http://schemas.openxmlformats.org/drawingml/2006/main" xmlns:r="http://schemas.openxmlformats.org/officeDocument/2006/relationships" xmlns:p="http://schemas.openxmlformats.org/presentationml/2006/main" matchingName="Section title and description">
   <p:cSld name="SECTION_TITLE_AND_DESCRIPTION">
     <p:spTree>
       <p:nvGrpSpPr>
-        <p:cNvPr id="45" name="Shape 45"/>
+        <p:cNvPr id="1" name="Shape 45"/>
         <p:cNvGrpSpPr/>
         <p:nvPr/>
       </p:nvGrpSpPr>
@@ -4975,12 +5109,12 @@
           </a:ln>
         </p:spPr>
         <p:txBody>
-          <a:bodyPr anchorCtr="0" anchor="ctr" bIns="91425" lIns="91425" spcFirstLastPara="1" rIns="91425" wrap="square" tIns="91425">
+          <a:bodyPr spcFirstLastPara="1" wrap="square" lIns="91425" tIns="91425" rIns="91425" bIns="91425" anchor="ctr" anchorCtr="0">
             <a:noAutofit/>
           </a:bodyPr>
           <a:lstStyle/>
           <a:p>
-            <a:pPr indent="0" lvl="0" marL="0" rtl="0" algn="l">
+            <a:pPr marL="0" lvl="0" indent="0" algn="l" rtl="0">
               <a:spcBef>
                 <a:spcPts val="0"/>
               </a:spcBef>
@@ -4989,9 +5123,6 @@
               </a:spcAft>
               <a:buNone/>
             </a:pPr>
-            <a:r>
-              <a:t/>
-            </a:r>
             <a:endParaRPr/>
           </a:p>
         </p:txBody>
@@ -5011,21 +5142,23 @@
             <a:avLst/>
           </a:prstGeom>
           <a:noFill/>
-          <a:ln cap="flat" cmpd="sng" w="19050">
+          <a:ln w="19050" cap="flat" cmpd="sng">
             <a:solidFill>
               <a:schemeClr val="lt1"/>
             </a:solidFill>
             <a:prstDash val="solid"/>
             <a:round/>
-            <a:headEnd len="sm" w="sm" type="none"/>
-            <a:tailEnd len="sm" w="sm" type="none"/>
+            <a:headEnd type="none" w="sm" len="sm"/>
+            <a:tailEnd type="none" w="sm" len="sm"/>
           </a:ln>
         </p:spPr>
       </p:cxnSp>
       <p:sp>
         <p:nvSpPr>
           <p:cNvPr id="48" name="Google Shape;48;p9"/>
-          <p:cNvSpPr txBox="1"/>
+          <p:cNvSpPr txBox="1">
+            <a:spLocks noGrp="1"/>
+          </p:cNvSpPr>
           <p:nvPr>
             <p:ph type="title"/>
           </p:nvPr>
@@ -5040,7 +5173,7 @@
           </a:prstGeom>
         </p:spPr>
         <p:txBody>
-          <a:bodyPr anchorCtr="0" anchor="b" bIns="91425" lIns="91425" spcFirstLastPara="1" rIns="91425" wrap="square" tIns="91425"/>
+          <a:bodyPr spcFirstLastPara="1" wrap="square" lIns="91425" tIns="91425" rIns="91425" bIns="91425" anchor="b" anchorCtr="0"/>
           <a:lstStyle>
             <a:lvl1pPr lvl="0" algn="ctr">
               <a:spcBef>
@@ -5142,15 +5275,19 @@
               <a:defRPr sz="4200"/>
             </a:lvl9pPr>
           </a:lstStyle>
-          <a:p/>
+          <a:p>
+            <a:endParaRPr/>
+          </a:p>
         </p:txBody>
       </p:sp>
       <p:sp>
         <p:nvSpPr>
           <p:cNvPr id="49" name="Google Shape;49;p9"/>
-          <p:cNvSpPr txBox="1"/>
+          <p:cNvSpPr txBox="1">
+            <a:spLocks noGrp="1"/>
+          </p:cNvSpPr>
           <p:nvPr>
-            <p:ph idx="1" type="subTitle"/>
+            <p:ph type="subTitle" idx="1"/>
           </p:nvPr>
         </p:nvSpPr>
         <p:spPr>
@@ -5163,7 +5300,7 @@
           </a:prstGeom>
         </p:spPr>
         <p:txBody>
-          <a:bodyPr anchorCtr="0" anchor="t" bIns="91425" lIns="91425" spcFirstLastPara="1" rIns="91425" wrap="square" tIns="91425"/>
+          <a:bodyPr spcFirstLastPara="1" wrap="square" lIns="91425" tIns="91425" rIns="91425" bIns="91425" anchor="t" anchorCtr="0"/>
           <a:lstStyle>
             <a:lvl1pPr lvl="0" algn="ctr">
               <a:lnSpc>
@@ -5292,15 +5429,19 @@
               <a:defRPr sz="2100"/>
             </a:lvl9pPr>
           </a:lstStyle>
-          <a:p/>
+          <a:p>
+            <a:endParaRPr/>
+          </a:p>
         </p:txBody>
       </p:sp>
       <p:sp>
         <p:nvSpPr>
           <p:cNvPr id="50" name="Google Shape;50;p9"/>
-          <p:cNvSpPr txBox="1"/>
+          <p:cNvSpPr txBox="1">
+            <a:spLocks noGrp="1"/>
+          </p:cNvSpPr>
           <p:nvPr>
-            <p:ph idx="2" type="body"/>
+            <p:ph type="body" idx="2"/>
           </p:nvPr>
         </p:nvSpPr>
         <p:spPr>
@@ -5313,9 +5454,9 @@
           </a:prstGeom>
         </p:spPr>
         <p:txBody>
-          <a:bodyPr anchorCtr="0" anchor="ctr" bIns="91425" lIns="91425" spcFirstLastPara="1" rIns="91425" wrap="square" tIns="91425"/>
+          <a:bodyPr spcFirstLastPara="1" wrap="square" lIns="91425" tIns="91425" rIns="91425" bIns="91425" anchor="ctr" anchorCtr="0"/>
           <a:lstStyle>
-            <a:lvl1pPr indent="-342900" lvl="0" marL="457200">
+            <a:lvl1pPr marL="457200" lvl="0" indent="-342900">
               <a:spcBef>
                 <a:spcPts val="0"/>
               </a:spcBef>
@@ -5333,7 +5474,7 @@
                 </a:solidFill>
               </a:defRPr>
             </a:lvl1pPr>
-            <a:lvl2pPr indent="-317500" lvl="1" marL="914400">
+            <a:lvl2pPr marL="914400" lvl="1" indent="-317500">
               <a:spcBef>
                 <a:spcPts val="1600"/>
               </a:spcBef>
@@ -5351,7 +5492,7 @@
                 </a:solidFill>
               </a:defRPr>
             </a:lvl2pPr>
-            <a:lvl3pPr indent="-317500" lvl="2" marL="1371600">
+            <a:lvl3pPr marL="1371600" lvl="2" indent="-317500">
               <a:spcBef>
                 <a:spcPts val="1600"/>
               </a:spcBef>
@@ -5369,7 +5510,7 @@
                 </a:solidFill>
               </a:defRPr>
             </a:lvl3pPr>
-            <a:lvl4pPr indent="-317500" lvl="3" marL="1828800">
+            <a:lvl4pPr marL="1828800" lvl="3" indent="-317500">
               <a:spcBef>
                 <a:spcPts val="1600"/>
               </a:spcBef>
@@ -5387,7 +5528,7 @@
                 </a:solidFill>
               </a:defRPr>
             </a:lvl4pPr>
-            <a:lvl5pPr indent="-317500" lvl="4" marL="2286000">
+            <a:lvl5pPr marL="2286000" lvl="4" indent="-317500">
               <a:spcBef>
                 <a:spcPts val="1600"/>
               </a:spcBef>
@@ -5405,7 +5546,7 @@
                 </a:solidFill>
               </a:defRPr>
             </a:lvl5pPr>
-            <a:lvl6pPr indent="-317500" lvl="5" marL="2743200">
+            <a:lvl6pPr marL="2743200" lvl="5" indent="-317500">
               <a:spcBef>
                 <a:spcPts val="1600"/>
               </a:spcBef>
@@ -5423,7 +5564,7 @@
                 </a:solidFill>
               </a:defRPr>
             </a:lvl6pPr>
-            <a:lvl7pPr indent="-317500" lvl="6" marL="3200400">
+            <a:lvl7pPr marL="3200400" lvl="6" indent="-317500">
               <a:spcBef>
                 <a:spcPts val="1600"/>
               </a:spcBef>
@@ -5441,7 +5582,7 @@
                 </a:solidFill>
               </a:defRPr>
             </a:lvl7pPr>
-            <a:lvl8pPr indent="-317500" lvl="7" marL="3657600">
+            <a:lvl8pPr marL="3657600" lvl="7" indent="-317500">
               <a:spcBef>
                 <a:spcPts val="1600"/>
               </a:spcBef>
@@ -5459,7 +5600,7 @@
                 </a:solidFill>
               </a:defRPr>
             </a:lvl8pPr>
-            <a:lvl9pPr indent="-317500" lvl="8" marL="4114800">
+            <a:lvl9pPr marL="4114800" lvl="8" indent="-317500">
               <a:spcBef>
                 <a:spcPts val="1600"/>
               </a:spcBef>
@@ -5478,15 +5619,19 @@
               </a:defRPr>
             </a:lvl9pPr>
           </a:lstStyle>
-          <a:p/>
+          <a:p>
+            <a:endParaRPr/>
+          </a:p>
         </p:txBody>
       </p:sp>
       <p:sp>
         <p:nvSpPr>
           <p:cNvPr id="51" name="Google Shape;51;p9"/>
-          <p:cNvSpPr txBox="1"/>
+          <p:cNvSpPr txBox="1">
+            <a:spLocks noGrp="1"/>
+          </p:cNvSpPr>
           <p:nvPr>
-            <p:ph idx="12" type="sldNum"/>
+            <p:ph type="sldNum" idx="12"/>
           </p:nvPr>
         </p:nvSpPr>
         <p:spPr>
@@ -5499,7 +5644,7 @@
           </a:prstGeom>
         </p:spPr>
         <p:txBody>
-          <a:bodyPr anchorCtr="0" anchor="ctr" bIns="91425" lIns="91425" spcFirstLastPara="1" rIns="91425" wrap="square" tIns="91425">
+          <a:bodyPr spcFirstLastPara="1" wrap="square" lIns="91425" tIns="91425" rIns="91425" bIns="91425" anchor="ctr" anchorCtr="0">
             <a:noAutofit/>
           </a:bodyPr>
           <a:lstStyle>
@@ -5577,7 +5722,7 @@
             </a:lvl9pPr>
           </a:lstStyle>
           <a:p>
-            <a:pPr indent="0" lvl="0" marL="0" rtl="0" algn="r">
+            <a:pPr marL="0" lvl="0" indent="0" algn="r" rtl="0">
               <a:spcBef>
                 <a:spcPts val="0"/>
               </a:spcBef>
@@ -5603,11 +5748,11 @@
 </file>
 
 <file path=ppt/slideLayouts/slideLayout9.xml><?xml version="1.0" encoding="utf-8"?>
-<p:sldLayout xmlns:a="http://schemas.openxmlformats.org/drawingml/2006/main" xmlns:r="http://schemas.openxmlformats.org/officeDocument/2006/relationships" xmlns:mc="http://schemas.openxmlformats.org/markup-compatibility/2006" xmlns:mv="urn:schemas-microsoft-com:mac:vml" xmlns:p="http://schemas.openxmlformats.org/presentationml/2006/main" xmlns:c="http://schemas.openxmlformats.org/drawingml/2006/chart" xmlns:dgm="http://schemas.openxmlformats.org/drawingml/2006/diagram" xmlns:o="urn:schemas-microsoft-com:office:office" xmlns:v="urn:schemas-microsoft-com:vml" xmlns:pvml="urn:schemas-microsoft-com:office:powerpoint" xmlns:com="http://schemas.openxmlformats.org/drawingml/2006/compatibility" xmlns:p14="http://schemas.microsoft.com/office/powerpoint/2010/main" xmlns:p15="http://schemas.microsoft.com/office/powerpoint/2012/main" matchingName="Caption">
+<p:sldLayout xmlns:a="http://schemas.openxmlformats.org/drawingml/2006/main" xmlns:r="http://schemas.openxmlformats.org/officeDocument/2006/relationships" xmlns:p="http://schemas.openxmlformats.org/presentationml/2006/main" matchingName="Caption">
   <p:cSld name="CAPTION_ONLY">
     <p:spTree>
       <p:nvGrpSpPr>
-        <p:cNvPr id="52" name="Shape 52"/>
+        <p:cNvPr id="1" name="Shape 52"/>
         <p:cNvGrpSpPr/>
         <p:nvPr/>
       </p:nvGrpSpPr>
@@ -5622,9 +5767,11 @@
       <p:sp>
         <p:nvSpPr>
           <p:cNvPr id="53" name="Google Shape;53;p10"/>
-          <p:cNvSpPr txBox="1"/>
+          <p:cNvSpPr txBox="1">
+            <a:spLocks noGrp="1"/>
+          </p:cNvSpPr>
           <p:nvPr>
-            <p:ph idx="1" type="body"/>
+            <p:ph type="body" idx="1"/>
           </p:nvPr>
         </p:nvSpPr>
         <p:spPr>
@@ -5637,9 +5784,9 @@
           </a:prstGeom>
         </p:spPr>
         <p:txBody>
-          <a:bodyPr anchorCtr="0" anchor="ctr" bIns="91425" lIns="91425" spcFirstLastPara="1" rIns="91425" wrap="square" tIns="91425"/>
+          <a:bodyPr spcFirstLastPara="1" wrap="square" lIns="91425" tIns="91425" rIns="91425" bIns="91425" anchor="ctr" anchorCtr="0"/>
           <a:lstStyle>
-            <a:lvl1pPr indent="-228600" lvl="0" marL="457200">
+            <a:lvl1pPr marL="457200" lvl="0" indent="-228600">
               <a:lnSpc>
                 <a:spcPct val="100000"/>
               </a:lnSpc>
@@ -5660,15 +5807,19 @@
               </a:defRPr>
             </a:lvl1pPr>
           </a:lstStyle>
-          <a:p/>
+          <a:p>
+            <a:endParaRPr/>
+          </a:p>
         </p:txBody>
       </p:sp>
       <p:sp>
         <p:nvSpPr>
           <p:cNvPr id="54" name="Google Shape;54;p10"/>
-          <p:cNvSpPr txBox="1"/>
+          <p:cNvSpPr txBox="1">
+            <a:spLocks noGrp="1"/>
+          </p:cNvSpPr>
           <p:nvPr>
-            <p:ph idx="12" type="sldNum"/>
+            <p:ph type="sldNum" idx="12"/>
           </p:nvPr>
         </p:nvSpPr>
         <p:spPr>
@@ -5681,7 +5832,7 @@
           </a:prstGeom>
         </p:spPr>
         <p:txBody>
-          <a:bodyPr anchorCtr="0" anchor="ctr" bIns="91425" lIns="91425" spcFirstLastPara="1" rIns="91425" wrap="square" tIns="91425">
+          <a:bodyPr spcFirstLastPara="1" wrap="square" lIns="91425" tIns="91425" rIns="91425" bIns="91425" anchor="ctr" anchorCtr="0">
             <a:noAutofit/>
           </a:bodyPr>
           <a:lstStyle>
@@ -5723,7 +5874,7 @@
             </a:lvl9pPr>
           </a:lstStyle>
           <a:p>
-            <a:pPr indent="0" lvl="0" marL="0" rtl="0" algn="r">
+            <a:pPr marL="0" lvl="0" indent="0" algn="r" rtl="0">
               <a:spcBef>
                 <a:spcPts val="0"/>
               </a:spcBef>
@@ -5749,18 +5900,19 @@
 </file>
 
 <file path=ppt/slideMasters/slideMaster1.xml><?xml version="1.0" encoding="utf-8"?>
-<p:sldMaster xmlns:a="http://schemas.openxmlformats.org/drawingml/2006/main" xmlns:r="http://schemas.openxmlformats.org/officeDocument/2006/relationships" xmlns:mc="http://schemas.openxmlformats.org/markup-compatibility/2006" xmlns:mv="urn:schemas-microsoft-com:mac:vml" xmlns:p="http://schemas.openxmlformats.org/presentationml/2006/main" xmlns:c="http://schemas.openxmlformats.org/drawingml/2006/chart" xmlns:dgm="http://schemas.openxmlformats.org/drawingml/2006/diagram" xmlns:o="urn:schemas-microsoft-com:office:office" xmlns:v="urn:schemas-microsoft-com:vml" xmlns:pvml="urn:schemas-microsoft-com:office:powerpoint" xmlns:com="http://schemas.openxmlformats.org/drawingml/2006/compatibility" xmlns:p14="http://schemas.microsoft.com/office/powerpoint/2010/main" xmlns:p15="http://schemas.microsoft.com/office/powerpoint/2012/main">
+<p:sldMaster xmlns:a="http://schemas.openxmlformats.org/drawingml/2006/main" xmlns:r="http://schemas.openxmlformats.org/officeDocument/2006/relationships" xmlns:p="http://schemas.openxmlformats.org/presentationml/2006/main">
   <p:cSld name="tropic">
     <p:bg>
       <p:bgPr>
         <a:solidFill>
           <a:schemeClr val="lt1"/>
         </a:solidFill>
+        <a:effectLst/>
       </p:bgPr>
     </p:bg>
     <p:spTree>
       <p:nvGrpSpPr>
-        <p:cNvPr id="5" name="Shape 5"/>
+        <p:cNvPr id="1" name="Shape 5"/>
         <p:cNvGrpSpPr/>
         <p:nvPr/>
       </p:nvGrpSpPr>
@@ -5775,7 +5927,9 @@
       <p:sp>
         <p:nvSpPr>
           <p:cNvPr id="6" name="Google Shape;6;p1"/>
-          <p:cNvSpPr txBox="1"/>
+          <p:cNvSpPr txBox="1">
+            <a:spLocks noGrp="1"/>
+          </p:cNvSpPr>
           <p:nvPr>
             <p:ph type="title"/>
           </p:nvPr>
@@ -5794,7 +5948,7 @@
           </a:ln>
         </p:spPr>
         <p:txBody>
-          <a:bodyPr anchorCtr="0" anchor="t" bIns="91425" lIns="91425" spcFirstLastPara="1" rIns="91425" wrap="square" tIns="91425"/>
+          <a:bodyPr spcFirstLastPara="1" wrap="square" lIns="91425" tIns="91425" rIns="91425" bIns="91425" anchor="t" anchorCtr="0"/>
           <a:lstStyle>
             <a:lvl1pPr lvl="0">
               <a:spcBef>
@@ -5809,7 +5963,7 @@
               <a:buSzPts val="3600"/>
               <a:buFont typeface="PT Sans Narrow"/>
               <a:buNone/>
-              <a:defRPr b="1" sz="3600">
+              <a:defRPr sz="3600" b="1">
                 <a:solidFill>
                   <a:schemeClr val="accent1"/>
                 </a:solidFill>
@@ -5832,7 +5986,7 @@
               <a:buSzPts val="3600"/>
               <a:buFont typeface="PT Sans Narrow"/>
               <a:buNone/>
-              <a:defRPr b="1" sz="3600">
+              <a:defRPr sz="3600" b="1">
                 <a:solidFill>
                   <a:schemeClr val="accent1"/>
                 </a:solidFill>
@@ -5855,7 +6009,7 @@
               <a:buSzPts val="3600"/>
               <a:buFont typeface="PT Sans Narrow"/>
               <a:buNone/>
-              <a:defRPr b="1" sz="3600">
+              <a:defRPr sz="3600" b="1">
                 <a:solidFill>
                   <a:schemeClr val="accent1"/>
                 </a:solidFill>
@@ -5878,7 +6032,7 @@
               <a:buSzPts val="3600"/>
               <a:buFont typeface="PT Sans Narrow"/>
               <a:buNone/>
-              <a:defRPr b="1" sz="3600">
+              <a:defRPr sz="3600" b="1">
                 <a:solidFill>
                   <a:schemeClr val="accent1"/>
                 </a:solidFill>
@@ -5901,7 +6055,7 @@
               <a:buSzPts val="3600"/>
               <a:buFont typeface="PT Sans Narrow"/>
               <a:buNone/>
-              <a:defRPr b="1" sz="3600">
+              <a:defRPr sz="3600" b="1">
                 <a:solidFill>
                   <a:schemeClr val="accent1"/>
                 </a:solidFill>
@@ -5924,7 +6078,7 @@
               <a:buSzPts val="3600"/>
               <a:buFont typeface="PT Sans Narrow"/>
               <a:buNone/>
-              <a:defRPr b="1" sz="3600">
+              <a:defRPr sz="3600" b="1">
                 <a:solidFill>
                   <a:schemeClr val="accent1"/>
                 </a:solidFill>
@@ -5947,7 +6101,7 @@
               <a:buSzPts val="3600"/>
               <a:buFont typeface="PT Sans Narrow"/>
               <a:buNone/>
-              <a:defRPr b="1" sz="3600">
+              <a:defRPr sz="3600" b="1">
                 <a:solidFill>
                   <a:schemeClr val="accent1"/>
                 </a:solidFill>
@@ -5970,7 +6124,7 @@
               <a:buSzPts val="3600"/>
               <a:buFont typeface="PT Sans Narrow"/>
               <a:buNone/>
-              <a:defRPr b="1" sz="3600">
+              <a:defRPr sz="3600" b="1">
                 <a:solidFill>
                   <a:schemeClr val="accent1"/>
                 </a:solidFill>
@@ -5993,7 +6147,7 @@
               <a:buSzPts val="3600"/>
               <a:buFont typeface="PT Sans Narrow"/>
               <a:buNone/>
-              <a:defRPr b="1" sz="3600">
+              <a:defRPr sz="3600" b="1">
                 <a:solidFill>
                   <a:schemeClr val="accent1"/>
                 </a:solidFill>
@@ -6004,15 +6158,19 @@
               </a:defRPr>
             </a:lvl9pPr>
           </a:lstStyle>
-          <a:p/>
+          <a:p>
+            <a:endParaRPr/>
+          </a:p>
         </p:txBody>
       </p:sp>
       <p:sp>
         <p:nvSpPr>
           <p:cNvPr id="7" name="Google Shape;7;p1"/>
-          <p:cNvSpPr txBox="1"/>
+          <p:cNvSpPr txBox="1">
+            <a:spLocks noGrp="1"/>
+          </p:cNvSpPr>
           <p:nvPr>
-            <p:ph idx="1" type="body"/>
+            <p:ph type="body" idx="1"/>
           </p:nvPr>
         </p:nvSpPr>
         <p:spPr>
@@ -6029,9 +6187,9 @@
           </a:ln>
         </p:spPr>
         <p:txBody>
-          <a:bodyPr anchorCtr="0" anchor="t" bIns="91425" lIns="91425" spcFirstLastPara="1" rIns="91425" wrap="square" tIns="91425"/>
+          <a:bodyPr spcFirstLastPara="1" wrap="square" lIns="91425" tIns="91425" rIns="91425" bIns="91425" anchor="t" anchorCtr="0"/>
           <a:lstStyle>
-            <a:lvl1pPr indent="-342900" lvl="0" marL="457200">
+            <a:lvl1pPr marL="457200" lvl="0" indent="-342900">
               <a:lnSpc>
                 <a:spcPct val="115000"/>
               </a:lnSpc>
@@ -6057,7 +6215,7 @@
                 <a:sym typeface="Open Sans"/>
               </a:defRPr>
             </a:lvl1pPr>
-            <a:lvl2pPr indent="-317500" lvl="1" marL="914400">
+            <a:lvl2pPr marL="914400" lvl="1" indent="-317500">
               <a:lnSpc>
                 <a:spcPct val="115000"/>
               </a:lnSpc>
@@ -6083,7 +6241,7 @@
                 <a:sym typeface="Open Sans"/>
               </a:defRPr>
             </a:lvl2pPr>
-            <a:lvl3pPr indent="-317500" lvl="2" marL="1371600">
+            <a:lvl3pPr marL="1371600" lvl="2" indent="-317500">
               <a:lnSpc>
                 <a:spcPct val="115000"/>
               </a:lnSpc>
@@ -6109,7 +6267,7 @@
                 <a:sym typeface="Open Sans"/>
               </a:defRPr>
             </a:lvl3pPr>
-            <a:lvl4pPr indent="-317500" lvl="3" marL="1828800">
+            <a:lvl4pPr marL="1828800" lvl="3" indent="-317500">
               <a:lnSpc>
                 <a:spcPct val="115000"/>
               </a:lnSpc>
@@ -6135,7 +6293,7 @@
                 <a:sym typeface="Open Sans"/>
               </a:defRPr>
             </a:lvl4pPr>
-            <a:lvl5pPr indent="-317500" lvl="4" marL="2286000">
+            <a:lvl5pPr marL="2286000" lvl="4" indent="-317500">
               <a:lnSpc>
                 <a:spcPct val="115000"/>
               </a:lnSpc>
@@ -6161,7 +6319,7 @@
                 <a:sym typeface="Open Sans"/>
               </a:defRPr>
             </a:lvl5pPr>
-            <a:lvl6pPr indent="-317500" lvl="5" marL="2743200">
+            <a:lvl6pPr marL="2743200" lvl="5" indent="-317500">
               <a:lnSpc>
                 <a:spcPct val="115000"/>
               </a:lnSpc>
@@ -6187,7 +6345,7 @@
                 <a:sym typeface="Open Sans"/>
               </a:defRPr>
             </a:lvl6pPr>
-            <a:lvl7pPr indent="-317500" lvl="6" marL="3200400">
+            <a:lvl7pPr marL="3200400" lvl="6" indent="-317500">
               <a:lnSpc>
                 <a:spcPct val="115000"/>
               </a:lnSpc>
@@ -6213,7 +6371,7 @@
                 <a:sym typeface="Open Sans"/>
               </a:defRPr>
             </a:lvl7pPr>
-            <a:lvl8pPr indent="-317500" lvl="7" marL="3657600">
+            <a:lvl8pPr marL="3657600" lvl="7" indent="-317500">
               <a:lnSpc>
                 <a:spcPct val="115000"/>
               </a:lnSpc>
@@ -6239,7 +6397,7 @@
                 <a:sym typeface="Open Sans"/>
               </a:defRPr>
             </a:lvl8pPr>
-            <a:lvl9pPr indent="-317500" lvl="8" marL="4114800">
+            <a:lvl9pPr marL="4114800" lvl="8" indent="-317500">
               <a:lnSpc>
                 <a:spcPct val="115000"/>
               </a:lnSpc>
@@ -6266,15 +6424,19 @@
               </a:defRPr>
             </a:lvl9pPr>
           </a:lstStyle>
-          <a:p/>
+          <a:p>
+            <a:endParaRPr/>
+          </a:p>
         </p:txBody>
       </p:sp>
       <p:sp>
         <p:nvSpPr>
           <p:cNvPr id="8" name="Google Shape;8;p1"/>
-          <p:cNvSpPr txBox="1"/>
+          <p:cNvSpPr txBox="1">
+            <a:spLocks noGrp="1"/>
+          </p:cNvSpPr>
           <p:nvPr>
-            <p:ph idx="12" type="sldNum"/>
+            <p:ph type="sldNum" idx="12"/>
           </p:nvPr>
         </p:nvSpPr>
         <p:spPr>
@@ -6291,7 +6453,7 @@
           </a:ln>
         </p:spPr>
         <p:txBody>
-          <a:bodyPr anchorCtr="0" anchor="ctr" bIns="91425" lIns="91425" spcFirstLastPara="1" rIns="91425" wrap="square" tIns="91425">
+          <a:bodyPr spcFirstLastPara="1" wrap="square" lIns="91425" tIns="91425" rIns="91425" bIns="91425" anchor="ctr" anchorCtr="0">
             <a:noAutofit/>
           </a:bodyPr>
           <a:lstStyle>
@@ -6405,7 +6567,7 @@
             </a:lvl9pPr>
           </a:lstStyle>
           <a:p>
-            <a:pPr indent="0" lvl="0" marL="0" rtl="0" algn="r">
+            <a:pPr marL="0" lvl="0" indent="0" algn="r" rtl="0">
               <a:spcBef>
                 <a:spcPts val="0"/>
               </a:spcBef>
@@ -6424,7 +6586,7 @@
       </p:sp>
     </p:spTree>
   </p:cSld>
-  <p:clrMap accent1="accent1" accent2="accent2" accent3="accent3" accent4="accent4" accent5="accent5" accent6="accent6" bg1="lt1" bg2="dk2" tx1="dk1" tx2="lt2" folHlink="folHlink" hlink="hlink"/>
+  <p:clrMap bg1="lt1" tx1="dk1" bg2="dk2" tx2="lt2" accent1="accent1" accent2="accent2" accent3="accent3" accent4="accent4" accent5="accent5" accent6="accent6" hlink="hlink" folHlink="folHlink"/>
   <p:sldLayoutIdLst>
     <p:sldLayoutId id="2147483648" r:id="rId1"/>
     <p:sldLayoutId id="2147483649" r:id="rId2"/>
@@ -6438,10 +6600,10 @@
     <p:sldLayoutId id="2147483657" r:id="rId10"/>
     <p:sldLayoutId id="2147483658" r:id="rId11"/>
   </p:sldLayoutIdLst>
-  <p:hf dt="0" ftr="0" hdr="0" sldNum="0"/>
+  <p:hf sldNum="0" hdr="0" ftr="0" dt="0"/>
   <p:txStyles>
     <p:titleStyle>
-      <a:defPPr lvl="0" marR="0" rtl="0" algn="l">
+      <a:defPPr marR="0" lvl="0" algn="l" rtl="0">
         <a:lnSpc>
           <a:spcPct val="100000"/>
         </a:lnSpc>
@@ -6452,7 +6614,7 @@
           <a:spcPts val="0"/>
         </a:spcAft>
       </a:defPPr>
-      <a:lvl1pPr lvl="0" marR="0" rtl="0" algn="l">
+      <a:lvl1pPr marR="0" lvl="0" algn="l" rtl="0">
         <a:lnSpc>
           <a:spcPct val="100000"/>
         </a:lnSpc>
@@ -6466,7 +6628,7 @@
           <a:srgbClr val="000000"/>
         </a:buClr>
         <a:buFont typeface="Arial"/>
-        <a:defRPr b="0" i="0" sz="1400" u="none" cap="none" strike="noStrike">
+        <a:defRPr sz="1400" b="0" i="0" u="none" strike="noStrike" cap="none">
           <a:solidFill>
             <a:srgbClr val="000000"/>
           </a:solidFill>
@@ -6476,7 +6638,7 @@
           <a:sym typeface="Arial"/>
         </a:defRPr>
       </a:lvl1pPr>
-      <a:lvl2pPr lvl="1" marR="0" rtl="0" algn="l">
+      <a:lvl2pPr marR="0" lvl="1" algn="l" rtl="0">
         <a:lnSpc>
           <a:spcPct val="100000"/>
         </a:lnSpc>
@@ -6490,7 +6652,7 @@
           <a:srgbClr val="000000"/>
         </a:buClr>
         <a:buFont typeface="Arial"/>
-        <a:defRPr b="0" i="0" sz="1400" u="none" cap="none" strike="noStrike">
+        <a:defRPr sz="1400" b="0" i="0" u="none" strike="noStrike" cap="none">
           <a:solidFill>
             <a:srgbClr val="000000"/>
           </a:solidFill>
@@ -6500,7 +6662,7 @@
           <a:sym typeface="Arial"/>
         </a:defRPr>
       </a:lvl2pPr>
-      <a:lvl3pPr lvl="2" marR="0" rtl="0" algn="l">
+      <a:lvl3pPr marR="0" lvl="2" algn="l" rtl="0">
         <a:lnSpc>
           <a:spcPct val="100000"/>
         </a:lnSpc>
@@ -6514,7 +6676,7 @@
           <a:srgbClr val="000000"/>
         </a:buClr>
         <a:buFont typeface="Arial"/>
-        <a:defRPr b="0" i="0" sz="1400" u="none" cap="none" strike="noStrike">
+        <a:defRPr sz="1400" b="0" i="0" u="none" strike="noStrike" cap="none">
           <a:solidFill>
             <a:srgbClr val="000000"/>
           </a:solidFill>
@@ -6524,7 +6686,7 @@
           <a:sym typeface="Arial"/>
         </a:defRPr>
       </a:lvl3pPr>
-      <a:lvl4pPr lvl="3" marR="0" rtl="0" algn="l">
+      <a:lvl4pPr marR="0" lvl="3" algn="l" rtl="0">
         <a:lnSpc>
           <a:spcPct val="100000"/>
         </a:lnSpc>
@@ -6538,7 +6700,7 @@
           <a:srgbClr val="000000"/>
         </a:buClr>
         <a:buFont typeface="Arial"/>
-        <a:defRPr b="0" i="0" sz="1400" u="none" cap="none" strike="noStrike">
+        <a:defRPr sz="1400" b="0" i="0" u="none" strike="noStrike" cap="none">
           <a:solidFill>
             <a:srgbClr val="000000"/>
           </a:solidFill>
@@ -6548,7 +6710,7 @@
           <a:sym typeface="Arial"/>
         </a:defRPr>
       </a:lvl4pPr>
-      <a:lvl5pPr lvl="4" marR="0" rtl="0" algn="l">
+      <a:lvl5pPr marR="0" lvl="4" algn="l" rtl="0">
         <a:lnSpc>
           <a:spcPct val="100000"/>
         </a:lnSpc>
@@ -6562,7 +6724,7 @@
           <a:srgbClr val="000000"/>
         </a:buClr>
         <a:buFont typeface="Arial"/>
-        <a:defRPr b="0" i="0" sz="1400" u="none" cap="none" strike="noStrike">
+        <a:defRPr sz="1400" b="0" i="0" u="none" strike="noStrike" cap="none">
           <a:solidFill>
             <a:srgbClr val="000000"/>
           </a:solidFill>
@@ -6572,7 +6734,7 @@
           <a:sym typeface="Arial"/>
         </a:defRPr>
       </a:lvl5pPr>
-      <a:lvl6pPr lvl="5" marR="0" rtl="0" algn="l">
+      <a:lvl6pPr marR="0" lvl="5" algn="l" rtl="0">
         <a:lnSpc>
           <a:spcPct val="100000"/>
         </a:lnSpc>
@@ -6586,7 +6748,7 @@
           <a:srgbClr val="000000"/>
         </a:buClr>
         <a:buFont typeface="Arial"/>
-        <a:defRPr b="0" i="0" sz="1400" u="none" cap="none" strike="noStrike">
+        <a:defRPr sz="1400" b="0" i="0" u="none" strike="noStrike" cap="none">
           <a:solidFill>
             <a:srgbClr val="000000"/>
           </a:solidFill>
@@ -6596,7 +6758,7 @@
           <a:sym typeface="Arial"/>
         </a:defRPr>
       </a:lvl6pPr>
-      <a:lvl7pPr lvl="6" marR="0" rtl="0" algn="l">
+      <a:lvl7pPr marR="0" lvl="6" algn="l" rtl="0">
         <a:lnSpc>
           <a:spcPct val="100000"/>
         </a:lnSpc>
@@ -6610,7 +6772,7 @@
           <a:srgbClr val="000000"/>
         </a:buClr>
         <a:buFont typeface="Arial"/>
-        <a:defRPr b="0" i="0" sz="1400" u="none" cap="none" strike="noStrike">
+        <a:defRPr sz="1400" b="0" i="0" u="none" strike="noStrike" cap="none">
           <a:solidFill>
             <a:srgbClr val="000000"/>
           </a:solidFill>
@@ -6620,7 +6782,7 @@
           <a:sym typeface="Arial"/>
         </a:defRPr>
       </a:lvl7pPr>
-      <a:lvl8pPr lvl="7" marR="0" rtl="0" algn="l">
+      <a:lvl8pPr marR="0" lvl="7" algn="l" rtl="0">
         <a:lnSpc>
           <a:spcPct val="100000"/>
         </a:lnSpc>
@@ -6634,7 +6796,7 @@
           <a:srgbClr val="000000"/>
         </a:buClr>
         <a:buFont typeface="Arial"/>
-        <a:defRPr b="0" i="0" sz="1400" u="none" cap="none" strike="noStrike">
+        <a:defRPr sz="1400" b="0" i="0" u="none" strike="noStrike" cap="none">
           <a:solidFill>
             <a:srgbClr val="000000"/>
           </a:solidFill>
@@ -6644,7 +6806,7 @@
           <a:sym typeface="Arial"/>
         </a:defRPr>
       </a:lvl8pPr>
-      <a:lvl9pPr lvl="8" marR="0" rtl="0" algn="l">
+      <a:lvl9pPr marR="0" lvl="8" algn="l" rtl="0">
         <a:lnSpc>
           <a:spcPct val="100000"/>
         </a:lnSpc>
@@ -6658,7 +6820,7 @@
           <a:srgbClr val="000000"/>
         </a:buClr>
         <a:buFont typeface="Arial"/>
-        <a:defRPr b="0" i="0" sz="1400" u="none" cap="none" strike="noStrike">
+        <a:defRPr sz="1400" b="0" i="0" u="none" strike="noStrike" cap="none">
           <a:solidFill>
             <a:srgbClr val="000000"/>
           </a:solidFill>
@@ -6670,7 +6832,7 @@
       </a:lvl9pPr>
     </p:titleStyle>
     <p:bodyStyle>
-      <a:defPPr lvl="0" marR="0" rtl="0" algn="l">
+      <a:defPPr marR="0" lvl="0" algn="l" rtl="0">
         <a:lnSpc>
           <a:spcPct val="100000"/>
         </a:lnSpc>
@@ -6681,7 +6843,7 @@
           <a:spcPts val="0"/>
         </a:spcAft>
       </a:defPPr>
-      <a:lvl1pPr lvl="0" marR="0" rtl="0" algn="l">
+      <a:lvl1pPr marR="0" lvl="0" algn="l" rtl="0">
         <a:lnSpc>
           <a:spcPct val="100000"/>
         </a:lnSpc>
@@ -6695,7 +6857,7 @@
           <a:srgbClr val="000000"/>
         </a:buClr>
         <a:buFont typeface="Arial"/>
-        <a:defRPr b="0" i="0" sz="1400" u="none" cap="none" strike="noStrike">
+        <a:defRPr sz="1400" b="0" i="0" u="none" strike="noStrike" cap="none">
           <a:solidFill>
             <a:srgbClr val="000000"/>
           </a:solidFill>
@@ -6705,7 +6867,7 @@
           <a:sym typeface="Arial"/>
         </a:defRPr>
       </a:lvl1pPr>
-      <a:lvl2pPr lvl="1" marR="0" rtl="0" algn="l">
+      <a:lvl2pPr marR="0" lvl="1" algn="l" rtl="0">
         <a:lnSpc>
           <a:spcPct val="100000"/>
         </a:lnSpc>
@@ -6719,7 +6881,7 @@
           <a:srgbClr val="000000"/>
         </a:buClr>
         <a:buFont typeface="Arial"/>
-        <a:defRPr b="0" i="0" sz="1400" u="none" cap="none" strike="noStrike">
+        <a:defRPr sz="1400" b="0" i="0" u="none" strike="noStrike" cap="none">
           <a:solidFill>
             <a:srgbClr val="000000"/>
           </a:solidFill>
@@ -6729,7 +6891,7 @@
           <a:sym typeface="Arial"/>
         </a:defRPr>
       </a:lvl2pPr>
-      <a:lvl3pPr lvl="2" marR="0" rtl="0" algn="l">
+      <a:lvl3pPr marR="0" lvl="2" algn="l" rtl="0">
         <a:lnSpc>
           <a:spcPct val="100000"/>
         </a:lnSpc>
@@ -6743,7 +6905,7 @@
           <a:srgbClr val="000000"/>
         </a:buClr>
         <a:buFont typeface="Arial"/>
-        <a:defRPr b="0" i="0" sz="1400" u="none" cap="none" strike="noStrike">
+        <a:defRPr sz="1400" b="0" i="0" u="none" strike="noStrike" cap="none">
           <a:solidFill>
             <a:srgbClr val="000000"/>
           </a:solidFill>
@@ -6753,7 +6915,7 @@
           <a:sym typeface="Arial"/>
         </a:defRPr>
       </a:lvl3pPr>
-      <a:lvl4pPr lvl="3" marR="0" rtl="0" algn="l">
+      <a:lvl4pPr marR="0" lvl="3" algn="l" rtl="0">
         <a:lnSpc>
           <a:spcPct val="100000"/>
         </a:lnSpc>
@@ -6767,7 +6929,7 @@
           <a:srgbClr val="000000"/>
         </a:buClr>
         <a:buFont typeface="Arial"/>
-        <a:defRPr b="0" i="0" sz="1400" u="none" cap="none" strike="noStrike">
+        <a:defRPr sz="1400" b="0" i="0" u="none" strike="noStrike" cap="none">
           <a:solidFill>
             <a:srgbClr val="000000"/>
           </a:solidFill>
@@ -6777,7 +6939,7 @@
           <a:sym typeface="Arial"/>
         </a:defRPr>
       </a:lvl4pPr>
-      <a:lvl5pPr lvl="4" marR="0" rtl="0" algn="l">
+      <a:lvl5pPr marR="0" lvl="4" algn="l" rtl="0">
         <a:lnSpc>
           <a:spcPct val="100000"/>
         </a:lnSpc>
@@ -6791,7 +6953,7 @@
           <a:srgbClr val="000000"/>
         </a:buClr>
         <a:buFont typeface="Arial"/>
-        <a:defRPr b="0" i="0" sz="1400" u="none" cap="none" strike="noStrike">
+        <a:defRPr sz="1400" b="0" i="0" u="none" strike="noStrike" cap="none">
           <a:solidFill>
             <a:srgbClr val="000000"/>
           </a:solidFill>
@@ -6801,7 +6963,7 @@
           <a:sym typeface="Arial"/>
         </a:defRPr>
       </a:lvl5pPr>
-      <a:lvl6pPr lvl="5" marR="0" rtl="0" algn="l">
+      <a:lvl6pPr marR="0" lvl="5" algn="l" rtl="0">
         <a:lnSpc>
           <a:spcPct val="100000"/>
         </a:lnSpc>
@@ -6815,7 +6977,7 @@
           <a:srgbClr val="000000"/>
         </a:buClr>
         <a:buFont typeface="Arial"/>
-        <a:defRPr b="0" i="0" sz="1400" u="none" cap="none" strike="noStrike">
+        <a:defRPr sz="1400" b="0" i="0" u="none" strike="noStrike" cap="none">
           <a:solidFill>
             <a:srgbClr val="000000"/>
           </a:solidFill>
@@ -6825,7 +6987,7 @@
           <a:sym typeface="Arial"/>
         </a:defRPr>
       </a:lvl6pPr>
-      <a:lvl7pPr lvl="6" marR="0" rtl="0" algn="l">
+      <a:lvl7pPr marR="0" lvl="6" algn="l" rtl="0">
         <a:lnSpc>
           <a:spcPct val="100000"/>
         </a:lnSpc>
@@ -6839,7 +7001,7 @@
           <a:srgbClr val="000000"/>
         </a:buClr>
         <a:buFont typeface="Arial"/>
-        <a:defRPr b="0" i="0" sz="1400" u="none" cap="none" strike="noStrike">
+        <a:defRPr sz="1400" b="0" i="0" u="none" strike="noStrike" cap="none">
           <a:solidFill>
             <a:srgbClr val="000000"/>
           </a:solidFill>
@@ -6849,7 +7011,7 @@
           <a:sym typeface="Arial"/>
         </a:defRPr>
       </a:lvl7pPr>
-      <a:lvl8pPr lvl="7" marR="0" rtl="0" algn="l">
+      <a:lvl8pPr marR="0" lvl="7" algn="l" rtl="0">
         <a:lnSpc>
           <a:spcPct val="100000"/>
         </a:lnSpc>
@@ -6863,7 +7025,7 @@
           <a:srgbClr val="000000"/>
         </a:buClr>
         <a:buFont typeface="Arial"/>
-        <a:defRPr b="0" i="0" sz="1400" u="none" cap="none" strike="noStrike">
+        <a:defRPr sz="1400" b="0" i="0" u="none" strike="noStrike" cap="none">
           <a:solidFill>
             <a:srgbClr val="000000"/>
           </a:solidFill>
@@ -6873,7 +7035,7 @@
           <a:sym typeface="Arial"/>
         </a:defRPr>
       </a:lvl8pPr>
-      <a:lvl9pPr lvl="8" marR="0" rtl="0" algn="l">
+      <a:lvl9pPr marR="0" lvl="8" algn="l" rtl="0">
         <a:lnSpc>
           <a:spcPct val="100000"/>
         </a:lnSpc>
@@ -6887,7 +7049,7 @@
           <a:srgbClr val="000000"/>
         </a:buClr>
         <a:buFont typeface="Arial"/>
-        <a:defRPr b="0" i="0" sz="1400" u="none" cap="none" strike="noStrike">
+        <a:defRPr sz="1400" b="0" i="0" u="none" strike="noStrike" cap="none">
           <a:solidFill>
             <a:srgbClr val="000000"/>
           </a:solidFill>
@@ -6899,7 +7061,7 @@
       </a:lvl9pPr>
     </p:bodyStyle>
     <p:otherStyle>
-      <a:defPPr lvl="0" marR="0" rtl="0" algn="l">
+      <a:defPPr marR="0" lvl="0" algn="l" rtl="0">
         <a:lnSpc>
           <a:spcPct val="100000"/>
         </a:lnSpc>
@@ -6910,7 +7072,7 @@
           <a:spcPts val="0"/>
         </a:spcAft>
       </a:defPPr>
-      <a:lvl1pPr lvl="0" marR="0" rtl="0" algn="l">
+      <a:lvl1pPr marR="0" lvl="0" algn="l" rtl="0">
         <a:lnSpc>
           <a:spcPct val="100000"/>
         </a:lnSpc>
@@ -6924,7 +7086,7 @@
           <a:srgbClr val="000000"/>
         </a:buClr>
         <a:buFont typeface="Arial"/>
-        <a:defRPr b="0" i="0" sz="1400" u="none" cap="none" strike="noStrike">
+        <a:defRPr sz="1400" b="0" i="0" u="none" strike="noStrike" cap="none">
           <a:solidFill>
             <a:srgbClr val="000000"/>
           </a:solidFill>
@@ -6934,7 +7096,7 @@
           <a:sym typeface="Arial"/>
         </a:defRPr>
       </a:lvl1pPr>
-      <a:lvl2pPr lvl="1" marR="0" rtl="0" algn="l">
+      <a:lvl2pPr marR="0" lvl="1" algn="l" rtl="0">
         <a:lnSpc>
           <a:spcPct val="100000"/>
         </a:lnSpc>
@@ -6948,7 +7110,7 @@
           <a:srgbClr val="000000"/>
         </a:buClr>
         <a:buFont typeface="Arial"/>
-        <a:defRPr b="0" i="0" sz="1400" u="none" cap="none" strike="noStrike">
+        <a:defRPr sz="1400" b="0" i="0" u="none" strike="noStrike" cap="none">
           <a:solidFill>
             <a:srgbClr val="000000"/>
           </a:solidFill>
@@ -6958,7 +7120,7 @@
           <a:sym typeface="Arial"/>
         </a:defRPr>
       </a:lvl2pPr>
-      <a:lvl3pPr lvl="2" marR="0" rtl="0" algn="l">
+      <a:lvl3pPr marR="0" lvl="2" algn="l" rtl="0">
         <a:lnSpc>
           <a:spcPct val="100000"/>
         </a:lnSpc>
@@ -6972,7 +7134,7 @@
           <a:srgbClr val="000000"/>
         </a:buClr>
         <a:buFont typeface="Arial"/>
-        <a:defRPr b="0" i="0" sz="1400" u="none" cap="none" strike="noStrike">
+        <a:defRPr sz="1400" b="0" i="0" u="none" strike="noStrike" cap="none">
           <a:solidFill>
             <a:srgbClr val="000000"/>
           </a:solidFill>
@@ -6982,7 +7144,7 @@
           <a:sym typeface="Arial"/>
         </a:defRPr>
       </a:lvl3pPr>
-      <a:lvl4pPr lvl="3" marR="0" rtl="0" algn="l">
+      <a:lvl4pPr marR="0" lvl="3" algn="l" rtl="0">
         <a:lnSpc>
           <a:spcPct val="100000"/>
         </a:lnSpc>
@@ -6996,7 +7158,7 @@
           <a:srgbClr val="000000"/>
         </a:buClr>
         <a:buFont typeface="Arial"/>
-        <a:defRPr b="0" i="0" sz="1400" u="none" cap="none" strike="noStrike">
+        <a:defRPr sz="1400" b="0" i="0" u="none" strike="noStrike" cap="none">
           <a:solidFill>
             <a:srgbClr val="000000"/>
           </a:solidFill>
@@ -7006,7 +7168,7 @@
           <a:sym typeface="Arial"/>
         </a:defRPr>
       </a:lvl4pPr>
-      <a:lvl5pPr lvl="4" marR="0" rtl="0" algn="l">
+      <a:lvl5pPr marR="0" lvl="4" algn="l" rtl="0">
         <a:lnSpc>
           <a:spcPct val="100000"/>
         </a:lnSpc>
@@ -7020,7 +7182,7 @@
           <a:srgbClr val="000000"/>
         </a:buClr>
         <a:buFont typeface="Arial"/>
-        <a:defRPr b="0" i="0" sz="1400" u="none" cap="none" strike="noStrike">
+        <a:defRPr sz="1400" b="0" i="0" u="none" strike="noStrike" cap="none">
           <a:solidFill>
             <a:srgbClr val="000000"/>
           </a:solidFill>
@@ -7030,7 +7192,7 @@
           <a:sym typeface="Arial"/>
         </a:defRPr>
       </a:lvl5pPr>
-      <a:lvl6pPr lvl="5" marR="0" rtl="0" algn="l">
+      <a:lvl6pPr marR="0" lvl="5" algn="l" rtl="0">
         <a:lnSpc>
           <a:spcPct val="100000"/>
         </a:lnSpc>
@@ -7044,7 +7206,7 @@
           <a:srgbClr val="000000"/>
         </a:buClr>
         <a:buFont typeface="Arial"/>
-        <a:defRPr b="0" i="0" sz="1400" u="none" cap="none" strike="noStrike">
+        <a:defRPr sz="1400" b="0" i="0" u="none" strike="noStrike" cap="none">
           <a:solidFill>
             <a:srgbClr val="000000"/>
           </a:solidFill>
@@ -7054,7 +7216,7 @@
           <a:sym typeface="Arial"/>
         </a:defRPr>
       </a:lvl6pPr>
-      <a:lvl7pPr lvl="6" marR="0" rtl="0" algn="l">
+      <a:lvl7pPr marR="0" lvl="6" algn="l" rtl="0">
         <a:lnSpc>
           <a:spcPct val="100000"/>
         </a:lnSpc>
@@ -7068,7 +7230,7 @@
           <a:srgbClr val="000000"/>
         </a:buClr>
         <a:buFont typeface="Arial"/>
-        <a:defRPr b="0" i="0" sz="1400" u="none" cap="none" strike="noStrike">
+        <a:defRPr sz="1400" b="0" i="0" u="none" strike="noStrike" cap="none">
           <a:solidFill>
             <a:srgbClr val="000000"/>
           </a:solidFill>
@@ -7078,7 +7240,7 @@
           <a:sym typeface="Arial"/>
         </a:defRPr>
       </a:lvl7pPr>
-      <a:lvl8pPr lvl="7" marR="0" rtl="0" algn="l">
+      <a:lvl8pPr marR="0" lvl="7" algn="l" rtl="0">
         <a:lnSpc>
           <a:spcPct val="100000"/>
         </a:lnSpc>
@@ -7092,7 +7254,7 @@
           <a:srgbClr val="000000"/>
         </a:buClr>
         <a:buFont typeface="Arial"/>
-        <a:defRPr b="0" i="0" sz="1400" u="none" cap="none" strike="noStrike">
+        <a:defRPr sz="1400" b="0" i="0" u="none" strike="noStrike" cap="none">
           <a:solidFill>
             <a:srgbClr val="000000"/>
           </a:solidFill>
@@ -7102,7 +7264,7 @@
           <a:sym typeface="Arial"/>
         </a:defRPr>
       </a:lvl8pPr>
-      <a:lvl9pPr lvl="8" marR="0" rtl="0" algn="l">
+      <a:lvl9pPr marR="0" lvl="8" algn="l" rtl="0">
         <a:lnSpc>
           <a:spcPct val="100000"/>
         </a:lnSpc>
@@ -7116,7 +7278,7 @@
           <a:srgbClr val="000000"/>
         </a:buClr>
         <a:buFont typeface="Arial"/>
-        <a:defRPr b="0" i="0" sz="1400" u="none" cap="none" strike="noStrike">
+        <a:defRPr sz="1400" b="0" i="0" u="none" strike="noStrike" cap="none">
           <a:solidFill>
             <a:srgbClr val="000000"/>
           </a:solidFill>
@@ -7132,11 +7294,11 @@
 </file>
 
 <file path=ppt/slides/slide1.xml><?xml version="1.0" encoding="utf-8"?>
-<p:sld xmlns:a="http://schemas.openxmlformats.org/drawingml/2006/main" xmlns:r="http://schemas.openxmlformats.org/officeDocument/2006/relationships" xmlns:mc="http://schemas.openxmlformats.org/markup-compatibility/2006" xmlns:mv="urn:schemas-microsoft-com:mac:vml" xmlns:p="http://schemas.openxmlformats.org/presentationml/2006/main" xmlns:c="http://schemas.openxmlformats.org/drawingml/2006/chart" xmlns:dgm="http://schemas.openxmlformats.org/drawingml/2006/diagram" xmlns:o="urn:schemas-microsoft-com:office:office" xmlns:v="urn:schemas-microsoft-com:vml" xmlns:pvml="urn:schemas-microsoft-com:office:powerpoint" xmlns:com="http://schemas.openxmlformats.org/drawingml/2006/compatibility" xmlns:p14="http://schemas.microsoft.com/office/powerpoint/2010/main" xmlns:p15="http://schemas.microsoft.com/office/powerpoint/2012/main">
+<p:sld xmlns:a="http://schemas.openxmlformats.org/drawingml/2006/main" xmlns:r="http://schemas.openxmlformats.org/officeDocument/2006/relationships" xmlns:p="http://schemas.openxmlformats.org/presentationml/2006/main">
   <p:cSld>
     <p:spTree>
       <p:nvGrpSpPr>
-        <p:cNvPr id="65" name="Shape 65"/>
+        <p:cNvPr id="1" name="Shape 65"/>
         <p:cNvGrpSpPr/>
         <p:nvPr/>
       </p:nvGrpSpPr>
@@ -7151,7 +7313,9 @@
       <p:sp>
         <p:nvSpPr>
           <p:cNvPr id="66" name="Google Shape;66;p13"/>
-          <p:cNvSpPr txBox="1"/>
+          <p:cNvSpPr txBox="1">
+            <a:spLocks noGrp="1"/>
+          </p:cNvSpPr>
           <p:nvPr>
             <p:ph type="ctrTitle"/>
           </p:nvPr>
@@ -7166,12 +7330,12 @@
           </a:prstGeom>
         </p:spPr>
         <p:txBody>
-          <a:bodyPr anchorCtr="0" anchor="b" bIns="91425" lIns="91425" spcFirstLastPara="1" rIns="91425" wrap="square" tIns="91425">
+          <a:bodyPr spcFirstLastPara="1" wrap="square" lIns="91425" tIns="91425" rIns="91425" bIns="91425" anchor="b" anchorCtr="0">
             <a:noAutofit/>
           </a:bodyPr>
           <a:lstStyle/>
           <a:p>
-            <a:pPr indent="0" lvl="0" marL="0" rtl="0" algn="ctr">
+            <a:pPr marL="0" lvl="0" indent="0" algn="ctr" rtl="0">
               <a:spcBef>
                 <a:spcPts val="0"/>
               </a:spcBef>
@@ -7191,9 +7355,11 @@
       <p:sp>
         <p:nvSpPr>
           <p:cNvPr id="67" name="Google Shape;67;p13"/>
-          <p:cNvSpPr txBox="1"/>
+          <p:cNvSpPr txBox="1">
+            <a:spLocks noGrp="1"/>
+          </p:cNvSpPr>
           <p:nvPr>
-            <p:ph idx="1" type="subTitle"/>
+            <p:ph type="subTitle" idx="1"/>
           </p:nvPr>
         </p:nvSpPr>
         <p:spPr>
@@ -7206,12 +7372,12 @@
           </a:prstGeom>
         </p:spPr>
         <p:txBody>
-          <a:bodyPr anchorCtr="0" anchor="t" bIns="91425" lIns="91425" spcFirstLastPara="1" rIns="91425" wrap="square" tIns="91425">
+          <a:bodyPr spcFirstLastPara="1" wrap="square" lIns="91425" tIns="91425" rIns="91425" bIns="91425" anchor="t" anchorCtr="0">
             <a:noAutofit/>
           </a:bodyPr>
           <a:lstStyle/>
           <a:p>
-            <a:pPr indent="0" lvl="0" marL="0" rtl="0" algn="ctr">
+            <a:pPr marL="0" lvl="0" indent="0" algn="ctr" rtl="0">
               <a:spcBef>
                 <a:spcPts val="0"/>
               </a:spcBef>
@@ -7237,11 +7403,11 @@
 </file>
 
 <file path=ppt/slides/slide10.xml><?xml version="1.0" encoding="utf-8"?>
-<p:sld xmlns:a="http://schemas.openxmlformats.org/drawingml/2006/main" xmlns:r="http://schemas.openxmlformats.org/officeDocument/2006/relationships" xmlns:mc="http://schemas.openxmlformats.org/markup-compatibility/2006" xmlns:mv="urn:schemas-microsoft-com:mac:vml" xmlns:p="http://schemas.openxmlformats.org/presentationml/2006/main" xmlns:c="http://schemas.openxmlformats.org/drawingml/2006/chart" xmlns:dgm="http://schemas.openxmlformats.org/drawingml/2006/diagram" xmlns:o="urn:schemas-microsoft-com:office:office" xmlns:v="urn:schemas-microsoft-com:vml" xmlns:pvml="urn:schemas-microsoft-com:office:powerpoint" xmlns:com="http://schemas.openxmlformats.org/drawingml/2006/compatibility" xmlns:p14="http://schemas.microsoft.com/office/powerpoint/2010/main" xmlns:p15="http://schemas.microsoft.com/office/powerpoint/2012/main">
+<p:sld xmlns:a="http://schemas.openxmlformats.org/drawingml/2006/main" xmlns:r="http://schemas.openxmlformats.org/officeDocument/2006/relationships" xmlns:p="http://schemas.openxmlformats.org/presentationml/2006/main">
   <p:cSld>
     <p:spTree>
       <p:nvGrpSpPr>
-        <p:cNvPr id="132" name="Shape 132"/>
+        <p:cNvPr id="1" name="Shape 132"/>
         <p:cNvGrpSpPr/>
         <p:nvPr/>
       </p:nvGrpSpPr>
@@ -7256,7 +7422,9 @@
       <p:sp>
         <p:nvSpPr>
           <p:cNvPr id="133" name="Google Shape;133;p22"/>
-          <p:cNvSpPr txBox="1"/>
+          <p:cNvSpPr txBox="1">
+            <a:spLocks noGrp="1"/>
+          </p:cNvSpPr>
           <p:nvPr>
             <p:ph type="title"/>
           </p:nvPr>
@@ -7271,12 +7439,12 @@
           </a:prstGeom>
         </p:spPr>
         <p:txBody>
-          <a:bodyPr anchorCtr="0" anchor="t" bIns="91425" lIns="91425" spcFirstLastPara="1" rIns="91425" wrap="square" tIns="91425">
+          <a:bodyPr spcFirstLastPara="1" wrap="square" lIns="91425" tIns="91425" rIns="91425" bIns="91425" anchor="t" anchorCtr="0">
             <a:noAutofit/>
           </a:bodyPr>
           <a:lstStyle/>
           <a:p>
-            <a:pPr indent="0" lvl="0" marL="0" rtl="0" algn="l">
+            <a:pPr marL="0" lvl="0" indent="0" algn="l" rtl="0">
               <a:spcBef>
                 <a:spcPts val="0"/>
               </a:spcBef>
@@ -7309,8 +7477,8 @@
         </p:blipFill>
         <p:spPr>
           <a:xfrm>
-            <a:off x="311697" y="1784254"/>
-            <a:ext cx="3738725" cy="2632371"/>
+            <a:off x="85725" y="1516950"/>
+            <a:ext cx="4257675" cy="3083625"/>
           </a:xfrm>
           <a:prstGeom prst="rect">
             <a:avLst/>
@@ -7329,7 +7497,7 @@
         </p:nvSpPr>
         <p:spPr>
           <a:xfrm>
-            <a:off x="6297825" y="1516950"/>
+            <a:off x="6288300" y="1174937"/>
             <a:ext cx="1163700" cy="267300"/>
           </a:xfrm>
           <a:prstGeom prst="rect">
@@ -7341,12 +7509,12 @@
           </a:ln>
         </p:spPr>
         <p:txBody>
-          <a:bodyPr anchorCtr="0" anchor="t" bIns="91425" lIns="91425" spcFirstLastPara="1" rIns="91425" wrap="square" tIns="91425">
+          <a:bodyPr spcFirstLastPara="1" wrap="square" lIns="91425" tIns="91425" rIns="91425" bIns="91425" anchor="t" anchorCtr="0">
             <a:noAutofit/>
           </a:bodyPr>
           <a:lstStyle/>
           <a:p>
-            <a:pPr indent="0" lvl="0" marL="0" rtl="0" algn="l">
+            <a:pPr marL="0" lvl="0" indent="0" algn="l" rtl="0">
               <a:spcBef>
                 <a:spcPts val="0"/>
               </a:spcBef>
@@ -7371,7 +7539,7 @@
         </p:nvSpPr>
         <p:spPr>
           <a:xfrm>
-            <a:off x="1819275" y="1516950"/>
+            <a:off x="1599209" y="1174937"/>
             <a:ext cx="1163700" cy="267300"/>
           </a:xfrm>
           <a:prstGeom prst="rect">
@@ -7383,12 +7551,12 @@
           </a:ln>
         </p:spPr>
         <p:txBody>
-          <a:bodyPr anchorCtr="0" anchor="t" bIns="91425" lIns="91425" spcFirstLastPara="1" rIns="91425" wrap="square" tIns="91425">
+          <a:bodyPr spcFirstLastPara="1" wrap="square" lIns="91425" tIns="91425" rIns="91425" bIns="91425" anchor="t" anchorCtr="0">
             <a:noAutofit/>
           </a:bodyPr>
           <a:lstStyle/>
           <a:p>
-            <a:pPr indent="0" lvl="0" marL="0" rtl="0" algn="l">
+            <a:pPr marL="0" lvl="0" indent="0" algn="l" rtl="0">
               <a:spcBef>
                 <a:spcPts val="0"/>
               </a:spcBef>
@@ -7421,8 +7589,8 @@
         </p:blipFill>
         <p:spPr>
           <a:xfrm>
-            <a:off x="4831825" y="1913050"/>
-            <a:ext cx="3738726" cy="2567779"/>
+            <a:off x="4572000" y="1617775"/>
+            <a:ext cx="4163088" cy="2982800"/>
           </a:xfrm>
           <a:prstGeom prst="rect">
             <a:avLst/>
@@ -7442,11 +7610,11 @@
 </file>
 
 <file path=ppt/slides/slide11.xml><?xml version="1.0" encoding="utf-8"?>
-<p:sld xmlns:a="http://schemas.openxmlformats.org/drawingml/2006/main" xmlns:r="http://schemas.openxmlformats.org/officeDocument/2006/relationships" xmlns:mc="http://schemas.openxmlformats.org/markup-compatibility/2006" xmlns:mv="urn:schemas-microsoft-com:mac:vml" xmlns:p="http://schemas.openxmlformats.org/presentationml/2006/main" xmlns:c="http://schemas.openxmlformats.org/drawingml/2006/chart" xmlns:dgm="http://schemas.openxmlformats.org/drawingml/2006/diagram" xmlns:o="urn:schemas-microsoft-com:office:office" xmlns:v="urn:schemas-microsoft-com:vml" xmlns:pvml="urn:schemas-microsoft-com:office:powerpoint" xmlns:com="http://schemas.openxmlformats.org/drawingml/2006/compatibility" xmlns:p14="http://schemas.microsoft.com/office/powerpoint/2010/main" xmlns:p15="http://schemas.microsoft.com/office/powerpoint/2012/main">
+<p:sld xmlns:a="http://schemas.openxmlformats.org/drawingml/2006/main" xmlns:r="http://schemas.openxmlformats.org/officeDocument/2006/relationships" xmlns:p="http://schemas.openxmlformats.org/presentationml/2006/main">
   <p:cSld>
     <p:spTree>
       <p:nvGrpSpPr>
-        <p:cNvPr id="141" name="Shape 141"/>
+        <p:cNvPr id="1" name="Shape 141"/>
         <p:cNvGrpSpPr/>
         <p:nvPr/>
       </p:nvGrpSpPr>
@@ -7461,7 +7629,9 @@
       <p:sp>
         <p:nvSpPr>
           <p:cNvPr id="142" name="Google Shape;142;p23"/>
-          <p:cNvSpPr txBox="1"/>
+          <p:cNvSpPr txBox="1">
+            <a:spLocks noGrp="1"/>
+          </p:cNvSpPr>
           <p:nvPr>
             <p:ph type="title"/>
           </p:nvPr>
@@ -7476,12 +7646,12 @@
           </a:prstGeom>
         </p:spPr>
         <p:txBody>
-          <a:bodyPr anchorCtr="0" anchor="t" bIns="91425" lIns="91425" spcFirstLastPara="1" rIns="91425" wrap="square" tIns="91425">
+          <a:bodyPr spcFirstLastPara="1" wrap="square" lIns="91425" tIns="91425" rIns="91425" bIns="91425" anchor="t" anchorCtr="0">
             <a:noAutofit/>
           </a:bodyPr>
           <a:lstStyle/>
           <a:p>
-            <a:pPr indent="0" lvl="0" marL="0" rtl="0" algn="l">
+            <a:pPr marL="0" lvl="0" indent="0" algn="l" rtl="0">
               <a:spcBef>
                 <a:spcPts val="0"/>
               </a:spcBef>
@@ -7491,19 +7661,45 @@
               <a:buNone/>
             </a:pPr>
             <a:r>
-              <a:rPr lang="en"/>
+              <a:rPr lang="en" dirty="0"/>
               <a:t>Conclusion</a:t>
             </a:r>
-            <a:endParaRPr/>
+            <a:r>
+              <a:rPr lang="zh-Hans" altLang="en-US" dirty="0"/>
+              <a:t> </a:t>
+            </a:r>
+            <a:r>
+              <a:rPr lang="en-US" altLang="zh-Hans" dirty="0"/>
+              <a:t>&amp;</a:t>
+            </a:r>
+            <a:r>
+              <a:rPr lang="zh-Hans" altLang="en-US" dirty="0"/>
+              <a:t> </a:t>
+            </a:r>
+            <a:r>
+              <a:rPr lang="en-US" altLang="zh-Hans" dirty="0"/>
+              <a:t>Future</a:t>
+            </a:r>
+            <a:r>
+              <a:rPr lang="zh-Hans" altLang="en-US" dirty="0"/>
+              <a:t> </a:t>
+            </a:r>
+            <a:r>
+              <a:rPr lang="en-US" altLang="zh-Hans" dirty="0"/>
+              <a:t>Work</a:t>
+            </a:r>
+            <a:endParaRPr dirty="0"/>
           </a:p>
         </p:txBody>
       </p:sp>
       <p:sp>
         <p:nvSpPr>
           <p:cNvPr id="143" name="Google Shape;143;p23"/>
-          <p:cNvSpPr txBox="1"/>
+          <p:cNvSpPr txBox="1">
+            <a:spLocks noGrp="1"/>
+          </p:cNvSpPr>
           <p:nvPr>
-            <p:ph idx="1" type="body"/>
+            <p:ph type="body" idx="1"/>
           </p:nvPr>
         </p:nvSpPr>
         <p:spPr>
@@ -7516,12 +7712,12 @@
           </a:prstGeom>
         </p:spPr>
         <p:txBody>
-          <a:bodyPr anchorCtr="0" anchor="t" bIns="91425" lIns="91425" spcFirstLastPara="1" rIns="91425" wrap="square" tIns="91425">
+          <a:bodyPr spcFirstLastPara="1" wrap="square" lIns="91425" tIns="91425" rIns="91425" bIns="91425" anchor="t" anchorCtr="0">
             <a:noAutofit/>
           </a:bodyPr>
           <a:lstStyle/>
           <a:p>
-            <a:pPr indent="-342900" lvl="0" marL="457200" rtl="0" algn="l">
+            <a:pPr marL="457200" lvl="0" indent="-342900" algn="l" rtl="0">
               <a:lnSpc>
                 <a:spcPct val="200000"/>
               </a:lnSpc>
@@ -7535,13 +7731,13 @@
               <a:buChar char="-"/>
             </a:pPr>
             <a:r>
-              <a:rPr lang="en"/>
+              <a:rPr lang="en" dirty="0"/>
               <a:t>LSTM is a useful model to handle time series</a:t>
             </a:r>
-            <a:endParaRPr/>
+            <a:endParaRPr dirty="0"/>
           </a:p>
           <a:p>
-            <a:pPr indent="-342900" lvl="0" marL="457200" rtl="0" algn="l">
+            <a:pPr marL="457200" lvl="0" indent="-342900" algn="l" rtl="0">
               <a:lnSpc>
                 <a:spcPct val="200000"/>
               </a:lnSpc>
@@ -7555,10 +7751,65 @@
               <a:buChar char="-"/>
             </a:pPr>
             <a:r>
-              <a:rPr lang="en"/>
-              <a:t>Stateful and stateless is not showing a big difference in this dataset</a:t>
+              <a:rPr lang="en" dirty="0" err="1"/>
+              <a:t>Stateful</a:t>
             </a:r>
-            <a:endParaRPr/>
+            <a:r>
+              <a:rPr lang="en" dirty="0"/>
+              <a:t> and stateless is not showing a big difference in this dataset</a:t>
+            </a:r>
+          </a:p>
+          <a:p>
+            <a:pPr marL="457200" lvl="0" indent="-342900" algn="l" rtl="0">
+              <a:lnSpc>
+                <a:spcPct val="200000"/>
+              </a:lnSpc>
+              <a:spcBef>
+                <a:spcPts val="0"/>
+              </a:spcBef>
+              <a:spcAft>
+                <a:spcPts val="0"/>
+              </a:spcAft>
+              <a:buSzPts val="1800"/>
+              <a:buChar char="-"/>
+            </a:pPr>
+            <a:r>
+              <a:rPr lang="en-US" altLang="zh-Hans" dirty="0"/>
+              <a:t>Adding</a:t>
+            </a:r>
+            <a:r>
+              <a:rPr lang="zh-Hans" altLang="en-US" dirty="0"/>
+              <a:t> </a:t>
+            </a:r>
+            <a:r>
+              <a:rPr lang="en-US" altLang="zh-Hans" dirty="0"/>
+              <a:t>price</a:t>
+            </a:r>
+            <a:r>
+              <a:rPr lang="zh-Hans" altLang="en-US" dirty="0"/>
+              <a:t> </a:t>
+            </a:r>
+            <a:r>
+              <a:rPr lang="en-US" altLang="zh-Hans" dirty="0"/>
+              <a:t>as</a:t>
+            </a:r>
+            <a:r>
+              <a:rPr lang="zh-Hans" altLang="en-US" dirty="0"/>
+              <a:t> </a:t>
+            </a:r>
+            <a:r>
+              <a:rPr lang="en-US" altLang="zh-Hans" dirty="0"/>
+              <a:t>a</a:t>
+            </a:r>
+            <a:r>
+              <a:rPr lang="zh-Hans" altLang="en-US" dirty="0"/>
+              <a:t> </a:t>
+            </a:r>
+            <a:r>
+              <a:rPr lang="en-US" altLang="zh-Hans" dirty="0"/>
+              <a:t>feature</a:t>
+            </a:r>
+            <a:endParaRPr dirty="0"/>
           </a:p>
         </p:txBody>
       </p:sp>
@@ -7571,11 +7822,11 @@
 </file>
 
 <file path=ppt/slides/slide2.xml><?xml version="1.0" encoding="utf-8"?>
-<p:sld xmlns:a="http://schemas.openxmlformats.org/drawingml/2006/main" xmlns:r="http://schemas.openxmlformats.org/officeDocument/2006/relationships" xmlns:mc="http://schemas.openxmlformats.org/markup-compatibility/2006" xmlns:mv="urn:schemas-microsoft-com:mac:vml" xmlns:p="http://schemas.openxmlformats.org/presentationml/2006/main" xmlns:c="http://schemas.openxmlformats.org/drawingml/2006/chart" xmlns:dgm="http://schemas.openxmlformats.org/drawingml/2006/diagram" xmlns:o="urn:schemas-microsoft-com:office:office" xmlns:v="urn:schemas-microsoft-com:vml" xmlns:pvml="urn:schemas-microsoft-com:office:powerpoint" xmlns:com="http://schemas.openxmlformats.org/drawingml/2006/compatibility" xmlns:p14="http://schemas.microsoft.com/office/powerpoint/2010/main" xmlns:p15="http://schemas.microsoft.com/office/powerpoint/2012/main">
+<p:sld xmlns:a="http://schemas.openxmlformats.org/drawingml/2006/main" xmlns:r="http://schemas.openxmlformats.org/officeDocument/2006/relationships" xmlns:p="http://schemas.openxmlformats.org/presentationml/2006/main">
   <p:cSld>
     <p:spTree>
       <p:nvGrpSpPr>
-        <p:cNvPr id="71" name="Shape 71"/>
+        <p:cNvPr id="1" name="Shape 71"/>
         <p:cNvGrpSpPr/>
         <p:nvPr/>
       </p:nvGrpSpPr>
@@ -7590,7 +7841,9 @@
       <p:sp>
         <p:nvSpPr>
           <p:cNvPr id="72" name="Google Shape;72;p14"/>
-          <p:cNvSpPr txBox="1"/>
+          <p:cNvSpPr txBox="1">
+            <a:spLocks noGrp="1"/>
+          </p:cNvSpPr>
           <p:nvPr>
             <p:ph type="title"/>
           </p:nvPr>
@@ -7605,12 +7858,12 @@
           </a:prstGeom>
         </p:spPr>
         <p:txBody>
-          <a:bodyPr anchorCtr="0" anchor="t" bIns="91425" lIns="91425" spcFirstLastPara="1" rIns="91425" wrap="square" tIns="91425">
+          <a:bodyPr spcFirstLastPara="1" wrap="square" lIns="91425" tIns="91425" rIns="91425" bIns="91425" anchor="t" anchorCtr="0">
             <a:noAutofit/>
           </a:bodyPr>
           <a:lstStyle/>
           <a:p>
-            <a:pPr indent="0" lvl="0" marL="0" rtl="0" algn="l">
+            <a:pPr marL="0" lvl="0" indent="0" algn="l" rtl="0">
               <a:spcBef>
                 <a:spcPts val="0"/>
               </a:spcBef>
@@ -7630,9 +7883,11 @@
       <p:sp>
         <p:nvSpPr>
           <p:cNvPr id="73" name="Google Shape;73;p14"/>
-          <p:cNvSpPr txBox="1"/>
+          <p:cNvSpPr txBox="1">
+            <a:spLocks noGrp="1"/>
+          </p:cNvSpPr>
           <p:nvPr>
-            <p:ph idx="1" type="body"/>
+            <p:ph type="body" idx="1"/>
           </p:nvPr>
         </p:nvSpPr>
         <p:spPr>
@@ -7645,12 +7900,12 @@
           </a:prstGeom>
         </p:spPr>
         <p:txBody>
-          <a:bodyPr anchorCtr="0" anchor="t" bIns="91425" lIns="91425" spcFirstLastPara="1" rIns="91425" wrap="square" tIns="91425">
+          <a:bodyPr spcFirstLastPara="1" wrap="square" lIns="91425" tIns="91425" rIns="91425" bIns="91425" anchor="t" anchorCtr="0">
             <a:noAutofit/>
           </a:bodyPr>
           <a:lstStyle/>
           <a:p>
-            <a:pPr indent="-317500" lvl="0" marL="457200" rtl="0" algn="l">
+            <a:pPr marL="457200" lvl="0" indent="-317500" algn="l" rtl="0">
               <a:lnSpc>
                 <a:spcPct val="150000"/>
               </a:lnSpc>
@@ -7670,7 +7925,7 @@
             <a:endParaRPr sz="1400"/>
           </a:p>
           <a:p>
-            <a:pPr indent="0" lvl="0" marL="457200" rtl="0" algn="l">
+            <a:pPr marL="457200" lvl="0" indent="0" algn="l" rtl="0">
               <a:lnSpc>
                 <a:spcPct val="150000"/>
               </a:lnSpc>
@@ -7689,7 +7944,7 @@
             <a:endParaRPr sz="1400"/>
           </a:p>
           <a:p>
-            <a:pPr indent="-317500" lvl="0" marL="457200" rtl="0" algn="l">
+            <a:pPr marL="457200" lvl="0" indent="-317500" algn="l" rtl="0">
               <a:lnSpc>
                 <a:spcPct val="150000"/>
               </a:lnSpc>
@@ -7709,7 +7964,7 @@
             <a:endParaRPr sz="1400"/>
           </a:p>
           <a:p>
-            <a:pPr indent="0" lvl="0" marL="457200" rtl="0" algn="l">
+            <a:pPr marL="457200" lvl="0" indent="0" algn="l" rtl="0">
               <a:lnSpc>
                 <a:spcPct val="150000"/>
               </a:lnSpc>
@@ -7721,9 +7976,6 @@
               </a:spcAft>
               <a:buNone/>
             </a:pPr>
-            <a:r>
-              <a:t/>
-            </a:r>
             <a:endParaRPr sz="1400"/>
           </a:p>
         </p:txBody>
@@ -7737,11 +7989,11 @@
 </file>
 
 <file path=ppt/slides/slide3.xml><?xml version="1.0" encoding="utf-8"?>
-<p:sld xmlns:a="http://schemas.openxmlformats.org/drawingml/2006/main" xmlns:r="http://schemas.openxmlformats.org/officeDocument/2006/relationships" xmlns:mc="http://schemas.openxmlformats.org/markup-compatibility/2006" xmlns:mv="urn:schemas-microsoft-com:mac:vml" xmlns:p="http://schemas.openxmlformats.org/presentationml/2006/main" xmlns:c="http://schemas.openxmlformats.org/drawingml/2006/chart" xmlns:dgm="http://schemas.openxmlformats.org/drawingml/2006/diagram" xmlns:o="urn:schemas-microsoft-com:office:office" xmlns:v="urn:schemas-microsoft-com:vml" xmlns:pvml="urn:schemas-microsoft-com:office:powerpoint" xmlns:com="http://schemas.openxmlformats.org/drawingml/2006/compatibility" xmlns:p14="http://schemas.microsoft.com/office/powerpoint/2010/main" xmlns:p15="http://schemas.microsoft.com/office/powerpoint/2012/main">
+<p:sld xmlns:a="http://schemas.openxmlformats.org/drawingml/2006/main" xmlns:r="http://schemas.openxmlformats.org/officeDocument/2006/relationships" xmlns:p="http://schemas.openxmlformats.org/presentationml/2006/main">
   <p:cSld>
     <p:spTree>
       <p:nvGrpSpPr>
-        <p:cNvPr id="77" name="Shape 77"/>
+        <p:cNvPr id="1" name="Shape 77"/>
         <p:cNvGrpSpPr/>
         <p:nvPr/>
       </p:nvGrpSpPr>
@@ -7756,7 +8008,9 @@
       <p:sp>
         <p:nvSpPr>
           <p:cNvPr id="78" name="Google Shape;78;p15"/>
-          <p:cNvSpPr txBox="1"/>
+          <p:cNvSpPr txBox="1">
+            <a:spLocks noGrp="1"/>
+          </p:cNvSpPr>
           <p:nvPr>
             <p:ph type="title"/>
           </p:nvPr>
@@ -7771,12 +8025,12 @@
           </a:prstGeom>
         </p:spPr>
         <p:txBody>
-          <a:bodyPr anchorCtr="0" anchor="t" bIns="91425" lIns="91425" spcFirstLastPara="1" rIns="91425" wrap="square" tIns="91425">
+          <a:bodyPr spcFirstLastPara="1" wrap="square" lIns="91425" tIns="91425" rIns="91425" bIns="91425" anchor="t" anchorCtr="0">
             <a:noAutofit/>
           </a:bodyPr>
           <a:lstStyle/>
           <a:p>
-            <a:pPr indent="0" lvl="0" marL="0" rtl="0" algn="l">
+            <a:pPr marL="0" lvl="0" indent="0" algn="l" rtl="0">
               <a:spcBef>
                 <a:spcPts val="0"/>
               </a:spcBef>
@@ -7796,9 +8050,11 @@
       <p:sp>
         <p:nvSpPr>
           <p:cNvPr id="79" name="Google Shape;79;p15"/>
-          <p:cNvSpPr txBox="1"/>
+          <p:cNvSpPr txBox="1">
+            <a:spLocks noGrp="1"/>
+          </p:cNvSpPr>
           <p:nvPr>
-            <p:ph idx="1" type="body"/>
+            <p:ph type="body" idx="1"/>
           </p:nvPr>
         </p:nvSpPr>
         <p:spPr>
@@ -7811,12 +8067,12 @@
           </a:prstGeom>
         </p:spPr>
         <p:txBody>
-          <a:bodyPr anchorCtr="0" anchor="t" bIns="91425" lIns="91425" spcFirstLastPara="1" rIns="91425" wrap="square" tIns="91425">
+          <a:bodyPr spcFirstLastPara="1" wrap="square" lIns="91425" tIns="91425" rIns="91425" bIns="91425" anchor="t" anchorCtr="0">
             <a:noAutofit/>
           </a:bodyPr>
           <a:lstStyle/>
           <a:p>
-            <a:pPr indent="-317500" lvl="0" marL="457200" rtl="0" algn="l">
+            <a:pPr marL="457200" lvl="0" indent="-317500" algn="l" rtl="0">
               <a:lnSpc>
                 <a:spcPct val="150000"/>
               </a:lnSpc>
@@ -7836,7 +8092,7 @@
             <a:endParaRPr sz="1400"/>
           </a:p>
           <a:p>
-            <a:pPr indent="-317500" lvl="0" marL="457200" rtl="0" algn="l">
+            <a:pPr marL="457200" lvl="0" indent="-317500" algn="l" rtl="0">
               <a:lnSpc>
                 <a:spcPct val="150000"/>
               </a:lnSpc>
@@ -7856,7 +8112,7 @@
             <a:endParaRPr sz="1400"/>
           </a:p>
           <a:p>
-            <a:pPr indent="-317500" lvl="0" marL="457200" rtl="0" algn="l">
+            <a:pPr marL="457200" lvl="0" indent="-317500" algn="l" rtl="0">
               <a:lnSpc>
                 <a:spcPct val="150000"/>
               </a:lnSpc>
@@ -7876,7 +8132,7 @@
             <a:endParaRPr sz="1400"/>
           </a:p>
           <a:p>
-            <a:pPr indent="-317500" lvl="0" marL="457200" rtl="0" algn="l">
+            <a:pPr marL="457200" lvl="0" indent="-317500" algn="l" rtl="0">
               <a:lnSpc>
                 <a:spcPct val="150000"/>
               </a:lnSpc>
@@ -7896,7 +8152,7 @@
             <a:endParaRPr sz="1400"/>
           </a:p>
           <a:p>
-            <a:pPr indent="-317500" lvl="0" marL="457200" rtl="0" algn="l">
+            <a:pPr marL="457200" lvl="0" indent="-317500" algn="l" rtl="0">
               <a:lnSpc>
                 <a:spcPct val="150000"/>
               </a:lnSpc>
@@ -7916,7 +8172,7 @@
             <a:endParaRPr sz="1400"/>
           </a:p>
           <a:p>
-            <a:pPr indent="0" lvl="0" marL="0" rtl="0" algn="l">
+            <a:pPr marL="0" lvl="0" indent="0" algn="l" rtl="0">
               <a:lnSpc>
                 <a:spcPct val="150000"/>
               </a:lnSpc>
@@ -7928,9 +8184,6 @@
               </a:spcAft>
               <a:buNone/>
             </a:pPr>
-            <a:r>
-              <a:t/>
-            </a:r>
             <a:endParaRPr sz="1400"/>
           </a:p>
         </p:txBody>
@@ -7945,7 +8198,7 @@
           <a:blip r:embed="rId3">
             <a:alphaModFix/>
           </a:blip>
-          <a:srcRect b="0" l="0" r="8809" t="0"/>
+          <a:srcRect r="8809"/>
           <a:stretch/>
         </p:blipFill>
         <p:spPr>
@@ -7971,11 +8224,11 @@
 </file>
 
 <file path=ppt/slides/slide4.xml><?xml version="1.0" encoding="utf-8"?>
-<p:sld xmlns:a="http://schemas.openxmlformats.org/drawingml/2006/main" xmlns:r="http://schemas.openxmlformats.org/officeDocument/2006/relationships" xmlns:mc="http://schemas.openxmlformats.org/markup-compatibility/2006" xmlns:mv="urn:schemas-microsoft-com:mac:vml" xmlns:p="http://schemas.openxmlformats.org/presentationml/2006/main" xmlns:c="http://schemas.openxmlformats.org/drawingml/2006/chart" xmlns:dgm="http://schemas.openxmlformats.org/drawingml/2006/diagram" xmlns:o="urn:schemas-microsoft-com:office:office" xmlns:v="urn:schemas-microsoft-com:vml" xmlns:pvml="urn:schemas-microsoft-com:office:powerpoint" xmlns:com="http://schemas.openxmlformats.org/drawingml/2006/compatibility" xmlns:p14="http://schemas.microsoft.com/office/powerpoint/2010/main" xmlns:p15="http://schemas.microsoft.com/office/powerpoint/2012/main">
+<p:sld xmlns:a="http://schemas.openxmlformats.org/drawingml/2006/main" xmlns:r="http://schemas.openxmlformats.org/officeDocument/2006/relationships" xmlns:p="http://schemas.openxmlformats.org/presentationml/2006/main">
   <p:cSld>
     <p:spTree>
       <p:nvGrpSpPr>
-        <p:cNvPr id="84" name="Shape 84"/>
+        <p:cNvPr id="1" name="Shape 84"/>
         <p:cNvGrpSpPr/>
         <p:nvPr/>
       </p:nvGrpSpPr>
@@ -7990,7 +8243,9 @@
       <p:sp>
         <p:nvSpPr>
           <p:cNvPr id="85" name="Google Shape;85;p16"/>
-          <p:cNvSpPr txBox="1"/>
+          <p:cNvSpPr txBox="1">
+            <a:spLocks noGrp="1"/>
+          </p:cNvSpPr>
           <p:nvPr>
             <p:ph type="title"/>
           </p:nvPr>
@@ -8005,12 +8260,12 @@
           </a:prstGeom>
         </p:spPr>
         <p:txBody>
-          <a:bodyPr anchorCtr="0" anchor="t" bIns="91425" lIns="91425" spcFirstLastPara="1" rIns="91425" wrap="square" tIns="91425">
+          <a:bodyPr spcFirstLastPara="1" wrap="square" lIns="91425" tIns="91425" rIns="91425" bIns="91425" anchor="t" anchorCtr="0">
             <a:noAutofit/>
           </a:bodyPr>
           <a:lstStyle/>
           <a:p>
-            <a:pPr indent="0" lvl="0" marL="0" rtl="0" algn="l">
+            <a:pPr marL="0" lvl="0" indent="0" algn="l" rtl="0">
               <a:spcBef>
                 <a:spcPts val="0"/>
               </a:spcBef>
@@ -8030,9 +8285,11 @@
       <p:sp>
         <p:nvSpPr>
           <p:cNvPr id="86" name="Google Shape;86;p16"/>
-          <p:cNvSpPr txBox="1"/>
+          <p:cNvSpPr txBox="1">
+            <a:spLocks noGrp="1"/>
+          </p:cNvSpPr>
           <p:nvPr>
-            <p:ph idx="1" type="body"/>
+            <p:ph type="body" idx="1"/>
           </p:nvPr>
         </p:nvSpPr>
         <p:spPr>
@@ -8045,12 +8302,12 @@
           </a:prstGeom>
         </p:spPr>
         <p:txBody>
-          <a:bodyPr anchorCtr="0" anchor="t" bIns="91425" lIns="91425" spcFirstLastPara="1" rIns="91425" wrap="square" tIns="91425">
+          <a:bodyPr spcFirstLastPara="1" wrap="square" lIns="91425" tIns="91425" rIns="91425" bIns="91425" anchor="t" anchorCtr="0">
             <a:noAutofit/>
           </a:bodyPr>
           <a:lstStyle/>
           <a:p>
-            <a:pPr indent="0" lvl="0" marL="0" rtl="0" algn="l">
+            <a:pPr marL="0" lvl="0" indent="0" algn="l" rtl="0">
               <a:spcBef>
                 <a:spcPts val="0"/>
               </a:spcBef>
@@ -8059,9 +8316,6 @@
               </a:spcAft>
               <a:buNone/>
             </a:pPr>
-            <a:r>
-              <a:t/>
-            </a:r>
             <a:endParaRPr/>
           </a:p>
         </p:txBody>
@@ -8131,11 +8385,11 @@
 </file>
 
 <file path=ppt/slides/slide5.xml><?xml version="1.0" encoding="utf-8"?>
-<p:sld xmlns:a="http://schemas.openxmlformats.org/drawingml/2006/main" xmlns:r="http://schemas.openxmlformats.org/officeDocument/2006/relationships" xmlns:mc="http://schemas.openxmlformats.org/markup-compatibility/2006" xmlns:mv="urn:schemas-microsoft-com:mac:vml" xmlns:p="http://schemas.openxmlformats.org/presentationml/2006/main" xmlns:c="http://schemas.openxmlformats.org/drawingml/2006/chart" xmlns:dgm="http://schemas.openxmlformats.org/drawingml/2006/diagram" xmlns:o="urn:schemas-microsoft-com:office:office" xmlns:v="urn:schemas-microsoft-com:vml" xmlns:pvml="urn:schemas-microsoft-com:office:powerpoint" xmlns:com="http://schemas.openxmlformats.org/drawingml/2006/compatibility" xmlns:p14="http://schemas.microsoft.com/office/powerpoint/2010/main" xmlns:p15="http://schemas.microsoft.com/office/powerpoint/2012/main">
+<p:sld xmlns:a="http://schemas.openxmlformats.org/drawingml/2006/main" xmlns:r="http://schemas.openxmlformats.org/officeDocument/2006/relationships" xmlns:p="http://schemas.openxmlformats.org/presentationml/2006/main">
   <p:cSld>
     <p:spTree>
       <p:nvGrpSpPr>
-        <p:cNvPr id="92" name="Shape 92"/>
+        <p:cNvPr id="1" name="Shape 92"/>
         <p:cNvGrpSpPr/>
         <p:nvPr/>
       </p:nvGrpSpPr>
@@ -8150,7 +8404,9 @@
       <p:sp>
         <p:nvSpPr>
           <p:cNvPr id="93" name="Google Shape;93;p17"/>
-          <p:cNvSpPr txBox="1"/>
+          <p:cNvSpPr txBox="1">
+            <a:spLocks noGrp="1"/>
+          </p:cNvSpPr>
           <p:nvPr>
             <p:ph type="title"/>
           </p:nvPr>
@@ -8165,12 +8421,12 @@
           </a:prstGeom>
         </p:spPr>
         <p:txBody>
-          <a:bodyPr anchorCtr="0" anchor="t" bIns="91425" lIns="91425" spcFirstLastPara="1" rIns="91425" wrap="square" tIns="91425">
+          <a:bodyPr spcFirstLastPara="1" wrap="square" lIns="91425" tIns="91425" rIns="91425" bIns="91425" anchor="t" anchorCtr="0">
             <a:noAutofit/>
           </a:bodyPr>
           <a:lstStyle/>
           <a:p>
-            <a:pPr indent="0" lvl="0" marL="0" rtl="0" algn="l">
+            <a:pPr marL="0" lvl="0" indent="0" algn="l" rtl="0">
               <a:spcBef>
                 <a:spcPts val="0"/>
               </a:spcBef>
@@ -8190,9 +8446,11 @@
       <p:sp>
         <p:nvSpPr>
           <p:cNvPr id="94" name="Google Shape;94;p17"/>
-          <p:cNvSpPr txBox="1"/>
+          <p:cNvSpPr txBox="1">
+            <a:spLocks noGrp="1"/>
+          </p:cNvSpPr>
           <p:nvPr>
-            <p:ph idx="1" type="body"/>
+            <p:ph type="body" idx="1"/>
           </p:nvPr>
         </p:nvSpPr>
         <p:spPr>
@@ -8205,12 +8463,12 @@
           </a:prstGeom>
         </p:spPr>
         <p:txBody>
-          <a:bodyPr anchorCtr="0" anchor="t" bIns="91425" lIns="91425" spcFirstLastPara="1" rIns="91425" wrap="square" tIns="91425">
+          <a:bodyPr spcFirstLastPara="1" wrap="square" lIns="91425" tIns="91425" rIns="91425" bIns="91425" anchor="t" anchorCtr="0">
             <a:noAutofit/>
           </a:bodyPr>
           <a:lstStyle/>
           <a:p>
-            <a:pPr indent="0" lvl="0" marL="0" rtl="0" algn="l">
+            <a:pPr marL="0" lvl="0" indent="0" algn="l" rtl="0">
               <a:spcBef>
                 <a:spcPts val="0"/>
               </a:spcBef>
@@ -8219,9 +8477,6 @@
               </a:spcAft>
               <a:buNone/>
             </a:pPr>
-            <a:r>
-              <a:t/>
-            </a:r>
             <a:endParaRPr/>
           </a:p>
         </p:txBody>
@@ -8242,8 +8497,8 @@
         </p:blipFill>
         <p:spPr>
           <a:xfrm>
-            <a:off x="1630550" y="1266325"/>
-            <a:ext cx="5486400" cy="2076450"/>
+            <a:off x="942975" y="1266324"/>
+            <a:ext cx="6838949" cy="2515101"/>
           </a:xfrm>
           <a:prstGeom prst="rect">
             <a:avLst/>
@@ -8270,7 +8525,7 @@
         </p:blipFill>
         <p:spPr>
           <a:xfrm>
-            <a:off x="1873438" y="3456675"/>
+            <a:off x="1940113" y="3895325"/>
             <a:ext cx="5000625" cy="923925"/>
           </a:xfrm>
           <a:prstGeom prst="rect">
@@ -8291,11 +8546,11 @@
 </file>
 
 <file path=ppt/slides/slide6.xml><?xml version="1.0" encoding="utf-8"?>
-<p:sld xmlns:a="http://schemas.openxmlformats.org/drawingml/2006/main" xmlns:r="http://schemas.openxmlformats.org/officeDocument/2006/relationships" xmlns:mc="http://schemas.openxmlformats.org/markup-compatibility/2006" xmlns:mv="urn:schemas-microsoft-com:mac:vml" xmlns:p="http://schemas.openxmlformats.org/presentationml/2006/main" xmlns:c="http://schemas.openxmlformats.org/drawingml/2006/chart" xmlns:dgm="http://schemas.openxmlformats.org/drawingml/2006/diagram" xmlns:o="urn:schemas-microsoft-com:office:office" xmlns:v="urn:schemas-microsoft-com:vml" xmlns:pvml="urn:schemas-microsoft-com:office:powerpoint" xmlns:com="http://schemas.openxmlformats.org/drawingml/2006/compatibility" xmlns:p14="http://schemas.microsoft.com/office/powerpoint/2010/main" xmlns:p15="http://schemas.microsoft.com/office/powerpoint/2012/main">
+<p:sld xmlns:a="http://schemas.openxmlformats.org/drawingml/2006/main" xmlns:r="http://schemas.openxmlformats.org/officeDocument/2006/relationships" xmlns:p="http://schemas.openxmlformats.org/presentationml/2006/main">
   <p:cSld>
     <p:spTree>
       <p:nvGrpSpPr>
-        <p:cNvPr id="100" name="Shape 100"/>
+        <p:cNvPr id="1" name="Shape 100"/>
         <p:cNvGrpSpPr/>
         <p:nvPr/>
       </p:nvGrpSpPr>
@@ -8310,7 +8565,9 @@
       <p:sp>
         <p:nvSpPr>
           <p:cNvPr id="101" name="Google Shape;101;p18"/>
-          <p:cNvSpPr txBox="1"/>
+          <p:cNvSpPr txBox="1">
+            <a:spLocks noGrp="1"/>
+          </p:cNvSpPr>
           <p:nvPr>
             <p:ph type="title"/>
           </p:nvPr>
@@ -8325,12 +8582,12 @@
           </a:prstGeom>
         </p:spPr>
         <p:txBody>
-          <a:bodyPr anchorCtr="0" anchor="t" bIns="91425" lIns="91425" spcFirstLastPara="1" rIns="91425" wrap="square" tIns="91425">
+          <a:bodyPr spcFirstLastPara="1" wrap="square" lIns="91425" tIns="91425" rIns="91425" bIns="91425" anchor="t" anchorCtr="0">
             <a:noAutofit/>
           </a:bodyPr>
           <a:lstStyle/>
           <a:p>
-            <a:pPr indent="0" lvl="0" marL="0" rtl="0" algn="l">
+            <a:pPr marL="0" lvl="0" indent="0" algn="l" rtl="0">
               <a:spcBef>
                 <a:spcPts val="0"/>
               </a:spcBef>
@@ -8350,9 +8607,11 @@
       <p:sp>
         <p:nvSpPr>
           <p:cNvPr id="102" name="Google Shape;102;p18"/>
-          <p:cNvSpPr txBox="1"/>
+          <p:cNvSpPr txBox="1">
+            <a:spLocks noGrp="1"/>
+          </p:cNvSpPr>
           <p:nvPr>
-            <p:ph idx="1" type="body"/>
+            <p:ph type="body" idx="1"/>
           </p:nvPr>
         </p:nvSpPr>
         <p:spPr>
@@ -8365,12 +8624,12 @@
           </a:prstGeom>
         </p:spPr>
         <p:txBody>
-          <a:bodyPr anchorCtr="0" anchor="t" bIns="91425" lIns="91425" spcFirstLastPara="1" rIns="91425" wrap="square" tIns="91425">
+          <a:bodyPr spcFirstLastPara="1" wrap="square" lIns="91425" tIns="91425" rIns="91425" bIns="91425" anchor="t" anchorCtr="0">
             <a:noAutofit/>
           </a:bodyPr>
           <a:lstStyle/>
           <a:p>
-            <a:pPr indent="-317500" lvl="0" marL="457200" rtl="0" algn="l">
+            <a:pPr marL="457200" lvl="0" indent="-317500" algn="l" rtl="0">
               <a:lnSpc>
                 <a:spcPct val="200000"/>
               </a:lnSpc>
@@ -8384,13 +8643,13 @@
               <a:buChar char="-"/>
             </a:pPr>
             <a:r>
-              <a:rPr lang="en" sz="1400"/>
+              <a:rPr lang="en" sz="1400" dirty="0"/>
               <a:t>Remove outliers, duplicates</a:t>
             </a:r>
-            <a:endParaRPr sz="1400"/>
+            <a:endParaRPr sz="1400" dirty="0"/>
           </a:p>
           <a:p>
-            <a:pPr indent="-317500" lvl="0" marL="457200" rtl="0" algn="l">
+            <a:pPr marL="457200" lvl="0" indent="-317500" algn="l" rtl="0">
               <a:lnSpc>
                 <a:spcPct val="200000"/>
               </a:lnSpc>
@@ -8404,13 +8663,13 @@
               <a:buChar char="-"/>
             </a:pPr>
             <a:r>
-              <a:rPr lang="en" sz="1400"/>
+              <a:rPr lang="en" sz="1400" dirty="0"/>
               <a:t>Min Max Scaler </a:t>
             </a:r>
-            <a:endParaRPr sz="1400"/>
+            <a:endParaRPr sz="1400" dirty="0"/>
           </a:p>
           <a:p>
-            <a:pPr indent="-317500" lvl="0" marL="457200" rtl="0" algn="l">
+            <a:pPr marL="457200" lvl="0" indent="-317500" algn="l" rtl="0">
               <a:lnSpc>
                 <a:spcPct val="200000"/>
               </a:lnSpc>
@@ -8424,14 +8683,10 @@
               <a:buChar char="-"/>
             </a:pPr>
             <a:r>
-              <a:rPr lang="en" sz="1400"/>
-              <a:t>Reshape to</a:t>
+              <a:rPr lang="en" sz="1400" dirty="0"/>
+              <a:t>Reshape to [samples, time steps, features]</a:t>
             </a:r>
-            <a:r>
-              <a:rPr lang="en" sz="1400"/>
-              <a:t> [samples, time steps, features]</a:t>
-            </a:r>
-            <a:endParaRPr sz="1400"/>
+            <a:endParaRPr sz="1400" dirty="0"/>
           </a:p>
         </p:txBody>
       </p:sp>
@@ -8472,11 +8727,11 @@
 </file>
 
 <file path=ppt/slides/slide7.xml><?xml version="1.0" encoding="utf-8"?>
-<p:sld xmlns:a="http://schemas.openxmlformats.org/drawingml/2006/main" xmlns:r="http://schemas.openxmlformats.org/officeDocument/2006/relationships" xmlns:mc="http://schemas.openxmlformats.org/markup-compatibility/2006" xmlns:mv="urn:schemas-microsoft-com:mac:vml" xmlns:p="http://schemas.openxmlformats.org/presentationml/2006/main" xmlns:c="http://schemas.openxmlformats.org/drawingml/2006/chart" xmlns:dgm="http://schemas.openxmlformats.org/drawingml/2006/diagram" xmlns:o="urn:schemas-microsoft-com:office:office" xmlns:v="urn:schemas-microsoft-com:vml" xmlns:pvml="urn:schemas-microsoft-com:office:powerpoint" xmlns:com="http://schemas.openxmlformats.org/drawingml/2006/compatibility" xmlns:p14="http://schemas.microsoft.com/office/powerpoint/2010/main" xmlns:p15="http://schemas.microsoft.com/office/powerpoint/2012/main">
+<p:sld xmlns:a="http://schemas.openxmlformats.org/drawingml/2006/main" xmlns:r="http://schemas.openxmlformats.org/officeDocument/2006/relationships" xmlns:p="http://schemas.openxmlformats.org/presentationml/2006/main">
   <p:cSld>
     <p:spTree>
       <p:nvGrpSpPr>
-        <p:cNvPr id="107" name="Shape 107"/>
+        <p:cNvPr id="1" name="Shape 107"/>
         <p:cNvGrpSpPr/>
         <p:nvPr/>
       </p:nvGrpSpPr>
@@ -8491,7 +8746,9 @@
       <p:sp>
         <p:nvSpPr>
           <p:cNvPr id="108" name="Google Shape;108;p19"/>
-          <p:cNvSpPr txBox="1"/>
+          <p:cNvSpPr txBox="1">
+            <a:spLocks noGrp="1"/>
+          </p:cNvSpPr>
           <p:nvPr>
             <p:ph type="title"/>
           </p:nvPr>
@@ -8506,12 +8763,12 @@
           </a:prstGeom>
         </p:spPr>
         <p:txBody>
-          <a:bodyPr anchorCtr="0" anchor="t" bIns="91425" lIns="91425" spcFirstLastPara="1" rIns="91425" wrap="square" tIns="91425">
+          <a:bodyPr spcFirstLastPara="1" wrap="square" lIns="91425" tIns="91425" rIns="91425" bIns="91425" anchor="t" anchorCtr="0">
             <a:noAutofit/>
           </a:bodyPr>
           <a:lstStyle/>
           <a:p>
-            <a:pPr indent="0" lvl="0" marL="0" rtl="0" algn="l">
+            <a:pPr marL="0" lvl="0" indent="0" algn="l" rtl="0">
               <a:spcBef>
                 <a:spcPts val="0"/>
               </a:spcBef>
@@ -8531,9 +8788,11 @@
       <p:sp>
         <p:nvSpPr>
           <p:cNvPr id="109" name="Google Shape;109;p19"/>
-          <p:cNvSpPr txBox="1"/>
+          <p:cNvSpPr txBox="1">
+            <a:spLocks noGrp="1"/>
+          </p:cNvSpPr>
           <p:nvPr>
-            <p:ph idx="1" type="body"/>
+            <p:ph type="body" idx="1"/>
           </p:nvPr>
         </p:nvSpPr>
         <p:spPr>
@@ -8546,14 +8805,14 @@
           </a:prstGeom>
         </p:spPr>
         <p:txBody>
-          <a:bodyPr anchorCtr="0" anchor="t" bIns="91425" lIns="91425" spcFirstLastPara="1" rIns="91425" wrap="square" tIns="91425">
+          <a:bodyPr spcFirstLastPara="1" wrap="square" lIns="91425" tIns="91425" rIns="91425" bIns="91425" anchor="t" anchorCtr="0">
             <a:noAutofit/>
           </a:bodyPr>
           <a:lstStyle/>
           <a:p>
-            <a:pPr indent="-342900" lvl="0" marL="457200" rtl="0" algn="l">
+            <a:pPr marL="457200" lvl="0" indent="-342900" algn="l" rtl="0">
               <a:lnSpc>
-                <a:spcPct val="200000"/>
+                <a:spcPct val="150000"/>
               </a:lnSpc>
               <a:spcBef>
                 <a:spcPts val="0"/>
@@ -8565,15 +8824,15 @@
               <a:buChar char="-"/>
             </a:pPr>
             <a:r>
-              <a:rPr lang="en"/>
+              <a:rPr lang="en" dirty="0"/>
               <a:t>Choose a random product</a:t>
             </a:r>
-            <a:endParaRPr/>
+            <a:endParaRPr dirty="0"/>
           </a:p>
           <a:p>
-            <a:pPr indent="-342900" lvl="0" marL="457200" rtl="0" algn="l">
+            <a:pPr marL="457200" lvl="0" indent="-342900" algn="l" rtl="0">
               <a:lnSpc>
-                <a:spcPct val="200000"/>
+                <a:spcPct val="150000"/>
               </a:lnSpc>
               <a:spcBef>
                 <a:spcPts val="0"/>
@@ -8585,15 +8844,15 @@
               <a:buChar char="-"/>
             </a:pPr>
             <a:r>
-              <a:rPr lang="en"/>
+              <a:rPr lang="en" dirty="0"/>
               <a:t>Recreate the dataset</a:t>
             </a:r>
-            <a:endParaRPr/>
+            <a:endParaRPr dirty="0"/>
           </a:p>
           <a:p>
-            <a:pPr indent="-342900" lvl="0" marL="457200" rtl="0" algn="l">
+            <a:pPr marL="457200" lvl="0" indent="-342900" algn="l" rtl="0">
               <a:lnSpc>
-                <a:spcPct val="200000"/>
+                <a:spcPct val="150000"/>
               </a:lnSpc>
               <a:spcBef>
                 <a:spcPts val="0"/>
@@ -8605,10 +8864,42 @@
               <a:buChar char="-"/>
             </a:pPr>
             <a:r>
-              <a:rPr lang="en"/>
+              <a:rPr lang="en" dirty="0"/>
               <a:t>Tried different lookback </a:t>
             </a:r>
-            <a:endParaRPr/>
+          </a:p>
+          <a:p>
+            <a:pPr lvl="0">
+              <a:lnSpc>
+                <a:spcPct val="150000"/>
+              </a:lnSpc>
+              <a:buChar char="-"/>
+            </a:pPr>
+            <a:r>
+              <a:rPr lang="en-US" altLang="zh-Hans" dirty="0"/>
+              <a:t>Lowest</a:t>
+            </a:r>
+            <a:r>
+              <a:rPr lang="zh-Hans" altLang="en-US" dirty="0"/>
+              <a:t> </a:t>
+            </a:r>
+            <a:r>
+              <a:rPr lang="en-US" altLang="zh-Hans" dirty="0"/>
+              <a:t>RMSE</a:t>
+            </a:r>
+            <a:r>
+              <a:rPr lang="zh-Hans" altLang="en-US" dirty="0"/>
+              <a:t> </a:t>
+            </a:r>
+            <a:r>
+              <a:rPr lang="en-GB" dirty="0"/>
+              <a:t>0.2806</a:t>
+            </a:r>
+            <a:r>
+              <a:rPr lang="zh-Hans" altLang="en-US" dirty="0"/>
+              <a:t> </a:t>
+            </a:r>
+            <a:endParaRPr dirty="0"/>
           </a:p>
         </p:txBody>
       </p:sp>
@@ -8628,7 +8919,7 @@
         </p:blipFill>
         <p:spPr>
           <a:xfrm>
-            <a:off x="311700" y="2942725"/>
+            <a:off x="311700" y="2961775"/>
             <a:ext cx="2676775" cy="1831475"/>
           </a:xfrm>
           <a:prstGeom prst="rect">
@@ -8656,7 +8947,7 @@
         </p:blipFill>
         <p:spPr>
           <a:xfrm>
-            <a:off x="3221750" y="2942725"/>
+            <a:off x="3221750" y="2961775"/>
             <a:ext cx="2676775" cy="1839731"/>
           </a:xfrm>
           <a:prstGeom prst="rect">
@@ -8684,7 +8975,7 @@
         </p:blipFill>
         <p:spPr>
           <a:xfrm>
-            <a:off x="6082650" y="2942725"/>
+            <a:off x="6082650" y="2961775"/>
             <a:ext cx="2749650" cy="1902225"/>
           </a:xfrm>
           <a:prstGeom prst="rect">
@@ -8733,11 +9024,11 @@
 </file>
 
 <file path=ppt/slides/slide8.xml><?xml version="1.0" encoding="utf-8"?>
-<p:sld xmlns:a="http://schemas.openxmlformats.org/drawingml/2006/main" xmlns:r="http://schemas.openxmlformats.org/officeDocument/2006/relationships" xmlns:mc="http://schemas.openxmlformats.org/markup-compatibility/2006" xmlns:mv="urn:schemas-microsoft-com:mac:vml" xmlns:p="http://schemas.openxmlformats.org/presentationml/2006/main" xmlns:c="http://schemas.openxmlformats.org/drawingml/2006/chart" xmlns:dgm="http://schemas.openxmlformats.org/drawingml/2006/diagram" xmlns:o="urn:schemas-microsoft-com:office:office" xmlns:v="urn:schemas-microsoft-com:vml" xmlns:pvml="urn:schemas-microsoft-com:office:powerpoint" xmlns:com="http://schemas.openxmlformats.org/drawingml/2006/compatibility" xmlns:p14="http://schemas.microsoft.com/office/powerpoint/2010/main" xmlns:p15="http://schemas.microsoft.com/office/powerpoint/2012/main">
+<p:sld xmlns:a="http://schemas.openxmlformats.org/drawingml/2006/main" xmlns:r="http://schemas.openxmlformats.org/officeDocument/2006/relationships" xmlns:p="http://schemas.openxmlformats.org/presentationml/2006/main">
   <p:cSld>
     <p:spTree>
       <p:nvGrpSpPr>
-        <p:cNvPr id="117" name="Shape 117"/>
+        <p:cNvPr id="1" name="Shape 117"/>
         <p:cNvGrpSpPr/>
         <p:nvPr/>
       </p:nvGrpSpPr>
@@ -8752,7 +9043,9 @@
       <p:sp>
         <p:nvSpPr>
           <p:cNvPr id="118" name="Google Shape;118;p20"/>
-          <p:cNvSpPr txBox="1"/>
+          <p:cNvSpPr txBox="1">
+            <a:spLocks noGrp="1"/>
+          </p:cNvSpPr>
           <p:nvPr>
             <p:ph type="title"/>
           </p:nvPr>
@@ -8767,12 +9060,12 @@
           </a:prstGeom>
         </p:spPr>
         <p:txBody>
-          <a:bodyPr anchorCtr="0" anchor="t" bIns="91425" lIns="91425" spcFirstLastPara="1" rIns="91425" wrap="square" tIns="91425">
+          <a:bodyPr spcFirstLastPara="1" wrap="square" lIns="91425" tIns="91425" rIns="91425" bIns="91425" anchor="t" anchorCtr="0">
             <a:noAutofit/>
           </a:bodyPr>
           <a:lstStyle/>
           <a:p>
-            <a:pPr indent="0" lvl="0" marL="0" rtl="0" algn="l">
+            <a:pPr marL="0" lvl="0" indent="0" algn="l" rtl="0">
               <a:spcBef>
                 <a:spcPts val="0"/>
               </a:spcBef>
@@ -8792,9 +9085,11 @@
       <p:sp>
         <p:nvSpPr>
           <p:cNvPr id="119" name="Google Shape;119;p20"/>
-          <p:cNvSpPr txBox="1"/>
+          <p:cNvSpPr txBox="1">
+            <a:spLocks noGrp="1"/>
+          </p:cNvSpPr>
           <p:nvPr>
-            <p:ph idx="1" type="body"/>
+            <p:ph type="body" idx="1"/>
           </p:nvPr>
         </p:nvSpPr>
         <p:spPr>
@@ -8807,12 +9102,12 @@
           </a:prstGeom>
         </p:spPr>
         <p:txBody>
-          <a:bodyPr anchorCtr="0" anchor="t" bIns="91425" lIns="91425" spcFirstLastPara="1" rIns="91425" wrap="square" tIns="91425">
+          <a:bodyPr spcFirstLastPara="1" wrap="square" lIns="91425" tIns="91425" rIns="91425" bIns="91425" anchor="t" anchorCtr="0">
             <a:noAutofit/>
           </a:bodyPr>
           <a:lstStyle/>
           <a:p>
-            <a:pPr indent="-317500" lvl="0" marL="457200" rtl="0" algn="l">
+            <a:pPr marL="457200" lvl="0" indent="-317500" algn="l" rtl="0">
               <a:lnSpc>
                 <a:spcPct val="200000"/>
               </a:lnSpc>
@@ -8832,7 +9127,7 @@
             <a:endParaRPr sz="1400"/>
           </a:p>
           <a:p>
-            <a:pPr indent="-317500" lvl="0" marL="457200" rtl="0" algn="l">
+            <a:pPr marL="457200" lvl="0" indent="-317500" algn="l" rtl="0">
               <a:lnSpc>
                 <a:spcPct val="200000"/>
               </a:lnSpc>
@@ -8896,14 +9191,14 @@
             <a:avLst/>
           </a:prstGeom>
           <a:noFill/>
-          <a:ln cap="flat" cmpd="sng" w="19050">
+          <a:ln w="19050" cap="flat" cmpd="sng">
             <a:solidFill>
               <a:srgbClr val="FF0000"/>
             </a:solidFill>
             <a:prstDash val="dot"/>
             <a:round/>
-            <a:headEnd len="med" w="med" type="none"/>
-            <a:tailEnd len="med" w="med" type="none"/>
+            <a:headEnd type="none" w="med" len="med"/>
+            <a:tailEnd type="none" w="med" len="med"/>
           </a:ln>
         </p:spPr>
       </p:cxnSp>
@@ -8916,11 +9211,11 @@
 </file>
 
 <file path=ppt/slides/slide9.xml><?xml version="1.0" encoding="utf-8"?>
-<p:sld xmlns:a="http://schemas.openxmlformats.org/drawingml/2006/main" xmlns:r="http://schemas.openxmlformats.org/officeDocument/2006/relationships" xmlns:mc="http://schemas.openxmlformats.org/markup-compatibility/2006" xmlns:mv="urn:schemas-microsoft-com:mac:vml" xmlns:p="http://schemas.openxmlformats.org/presentationml/2006/main" xmlns:c="http://schemas.openxmlformats.org/drawingml/2006/chart" xmlns:dgm="http://schemas.openxmlformats.org/drawingml/2006/diagram" xmlns:o="urn:schemas-microsoft-com:office:office" xmlns:v="urn:schemas-microsoft-com:vml" xmlns:pvml="urn:schemas-microsoft-com:office:powerpoint" xmlns:com="http://schemas.openxmlformats.org/drawingml/2006/compatibility" xmlns:p14="http://schemas.microsoft.com/office/powerpoint/2010/main" xmlns:p15="http://schemas.microsoft.com/office/powerpoint/2012/main">
+<p:sld xmlns:a="http://schemas.openxmlformats.org/drawingml/2006/main" xmlns:r="http://schemas.openxmlformats.org/officeDocument/2006/relationships" xmlns:p="http://schemas.openxmlformats.org/presentationml/2006/main">
   <p:cSld>
     <p:spTree>
       <p:nvGrpSpPr>
-        <p:cNvPr id="125" name="Shape 125"/>
+        <p:cNvPr id="1" name="Shape 125"/>
         <p:cNvGrpSpPr/>
         <p:nvPr/>
       </p:nvGrpSpPr>
@@ -8935,7 +9230,9 @@
       <p:sp>
         <p:nvSpPr>
           <p:cNvPr id="126" name="Google Shape;126;p21"/>
-          <p:cNvSpPr txBox="1"/>
+          <p:cNvSpPr txBox="1">
+            <a:spLocks noGrp="1"/>
+          </p:cNvSpPr>
           <p:nvPr>
             <p:ph type="title"/>
           </p:nvPr>
@@ -8950,12 +9247,12 @@
           </a:prstGeom>
         </p:spPr>
         <p:txBody>
-          <a:bodyPr anchorCtr="0" anchor="t" bIns="91425" lIns="91425" spcFirstLastPara="1" rIns="91425" wrap="square" tIns="91425">
+          <a:bodyPr spcFirstLastPara="1" wrap="square" lIns="91425" tIns="91425" rIns="91425" bIns="91425" anchor="t" anchorCtr="0">
             <a:noAutofit/>
           </a:bodyPr>
           <a:lstStyle/>
           <a:p>
-            <a:pPr indent="0" lvl="0" marL="0" rtl="0" algn="l">
+            <a:pPr marL="0" lvl="0" indent="0" algn="l" rtl="0">
               <a:spcBef>
                 <a:spcPts val="0"/>
               </a:spcBef>
@@ -8975,9 +9272,11 @@
       <p:sp>
         <p:nvSpPr>
           <p:cNvPr id="127" name="Google Shape;127;p21"/>
-          <p:cNvSpPr txBox="1"/>
+          <p:cNvSpPr txBox="1">
+            <a:spLocks noGrp="1"/>
+          </p:cNvSpPr>
           <p:nvPr>
-            <p:ph idx="1" type="body"/>
+            <p:ph type="body" idx="1"/>
           </p:nvPr>
         </p:nvSpPr>
         <p:spPr>
@@ -8990,24 +9289,56 @@
           </a:prstGeom>
         </p:spPr>
         <p:txBody>
-          <a:bodyPr anchorCtr="0" anchor="t" bIns="91425" lIns="91425" spcFirstLastPara="1" rIns="91425" wrap="square" tIns="91425">
+          <a:bodyPr spcFirstLastPara="1" wrap="square" lIns="91425" tIns="91425" rIns="91425" bIns="91425" anchor="t" anchorCtr="0">
             <a:noAutofit/>
           </a:bodyPr>
           <a:lstStyle/>
           <a:p>
-            <a:pPr indent="0" lvl="0" marL="0" rtl="0" algn="l">
-              <a:spcBef>
-                <a:spcPts val="0"/>
-              </a:spcBef>
+            <a:pPr marL="285750" indent="-285750">
               <a:spcAft>
                 <a:spcPts val="1600"/>
               </a:spcAft>
-              <a:buNone/>
             </a:pPr>
             <a:r>
-              <a:t/>
+              <a:rPr lang="en-US" altLang="zh-Hans" dirty="0"/>
+              <a:t>Epochs</a:t>
             </a:r>
-            <a:endParaRPr/>
+            <a:r>
+              <a:rPr lang="zh-Hans" altLang="en-US" dirty="0"/>
+              <a:t> </a:t>
+            </a:r>
+            <a:r>
+              <a:rPr lang="en-US" altLang="zh-Hans" dirty="0"/>
+              <a:t>=</a:t>
+            </a:r>
+            <a:r>
+              <a:rPr lang="zh-Hans" altLang="en-US" dirty="0"/>
+              <a:t> </a:t>
+            </a:r>
+            <a:r>
+              <a:rPr lang="en-US" altLang="zh-Hans" dirty="0"/>
+              <a:t>20</a:t>
+            </a:r>
+          </a:p>
+          <a:p>
+            <a:pPr marL="285750" indent="-285750">
+              <a:spcAft>
+                <a:spcPts val="1600"/>
+              </a:spcAft>
+            </a:pPr>
+            <a:r>
+              <a:rPr lang="en-US" altLang="zh-Hans" dirty="0"/>
+              <a:t>Optimizer:</a:t>
+            </a:r>
+            <a:r>
+              <a:rPr lang="zh-Hans" altLang="en-US" dirty="0"/>
+              <a:t> </a:t>
+            </a:r>
+            <a:r>
+              <a:rPr lang="en-US" altLang="zh-Hans" dirty="0"/>
+              <a:t>Adam</a:t>
+            </a:r>
+            <a:endParaRPr dirty="0"/>
           </a:p>
         </p:txBody>
       </p:sp>
@@ -9015,11 +9346,17 @@
         <p:nvGraphicFramePr>
           <p:cNvPr id="128" name="Google Shape;128;p21"/>
           <p:cNvGraphicFramePr/>
-          <p:nvPr/>
+          <p:nvPr>
+            <p:extLst>
+              <p:ext uri="{D42A27DB-BD31-4B8C-83A1-F6EECF244321}">
+                <p14:modId xmlns:p14="http://schemas.microsoft.com/office/powerpoint/2010/main" val="2363762898"/>
+              </p:ext>
+            </p:extLst>
+          </p:nvPr>
         </p:nvGraphicFramePr>
         <p:xfrm>
-          <a:off x="899325" y="1857225"/>
-          <a:ext cx="3000000" cy="3000000"/>
+          <a:off x="689773" y="2571600"/>
+          <a:ext cx="7492201" cy="1737045"/>
         </p:xfrm>
         <a:graphic>
           <a:graphicData uri="http://schemas.openxmlformats.org/drawingml/2006/table">
@@ -9029,23 +9366,85 @@
                 <a:tableStyleId>{66DCA472-D3FB-4A33-A169-C9192ABB7EEC}</a:tableStyleId>
               </a:tblPr>
               <a:tblGrid>
-                <a:gridCol w="638175"/>
-                <a:gridCol w="762000"/>
-                <a:gridCol w="845300"/>
-                <a:gridCol w="722475"/>
-                <a:gridCol w="942975"/>
-                <a:gridCol w="876300"/>
-                <a:gridCol w="1155200"/>
+                <a:gridCol w="804610">
+                  <a:extLst>
+                    <a:ext uri="{9D8B030D-6E8A-4147-A177-3AD203B41FA5}">
+                      <a16:colId xmlns:a16="http://schemas.microsoft.com/office/drawing/2014/main" val="20000"/>
+                    </a:ext>
+                  </a:extLst>
+                </a:gridCol>
+                <a:gridCol w="1188786">
+                  <a:extLst>
+                    <a:ext uri="{9D8B030D-6E8A-4147-A177-3AD203B41FA5}">
+                      <a16:colId xmlns:a16="http://schemas.microsoft.com/office/drawing/2014/main" val="20001"/>
+                    </a:ext>
+                  </a:extLst>
+                </a:gridCol>
+                <a:gridCol w="1040036">
+                  <a:extLst>
+                    <a:ext uri="{9D8B030D-6E8A-4147-A177-3AD203B41FA5}">
+                      <a16:colId xmlns:a16="http://schemas.microsoft.com/office/drawing/2014/main" val="20002"/>
+                    </a:ext>
+                  </a:extLst>
+                </a:gridCol>
+                <a:gridCol w="978252">
+                  <a:extLst>
+                    <a:ext uri="{9D8B030D-6E8A-4147-A177-3AD203B41FA5}">
+                      <a16:colId xmlns:a16="http://schemas.microsoft.com/office/drawing/2014/main" val="20003"/>
+                    </a:ext>
+                  </a:extLst>
+                </a:gridCol>
+                <a:gridCol w="919204">
+                  <a:extLst>
+                    <a:ext uri="{9D8B030D-6E8A-4147-A177-3AD203B41FA5}">
+                      <a16:colId xmlns:a16="http://schemas.microsoft.com/office/drawing/2014/main" val="20004"/>
+                    </a:ext>
+                  </a:extLst>
+                </a:gridCol>
+                <a:gridCol w="1284437">
+                  <a:extLst>
+                    <a:ext uri="{9D8B030D-6E8A-4147-A177-3AD203B41FA5}">
+                      <a16:colId xmlns:a16="http://schemas.microsoft.com/office/drawing/2014/main" val="20005"/>
+                    </a:ext>
+                  </a:extLst>
+                </a:gridCol>
+                <a:gridCol w="1276876">
+                  <a:extLst>
+                    <a:ext uri="{9D8B030D-6E8A-4147-A177-3AD203B41FA5}">
+                      <a16:colId xmlns:a16="http://schemas.microsoft.com/office/drawing/2014/main" val="20006"/>
+                    </a:ext>
+                  </a:extLst>
+                </a:gridCol>
               </a:tblGrid>
-              <a:tr h="12700">
+              <a:tr h="0">
                 <a:tc>
                   <a:txBody>
-                    <a:bodyPr>
-                      <a:noAutofit/>
-                    </a:bodyPr>
+                    <a:bodyPr/>
                     <a:lstStyle/>
                     <a:p>
-                      <a:pPr indent="0" lvl="0" marL="0" rtl="0" algn="l">
+                      <a:pPr marL="0" lvl="0" indent="0" algn="l" rtl="0">
+                        <a:lnSpc>
+                          <a:spcPct val="150000"/>
+                        </a:lnSpc>
+                        <a:spcBef>
+                          <a:spcPts val="0"/>
+                        </a:spcBef>
+                        <a:spcAft>
+                          <a:spcPts val="0"/>
+                        </a:spcAft>
+                        <a:buNone/>
+                      </a:pPr>
+                      <a:endParaRPr sz="1100" dirty="0"/>
+                    </a:p>
+                  </a:txBody>
+                  <a:tcPr marL="63500" marR="63500" marT="63500" marB="63500"/>
+                </a:tc>
+                <a:tc>
+                  <a:txBody>
+                    <a:bodyPr/>
+                    <a:lstStyle/>
+                    <a:p>
+                      <a:pPr marL="0" lvl="0" indent="0" algn="l" rtl="0">
                         <a:lnSpc>
                           <a:spcPct val="150000"/>
                         </a:lnSpc>
@@ -9058,49 +9457,24 @@
                         <a:buNone/>
                       </a:pPr>
                       <a:r>
-                        <a:t/>
+                        <a:rPr lang="en" sz="1100" dirty="0"/>
+                        <a:t>Hidden </a:t>
                       </a:r>
-                      <a:endParaRPr sz="1100"/>
+                      <a:r>
+                        <a:rPr lang="en-US" altLang="zh-Hans" sz="1100" dirty="0"/>
+                        <a:t>neuron</a:t>
+                      </a:r>
+                      <a:endParaRPr sz="1100" dirty="0"/>
                     </a:p>
                   </a:txBody>
-                  <a:tcPr marT="63500" marB="63500" marR="63500" marL="63500"/>
+                  <a:tcPr marL="63500" marR="63500" marT="63500" marB="63500"/>
                 </a:tc>
                 <a:tc>
                   <a:txBody>
-                    <a:bodyPr>
-                      <a:noAutofit/>
-                    </a:bodyPr>
+                    <a:bodyPr/>
                     <a:lstStyle/>
                     <a:p>
-                      <a:pPr indent="0" lvl="0" marL="0" rtl="0" algn="l">
-                        <a:lnSpc>
-                          <a:spcPct val="150000"/>
-                        </a:lnSpc>
-                        <a:spcBef>
-                          <a:spcPts val="0"/>
-                        </a:spcBef>
-                        <a:spcAft>
-                          <a:spcPts val="0"/>
-                        </a:spcAft>
-                        <a:buNone/>
-                      </a:pPr>
-                      <a:r>
-                        <a:rPr lang="en" sz="1100"/>
-                        <a:t>Hidden state</a:t>
-                      </a:r>
-                      <a:endParaRPr sz="1100"/>
-                    </a:p>
-                  </a:txBody>
-                  <a:tcPr marT="63500" marB="63500" marR="63500" marL="63500"/>
-                </a:tc>
-                <a:tc>
-                  <a:txBody>
-                    <a:bodyPr>
-                      <a:noAutofit/>
-                    </a:bodyPr>
-                    <a:lstStyle/>
-                    <a:p>
-                      <a:pPr indent="0" lvl="0" marL="0" rtl="0" algn="l">
+                      <a:pPr marL="0" lvl="0" indent="0" algn="l" rtl="0">
                         <a:lnSpc>
                           <a:spcPct val="150000"/>
                         </a:lnSpc>
@@ -9119,16 +9493,14 @@
                       <a:endParaRPr sz="1100"/>
                     </a:p>
                   </a:txBody>
-                  <a:tcPr marT="63500" marB="63500" marR="63500" marL="63500"/>
+                  <a:tcPr marL="63500" marR="63500" marT="63500" marB="63500"/>
                 </a:tc>
                 <a:tc>
                   <a:txBody>
-                    <a:bodyPr>
-                      <a:noAutofit/>
-                    </a:bodyPr>
+                    <a:bodyPr/>
                     <a:lstStyle/>
                     <a:p>
-                      <a:pPr indent="0" lvl="0" marL="0" rtl="0" algn="l">
+                      <a:pPr marL="0" lvl="0" indent="0" algn="l" rtl="0">
                         <a:lnSpc>
                           <a:spcPct val="150000"/>
                         </a:lnSpc>
@@ -9147,16 +9519,14 @@
                       <a:endParaRPr sz="1100"/>
                     </a:p>
                   </a:txBody>
-                  <a:tcPr marT="63500" marB="63500" marR="63500" marL="63500"/>
+                  <a:tcPr marL="63500" marR="63500" marT="63500" marB="63500"/>
                 </a:tc>
                 <a:tc>
                   <a:txBody>
-                    <a:bodyPr>
-                      <a:noAutofit/>
-                    </a:bodyPr>
+                    <a:bodyPr/>
                     <a:lstStyle/>
                     <a:p>
-                      <a:pPr indent="0" lvl="0" marL="0" rtl="0" algn="l">
+                      <a:pPr marL="0" lvl="0" indent="0" algn="l" rtl="0">
                         <a:lnSpc>
                           <a:spcPct val="150000"/>
                         </a:lnSpc>
@@ -9175,16 +9545,14 @@
                       <a:endParaRPr sz="1100"/>
                     </a:p>
                   </a:txBody>
-                  <a:tcPr marT="63500" marB="63500" marR="63500" marL="63500"/>
+                  <a:tcPr marL="63500" marR="63500" marT="63500" marB="63500"/>
                 </a:tc>
                 <a:tc>
                   <a:txBody>
-                    <a:bodyPr>
-                      <a:noAutofit/>
-                    </a:bodyPr>
+                    <a:bodyPr/>
                     <a:lstStyle/>
                     <a:p>
-                      <a:pPr indent="0" lvl="0" marL="0" rtl="0" algn="l">
+                      <a:pPr marL="0" lvl="0" indent="0" algn="l" rtl="0">
                         <a:lnSpc>
                           <a:spcPct val="150000"/>
                         </a:lnSpc>
@@ -9197,22 +9565,20 @@
                         <a:buNone/>
                       </a:pPr>
                       <a:r>
-                        <a:rPr lang="en" sz="1100"/>
+                        <a:rPr lang="en" sz="1100" dirty="0"/>
                         <a:t>RMSE on test</a:t>
                       </a:r>
-                      <a:endParaRPr sz="1100"/>
+                      <a:endParaRPr sz="1100" dirty="0"/>
                     </a:p>
                   </a:txBody>
-                  <a:tcPr marT="63500" marB="63500" marR="63500" marL="63500"/>
+                  <a:tcPr marL="63500" marR="63500" marT="63500" marB="63500"/>
                 </a:tc>
                 <a:tc>
                   <a:txBody>
-                    <a:bodyPr>
-                      <a:noAutofit/>
-                    </a:bodyPr>
+                    <a:bodyPr/>
                     <a:lstStyle/>
                     <a:p>
-                      <a:pPr indent="0" lvl="0" marL="0" rtl="0" algn="l">
+                      <a:pPr marL="0" lvl="0" indent="0" algn="l" rtl="0">
                         <a:lnSpc>
                           <a:spcPct val="150000"/>
                         </a:lnSpc>
@@ -9231,18 +9597,21 @@
                       <a:endParaRPr sz="1100"/>
                     </a:p>
                   </a:txBody>
-                  <a:tcPr marT="63500" marB="63500" marR="63500" marL="63500"/>
+                  <a:tcPr marL="63500" marR="63500" marT="63500" marB="63500"/>
                 </a:tc>
+                <a:extLst>
+                  <a:ext uri="{0D108BD9-81ED-4DB2-BD59-A6C34878D82A}">
+                    <a16:rowId xmlns:a16="http://schemas.microsoft.com/office/drawing/2014/main" val="10000"/>
+                  </a:ext>
+                </a:extLst>
               </a:tr>
-              <a:tr h="12700">
+              <a:tr h="0">
                 <a:tc>
                   <a:txBody>
-                    <a:bodyPr>
-                      <a:noAutofit/>
-                    </a:bodyPr>
+                    <a:bodyPr/>
                     <a:lstStyle/>
                     <a:p>
-                      <a:pPr indent="0" lvl="0" marL="0" rtl="0" algn="l">
+                      <a:pPr marL="0" lvl="0" indent="0" algn="l" rtl="0">
                         <a:lnSpc>
                           <a:spcPct val="150000"/>
                         </a:lnSpc>
@@ -9261,16 +9630,14 @@
                       <a:endParaRPr sz="1100"/>
                     </a:p>
                   </a:txBody>
-                  <a:tcPr marT="63500" marB="63500" marR="63500" marL="63500"/>
+                  <a:tcPr marL="63500" marR="63500" marT="63500" marB="63500"/>
                 </a:tc>
                 <a:tc>
                   <a:txBody>
-                    <a:bodyPr>
-                      <a:noAutofit/>
-                    </a:bodyPr>
+                    <a:bodyPr/>
                     <a:lstStyle/>
                     <a:p>
-                      <a:pPr indent="0" lvl="0" marL="0" rtl="0" algn="l">
+                      <a:pPr marL="0" lvl="0" indent="0" algn="l" rtl="0">
                         <a:lnSpc>
                           <a:spcPct val="150000"/>
                         </a:lnSpc>
@@ -9289,16 +9656,14 @@
                       <a:endParaRPr sz="1100"/>
                     </a:p>
                   </a:txBody>
-                  <a:tcPr marT="63500" marB="63500" marR="63500" marL="63500"/>
+                  <a:tcPr marL="63500" marR="63500" marT="63500" marB="63500"/>
                 </a:tc>
                 <a:tc>
                   <a:txBody>
-                    <a:bodyPr>
-                      <a:noAutofit/>
-                    </a:bodyPr>
+                    <a:bodyPr/>
                     <a:lstStyle/>
                     <a:p>
-                      <a:pPr indent="0" lvl="0" marL="0" rtl="0" algn="l">
+                      <a:pPr marL="0" lvl="0" indent="0" algn="l" rtl="0">
                         <a:lnSpc>
                           <a:spcPct val="150000"/>
                         </a:lnSpc>
@@ -9317,16 +9682,14 @@
                       <a:endParaRPr sz="1100"/>
                     </a:p>
                   </a:txBody>
-                  <a:tcPr marT="63500" marB="63500" marR="63500" marL="63500"/>
+                  <a:tcPr marL="63500" marR="63500" marT="63500" marB="63500"/>
                 </a:tc>
                 <a:tc>
                   <a:txBody>
-                    <a:bodyPr>
-                      <a:noAutofit/>
-                    </a:bodyPr>
+                    <a:bodyPr/>
                     <a:lstStyle/>
                     <a:p>
-                      <a:pPr indent="0" lvl="0" marL="0" rtl="0" algn="l">
+                      <a:pPr marL="0" lvl="0" indent="0" algn="l" rtl="0">
                         <a:lnSpc>
                           <a:spcPct val="150000"/>
                         </a:lnSpc>
@@ -9345,16 +9708,14 @@
                       <a:endParaRPr sz="1100"/>
                     </a:p>
                   </a:txBody>
-                  <a:tcPr marT="63500" marB="63500" marR="63500" marL="63500"/>
+                  <a:tcPr marL="63500" marR="63500" marT="63500" marB="63500"/>
                 </a:tc>
                 <a:tc>
                   <a:txBody>
-                    <a:bodyPr>
-                      <a:noAutofit/>
-                    </a:bodyPr>
+                    <a:bodyPr/>
                     <a:lstStyle/>
                     <a:p>
-                      <a:pPr indent="0" lvl="0" marL="0" rtl="0" algn="l">
+                      <a:pPr marL="0" lvl="0" indent="0" algn="l" rtl="0">
                         <a:lnSpc>
                           <a:spcPct val="150000"/>
                         </a:lnSpc>
@@ -9373,16 +9734,14 @@
                       <a:endParaRPr sz="1100"/>
                     </a:p>
                   </a:txBody>
-                  <a:tcPr marT="63500" marB="63500" marR="63500" marL="63500"/>
+                  <a:tcPr marL="63500" marR="63500" marT="63500" marB="63500"/>
                 </a:tc>
                 <a:tc>
                   <a:txBody>
-                    <a:bodyPr>
-                      <a:noAutofit/>
-                    </a:bodyPr>
+                    <a:bodyPr/>
                     <a:lstStyle/>
                     <a:p>
-                      <a:pPr indent="0" lvl="0" marL="0" rtl="0" algn="l">
+                      <a:pPr marL="0" lvl="0" indent="0" algn="l" rtl="0">
                         <a:lnSpc>
                           <a:spcPct val="150000"/>
                         </a:lnSpc>
@@ -9401,16 +9760,14 @@
                       <a:endParaRPr sz="1100"/>
                     </a:p>
                   </a:txBody>
-                  <a:tcPr marT="63500" marB="63500" marR="63500" marL="63500"/>
+                  <a:tcPr marL="63500" marR="63500" marT="63500" marB="63500"/>
                 </a:tc>
                 <a:tc>
                   <a:txBody>
-                    <a:bodyPr>
-                      <a:noAutofit/>
-                    </a:bodyPr>
+                    <a:bodyPr/>
                     <a:lstStyle/>
                     <a:p>
-                      <a:pPr indent="0" lvl="0" marL="0" rtl="0" algn="l">
+                      <a:pPr marL="0" lvl="0" indent="0" algn="l" rtl="0">
                         <a:lnSpc>
                           <a:spcPct val="150000"/>
                         </a:lnSpc>
@@ -9429,18 +9786,21 @@
                       <a:endParaRPr sz="1100"/>
                     </a:p>
                   </a:txBody>
-                  <a:tcPr marT="63500" marB="63500" marR="63500" marL="63500"/>
+                  <a:tcPr marL="63500" marR="63500" marT="63500" marB="63500"/>
                 </a:tc>
+                <a:extLst>
+                  <a:ext uri="{0D108BD9-81ED-4DB2-BD59-A6C34878D82A}">
+                    <a16:rowId xmlns:a16="http://schemas.microsoft.com/office/drawing/2014/main" val="10001"/>
+                  </a:ext>
+                </a:extLst>
               </a:tr>
-              <a:tr h="12700">
+              <a:tr h="0">
                 <a:tc>
                   <a:txBody>
-                    <a:bodyPr>
-                      <a:noAutofit/>
-                    </a:bodyPr>
+                    <a:bodyPr/>
                     <a:lstStyle/>
                     <a:p>
-                      <a:pPr indent="0" lvl="0" marL="0" rtl="0" algn="l">
+                      <a:pPr marL="0" lvl="0" indent="0" algn="l" rtl="0">
                         <a:lnSpc>
                           <a:spcPct val="150000"/>
                         </a:lnSpc>
@@ -9459,16 +9819,14 @@
                       <a:endParaRPr sz="1100"/>
                     </a:p>
                   </a:txBody>
-                  <a:tcPr marT="63500" marB="63500" marR="63500" marL="63500"/>
+                  <a:tcPr marL="63500" marR="63500" marT="63500" marB="63500"/>
                 </a:tc>
                 <a:tc>
                   <a:txBody>
-                    <a:bodyPr>
-                      <a:noAutofit/>
-                    </a:bodyPr>
+                    <a:bodyPr/>
                     <a:lstStyle/>
                     <a:p>
-                      <a:pPr indent="0" lvl="0" marL="0" rtl="0" algn="l">
+                      <a:pPr marL="0" lvl="0" indent="0" algn="l" rtl="0">
                         <a:lnSpc>
                           <a:spcPct val="150000"/>
                         </a:lnSpc>
@@ -9487,16 +9845,14 @@
                       <a:endParaRPr sz="1100"/>
                     </a:p>
                   </a:txBody>
-                  <a:tcPr marT="63500" marB="63500" marR="63500" marL="63500"/>
+                  <a:tcPr marL="63500" marR="63500" marT="63500" marB="63500"/>
                 </a:tc>
                 <a:tc>
                   <a:txBody>
-                    <a:bodyPr>
-                      <a:noAutofit/>
-                    </a:bodyPr>
+                    <a:bodyPr/>
                     <a:lstStyle/>
                     <a:p>
-                      <a:pPr indent="0" lvl="0" marL="0" rtl="0" algn="l">
+                      <a:pPr marL="0" lvl="0" indent="0" algn="l" rtl="0">
                         <a:lnSpc>
                           <a:spcPct val="150000"/>
                         </a:lnSpc>
@@ -9515,16 +9871,14 @@
                       <a:endParaRPr sz="1100"/>
                     </a:p>
                   </a:txBody>
-                  <a:tcPr marT="63500" marB="63500" marR="63500" marL="63500"/>
+                  <a:tcPr marL="63500" marR="63500" marT="63500" marB="63500"/>
                 </a:tc>
                 <a:tc>
                   <a:txBody>
-                    <a:bodyPr>
-                      <a:noAutofit/>
-                    </a:bodyPr>
+                    <a:bodyPr/>
                     <a:lstStyle/>
                     <a:p>
-                      <a:pPr indent="0" lvl="0" marL="0" rtl="0" algn="l">
+                      <a:pPr marL="0" lvl="0" indent="0" algn="l" rtl="0">
                         <a:lnSpc>
                           <a:spcPct val="150000"/>
                         </a:lnSpc>
@@ -9543,16 +9897,14 @@
                       <a:endParaRPr sz="1100"/>
                     </a:p>
                   </a:txBody>
-                  <a:tcPr marT="63500" marB="63500" marR="63500" marL="63500"/>
+                  <a:tcPr marL="63500" marR="63500" marT="63500" marB="63500"/>
                 </a:tc>
                 <a:tc>
                   <a:txBody>
-                    <a:bodyPr>
-                      <a:noAutofit/>
-                    </a:bodyPr>
+                    <a:bodyPr/>
                     <a:lstStyle/>
                     <a:p>
-                      <a:pPr indent="0" lvl="0" marL="0" rtl="0" algn="l">
+                      <a:pPr marL="0" lvl="0" indent="0" algn="l" rtl="0">
                         <a:lnSpc>
                           <a:spcPct val="150000"/>
                         </a:lnSpc>
@@ -9571,16 +9923,14 @@
                       <a:endParaRPr sz="1100"/>
                     </a:p>
                   </a:txBody>
-                  <a:tcPr marT="63500" marB="63500" marR="63500" marL="63500"/>
+                  <a:tcPr marL="63500" marR="63500" marT="63500" marB="63500"/>
                 </a:tc>
                 <a:tc>
                   <a:txBody>
-                    <a:bodyPr>
-                      <a:noAutofit/>
-                    </a:bodyPr>
+                    <a:bodyPr/>
                     <a:lstStyle/>
                     <a:p>
-                      <a:pPr indent="0" lvl="0" marL="0" rtl="0" algn="l">
+                      <a:pPr marL="0" lvl="0" indent="0" algn="l" rtl="0">
                         <a:lnSpc>
                           <a:spcPct val="150000"/>
                         </a:lnSpc>
@@ -9599,16 +9949,14 @@
                       <a:endParaRPr sz="1100"/>
                     </a:p>
                   </a:txBody>
-                  <a:tcPr marT="63500" marB="63500" marR="63500" marL="63500"/>
+                  <a:tcPr marL="63500" marR="63500" marT="63500" marB="63500"/>
                 </a:tc>
                 <a:tc>
                   <a:txBody>
-                    <a:bodyPr>
-                      <a:noAutofit/>
-                    </a:bodyPr>
+                    <a:bodyPr/>
                     <a:lstStyle/>
                     <a:p>
-                      <a:pPr indent="0" lvl="0" marL="0" rtl="0" algn="l">
+                      <a:pPr marL="0" lvl="0" indent="0" algn="l" rtl="0">
                         <a:lnSpc>
                           <a:spcPct val="150000"/>
                         </a:lnSpc>
@@ -9627,18 +9975,21 @@
                       <a:endParaRPr sz="1100"/>
                     </a:p>
                   </a:txBody>
-                  <a:tcPr marT="63500" marB="63500" marR="63500" marL="63500"/>
+                  <a:tcPr marL="63500" marR="63500" marT="63500" marB="63500"/>
                 </a:tc>
+                <a:extLst>
+                  <a:ext uri="{0D108BD9-81ED-4DB2-BD59-A6C34878D82A}">
+                    <a16:rowId xmlns:a16="http://schemas.microsoft.com/office/drawing/2014/main" val="10002"/>
+                  </a:ext>
+                </a:extLst>
               </a:tr>
-              <a:tr h="12700">
+              <a:tr h="0">
                 <a:tc>
                   <a:txBody>
-                    <a:bodyPr>
-                      <a:noAutofit/>
-                    </a:bodyPr>
+                    <a:bodyPr/>
                     <a:lstStyle/>
                     <a:p>
-                      <a:pPr indent="0" lvl="0" marL="0" rtl="0" algn="l">
+                      <a:pPr marL="0" lvl="0" indent="0" algn="l" rtl="0">
                         <a:lnSpc>
                           <a:spcPct val="150000"/>
                         </a:lnSpc>
@@ -9657,16 +10008,14 @@
                       <a:endParaRPr sz="1100"/>
                     </a:p>
                   </a:txBody>
-                  <a:tcPr marT="63500" marB="63500" marR="63500" marL="63500"/>
+                  <a:tcPr marL="63500" marR="63500" marT="63500" marB="63500"/>
                 </a:tc>
                 <a:tc>
                   <a:txBody>
-                    <a:bodyPr>
-                      <a:noAutofit/>
-                    </a:bodyPr>
+                    <a:bodyPr/>
                     <a:lstStyle/>
                     <a:p>
-                      <a:pPr indent="0" lvl="0" marL="0" rtl="0" algn="l">
+                      <a:pPr marL="0" lvl="0" indent="0" algn="l" rtl="0">
                         <a:lnSpc>
                           <a:spcPct val="150000"/>
                         </a:lnSpc>
@@ -9685,16 +10034,14 @@
                       <a:endParaRPr sz="1100"/>
                     </a:p>
                   </a:txBody>
-                  <a:tcPr marT="63500" marB="63500" marR="63500" marL="63500"/>
+                  <a:tcPr marL="63500" marR="63500" marT="63500" marB="63500"/>
                 </a:tc>
                 <a:tc>
                   <a:txBody>
-                    <a:bodyPr>
-                      <a:noAutofit/>
-                    </a:bodyPr>
+                    <a:bodyPr/>
                     <a:lstStyle/>
                     <a:p>
-                      <a:pPr indent="0" lvl="0" marL="0" rtl="0" algn="l">
+                      <a:pPr marL="0" lvl="0" indent="0" algn="l" rtl="0">
                         <a:lnSpc>
                           <a:spcPct val="150000"/>
                         </a:lnSpc>
@@ -9713,16 +10060,14 @@
                       <a:endParaRPr sz="1100"/>
                     </a:p>
                   </a:txBody>
-                  <a:tcPr marT="63500" marB="63500" marR="63500" marL="63500"/>
+                  <a:tcPr marL="63500" marR="63500" marT="63500" marB="63500"/>
                 </a:tc>
                 <a:tc>
                   <a:txBody>
-                    <a:bodyPr>
-                      <a:noAutofit/>
-                    </a:bodyPr>
+                    <a:bodyPr/>
                     <a:lstStyle/>
                     <a:p>
-                      <a:pPr indent="0" lvl="0" marL="0" rtl="0" algn="l">
+                      <a:pPr marL="0" lvl="0" indent="0" algn="l" rtl="0">
                         <a:lnSpc>
                           <a:spcPct val="150000"/>
                         </a:lnSpc>
@@ -9741,16 +10086,14 @@
                       <a:endParaRPr sz="1100"/>
                     </a:p>
                   </a:txBody>
-                  <a:tcPr marT="63500" marB="63500" marR="63500" marL="63500"/>
+                  <a:tcPr marL="63500" marR="63500" marT="63500" marB="63500"/>
                 </a:tc>
                 <a:tc>
                   <a:txBody>
-                    <a:bodyPr>
-                      <a:noAutofit/>
-                    </a:bodyPr>
+                    <a:bodyPr/>
                     <a:lstStyle/>
                     <a:p>
-                      <a:pPr indent="0" lvl="0" marL="0" rtl="0" algn="l">
+                      <a:pPr marL="0" lvl="0" indent="0" algn="l" rtl="0">
                         <a:lnSpc>
                           <a:spcPct val="150000"/>
                         </a:lnSpc>
@@ -9769,16 +10112,14 @@
                       <a:endParaRPr sz="1100"/>
                     </a:p>
                   </a:txBody>
-                  <a:tcPr marT="63500" marB="63500" marR="63500" marL="63500"/>
+                  <a:tcPr marL="63500" marR="63500" marT="63500" marB="63500"/>
                 </a:tc>
                 <a:tc>
                   <a:txBody>
-                    <a:bodyPr>
-                      <a:noAutofit/>
-                    </a:bodyPr>
+                    <a:bodyPr/>
                     <a:lstStyle/>
                     <a:p>
-                      <a:pPr indent="0" lvl="0" marL="0" rtl="0" algn="l">
+                      <a:pPr marL="0" lvl="0" indent="0" algn="l" rtl="0">
                         <a:lnSpc>
                           <a:spcPct val="150000"/>
                         </a:lnSpc>
@@ -9797,16 +10138,14 @@
                       <a:endParaRPr sz="1100"/>
                     </a:p>
                   </a:txBody>
-                  <a:tcPr marT="63500" marB="63500" marR="63500" marL="63500"/>
+                  <a:tcPr marL="63500" marR="63500" marT="63500" marB="63500"/>
                 </a:tc>
                 <a:tc>
                   <a:txBody>
-                    <a:bodyPr>
-                      <a:noAutofit/>
-                    </a:bodyPr>
+                    <a:bodyPr/>
                     <a:lstStyle/>
                     <a:p>
-                      <a:pPr indent="0" lvl="0" marL="0" rtl="0" algn="l">
+                      <a:pPr marL="0" lvl="0" indent="0" algn="l" rtl="0">
                         <a:lnSpc>
                           <a:spcPct val="150000"/>
                         </a:lnSpc>
@@ -9825,18 +10164,21 @@
                       <a:endParaRPr sz="1100"/>
                     </a:p>
                   </a:txBody>
-                  <a:tcPr marT="63500" marB="63500" marR="63500" marL="63500"/>
+                  <a:tcPr marL="63500" marR="63500" marT="63500" marB="63500"/>
                 </a:tc>
+                <a:extLst>
+                  <a:ext uri="{0D108BD9-81ED-4DB2-BD59-A6C34878D82A}">
+                    <a16:rowId xmlns:a16="http://schemas.microsoft.com/office/drawing/2014/main" val="10003"/>
+                  </a:ext>
+                </a:extLst>
               </a:tr>
-              <a:tr h="12700">
+              <a:tr h="0">
                 <a:tc>
                   <a:txBody>
-                    <a:bodyPr>
-                      <a:noAutofit/>
-                    </a:bodyPr>
+                    <a:bodyPr/>
                     <a:lstStyle/>
                     <a:p>
-                      <a:pPr indent="0" lvl="0" marL="0" rtl="0" algn="l">
+                      <a:pPr marL="0" lvl="0" indent="0" algn="l" rtl="0">
                         <a:lnSpc>
                           <a:spcPct val="150000"/>
                         </a:lnSpc>
@@ -9855,16 +10197,14 @@
                       <a:endParaRPr sz="1100"/>
                     </a:p>
                   </a:txBody>
-                  <a:tcPr marT="63500" marB="63500" marR="63500" marL="63500"/>
+                  <a:tcPr marL="63500" marR="63500" marT="63500" marB="63500"/>
                 </a:tc>
                 <a:tc>
                   <a:txBody>
-                    <a:bodyPr>
-                      <a:noAutofit/>
-                    </a:bodyPr>
+                    <a:bodyPr/>
                     <a:lstStyle/>
                     <a:p>
-                      <a:pPr indent="0" lvl="0" marL="0" rtl="0" algn="l">
+                      <a:pPr marL="0" lvl="0" indent="0" algn="l" rtl="0">
                         <a:lnSpc>
                           <a:spcPct val="150000"/>
                         </a:lnSpc>
@@ -9883,16 +10223,14 @@
                       <a:endParaRPr sz="1100"/>
                     </a:p>
                   </a:txBody>
-                  <a:tcPr marT="63500" marB="63500" marR="63500" marL="63500"/>
+                  <a:tcPr marL="63500" marR="63500" marT="63500" marB="63500"/>
                 </a:tc>
                 <a:tc>
                   <a:txBody>
-                    <a:bodyPr>
-                      <a:noAutofit/>
-                    </a:bodyPr>
+                    <a:bodyPr/>
                     <a:lstStyle/>
                     <a:p>
-                      <a:pPr indent="0" lvl="0" marL="0" rtl="0" algn="l">
+                      <a:pPr marL="0" lvl="0" indent="0" algn="l" rtl="0">
                         <a:lnSpc>
                           <a:spcPct val="150000"/>
                         </a:lnSpc>
@@ -9911,16 +10249,14 @@
                       <a:endParaRPr sz="1100"/>
                     </a:p>
                   </a:txBody>
-                  <a:tcPr marT="63500" marB="63500" marR="63500" marL="63500"/>
+                  <a:tcPr marL="63500" marR="63500" marT="63500" marB="63500"/>
                 </a:tc>
                 <a:tc>
                   <a:txBody>
-                    <a:bodyPr>
-                      <a:noAutofit/>
-                    </a:bodyPr>
+                    <a:bodyPr/>
                     <a:lstStyle/>
                     <a:p>
-                      <a:pPr indent="0" lvl="0" marL="0" rtl="0" algn="l">
+                      <a:pPr marL="0" lvl="0" indent="0" algn="l" rtl="0">
                         <a:lnSpc>
                           <a:spcPct val="150000"/>
                         </a:lnSpc>
@@ -9939,16 +10275,14 @@
                       <a:endParaRPr sz="1100"/>
                     </a:p>
                   </a:txBody>
-                  <a:tcPr marT="63500" marB="63500" marR="63500" marL="63500"/>
+                  <a:tcPr marL="63500" marR="63500" marT="63500" marB="63500"/>
                 </a:tc>
                 <a:tc>
                   <a:txBody>
-                    <a:bodyPr>
-                      <a:noAutofit/>
-                    </a:bodyPr>
+                    <a:bodyPr/>
                     <a:lstStyle/>
                     <a:p>
-                      <a:pPr indent="0" lvl="0" marL="0" rtl="0" algn="l">
+                      <a:pPr marL="0" lvl="0" indent="0" algn="l" rtl="0">
                         <a:lnSpc>
                           <a:spcPct val="150000"/>
                         </a:lnSpc>
@@ -9967,16 +10301,14 @@
                       <a:endParaRPr sz="1100"/>
                     </a:p>
                   </a:txBody>
-                  <a:tcPr marT="63500" marB="63500" marR="63500" marL="63500"/>
+                  <a:tcPr marL="63500" marR="63500" marT="63500" marB="63500"/>
                 </a:tc>
                 <a:tc>
                   <a:txBody>
-                    <a:bodyPr>
-                      <a:noAutofit/>
-                    </a:bodyPr>
+                    <a:bodyPr/>
                     <a:lstStyle/>
                     <a:p>
-                      <a:pPr indent="0" lvl="0" marL="0" rtl="0" algn="l">
+                      <a:pPr marL="0" lvl="0" indent="0" algn="l" rtl="0">
                         <a:lnSpc>
                           <a:spcPct val="150000"/>
                         </a:lnSpc>
@@ -9995,16 +10327,14 @@
                       <a:endParaRPr sz="1100"/>
                     </a:p>
                   </a:txBody>
-                  <a:tcPr marT="63500" marB="63500" marR="63500" marL="63500"/>
+                  <a:tcPr marL="63500" marR="63500" marT="63500" marB="63500"/>
                 </a:tc>
                 <a:tc>
                   <a:txBody>
-                    <a:bodyPr>
-                      <a:noAutofit/>
-                    </a:bodyPr>
+                    <a:bodyPr/>
                     <a:lstStyle/>
                     <a:p>
-                      <a:pPr indent="0" lvl="0" marL="0" rtl="0" algn="l">
+                      <a:pPr marL="0" lvl="0" indent="0" algn="l" rtl="0">
                         <a:lnSpc>
                           <a:spcPct val="150000"/>
                         </a:lnSpc>
@@ -10017,14 +10347,19 @@
                         <a:buNone/>
                       </a:pPr>
                       <a:r>
-                        <a:rPr lang="en" sz="1100"/>
+                        <a:rPr lang="en" sz="1100" dirty="0"/>
                         <a:t>96.5655</a:t>
                       </a:r>
-                      <a:endParaRPr sz="1100"/>
+                      <a:endParaRPr sz="1100" dirty="0"/>
                     </a:p>
                   </a:txBody>
-                  <a:tcPr marT="63500" marB="63500" marR="63500" marL="63500"/>
+                  <a:tcPr marL="63500" marR="63500" marT="63500" marB="63500"/>
                 </a:tc>
+                <a:extLst>
+                  <a:ext uri="{0D108BD9-81ED-4DB2-BD59-A6C34878D82A}">
+                    <a16:rowId xmlns:a16="http://schemas.microsoft.com/office/drawing/2014/main" val="10004"/>
+                  </a:ext>
+                </a:extLst>
               </a:tr>
             </a:tbl>
           </a:graphicData>
@@ -10039,7 +10374,288 @@
 </file>
 
 <file path=ppt/theme/theme1.xml><?xml version="1.0" encoding="utf-8"?>
-<a:theme xmlns:a="http://schemas.openxmlformats.org/drawingml/2006/main" xmlns:r="http://schemas.openxmlformats.org/officeDocument/2006/relationships">
+<a:theme xmlns:a="http://schemas.openxmlformats.org/drawingml/2006/main" name="Tropic">
+  <a:themeElements>
+    <a:clrScheme name="Tropic">
+      <a:dk1>
+        <a:srgbClr val="A1E8D9"/>
+      </a:dk1>
+      <a:lt1>
+        <a:srgbClr val="FFFFFF"/>
+      </a:lt1>
+      <a:dk2>
+        <a:srgbClr val="695D46"/>
+      </a:dk2>
+      <a:lt2>
+        <a:srgbClr val="B3A77D"/>
+      </a:lt2>
+      <a:accent1>
+        <a:srgbClr val="EF6C00"/>
+      </a:accent1>
+      <a:accent2>
+        <a:srgbClr val="009668"/>
+      </a:accent2>
+      <a:accent3>
+        <a:srgbClr val="4DB6AC"/>
+      </a:accent3>
+      <a:accent4>
+        <a:srgbClr val="FF9800"/>
+      </a:accent4>
+      <a:accent5>
+        <a:srgbClr val="CE93D8"/>
+      </a:accent5>
+      <a:accent6>
+        <a:srgbClr val="EEFF41"/>
+      </a:accent6>
+      <a:hlink>
+        <a:srgbClr val="CE93D8"/>
+      </a:hlink>
+      <a:folHlink>
+        <a:srgbClr val="CE93D8"/>
+      </a:folHlink>
+    </a:clrScheme>
+    <a:fontScheme name="Office">
+      <a:majorFont>
+        <a:latin typeface="Arial"/>
+        <a:ea typeface=""/>
+        <a:cs typeface=""/>
+        <a:font script="Jpan" typeface="ＭＳ Ｐゴシック"/>
+        <a:font script="Hang" typeface="맑은 고딕"/>
+        <a:font script="Hans" typeface="宋体"/>
+        <a:font script="Hant" typeface="新細明體"/>
+        <a:font script="Arab" typeface="Times New Roman"/>
+        <a:font script="Hebr" typeface="Times New Roman"/>
+        <a:font script="Thai" typeface="Angsana New"/>
+        <a:font script="Ethi" typeface="Nyala"/>
+        <a:font script="Beng" typeface="Vrinda"/>
+        <a:font script="Gujr" typeface="Shruti"/>
+        <a:font script="Khmr" typeface="MoolBoran"/>
+        <a:font script="Knda" typeface="Tunga"/>
+        <a:font script="Guru" typeface="Raavi"/>
+        <a:font script="Cans" typeface="Euphemia"/>
+        <a:font script="Cher" typeface="Plantagenet Cherokee"/>
+        <a:font script="Yiii" typeface="Microsoft Yi Baiti"/>
+        <a:font script="Tibt" typeface="Microsoft Himalaya"/>
+        <a:font script="Thaa" typeface="MV Boli"/>
+        <a:font script="Deva" typeface="Mangal"/>
+        <a:font script="Telu" typeface="Gautami"/>
+        <a:font script="Taml" typeface="Latha"/>
+        <a:font script="Syrc" typeface="Estrangelo Edessa"/>
+        <a:font script="Orya" typeface="Kalinga"/>
+        <a:font script="Mlym" typeface="Kartika"/>
+        <a:font script="Laoo" typeface="DokChampa"/>
+        <a:font script="Sinh" typeface="Iskoola Pota"/>
+        <a:font script="Mong" typeface="Mongolian Baiti"/>
+        <a:font script="Viet" typeface="Times New Roman"/>
+        <a:font script="Uigh" typeface="Microsoft Uighur"/>
+        <a:font script="Geor" typeface="Sylfaen"/>
+      </a:majorFont>
+      <a:minorFont>
+        <a:latin typeface="Arial"/>
+        <a:ea typeface=""/>
+        <a:cs typeface=""/>
+        <a:font script="Jpan" typeface="ＭＳ Ｐゴシック"/>
+        <a:font script="Hang" typeface="맑은 고딕"/>
+        <a:font script="Hans" typeface="宋体"/>
+        <a:font script="Hant" typeface="新細明體"/>
+        <a:font script="Arab" typeface="Arial"/>
+        <a:font script="Hebr" typeface="Arial"/>
+        <a:font script="Thai" typeface="Cordia New"/>
+        <a:font script="Ethi" typeface="Nyala"/>
+        <a:font script="Beng" typeface="Vrinda"/>
+        <a:font script="Gujr" typeface="Shruti"/>
+        <a:font script="Khmr" typeface="DaunPenh"/>
+        <a:font script="Knda" typeface="Tunga"/>
+        <a:font script="Guru" typeface="Raavi"/>
+        <a:font script="Cans" typeface="Euphemia"/>
+        <a:font script="Cher" typeface="Plantagenet Cherokee"/>
+        <a:font script="Yiii" typeface="Microsoft Yi Baiti"/>
+        <a:font script="Tibt" typeface="Microsoft Himalaya"/>
+        <a:font script="Thaa" typeface="MV Boli"/>
+        <a:font script="Deva" typeface="Mangal"/>
+        <a:font script="Telu" typeface="Gautami"/>
+        <a:font script="Taml" typeface="Latha"/>
+        <a:font script="Syrc" typeface="Estrangelo Edessa"/>
+        <a:font script="Orya" typeface="Kalinga"/>
+        <a:font script="Mlym" typeface="Kartika"/>
+        <a:font script="Laoo" typeface="DokChampa"/>
+        <a:font script="Sinh" typeface="Iskoola Pota"/>
+        <a:font script="Mong" typeface="Mongolian Baiti"/>
+        <a:font script="Viet" typeface="Arial"/>
+        <a:font script="Uigh" typeface="Microsoft Uighur"/>
+        <a:font script="Geor" typeface="Sylfaen"/>
+      </a:minorFont>
+    </a:fontScheme>
+    <a:fmtScheme name="Office">
+      <a:fillStyleLst>
+        <a:solidFill>
+          <a:schemeClr val="phClr"/>
+        </a:solidFill>
+        <a:gradFill rotWithShape="1">
+          <a:gsLst>
+            <a:gs pos="0">
+              <a:schemeClr val="phClr">
+                <a:tint val="50000"/>
+                <a:satMod val="300000"/>
+              </a:schemeClr>
+            </a:gs>
+            <a:gs pos="35000">
+              <a:schemeClr val="phClr">
+                <a:tint val="37000"/>
+                <a:satMod val="300000"/>
+              </a:schemeClr>
+            </a:gs>
+            <a:gs pos="100000">
+              <a:schemeClr val="phClr">
+                <a:tint val="15000"/>
+                <a:satMod val="350000"/>
+              </a:schemeClr>
+            </a:gs>
+          </a:gsLst>
+          <a:lin ang="16200000" scaled="1"/>
+        </a:gradFill>
+        <a:gradFill rotWithShape="1">
+          <a:gsLst>
+            <a:gs pos="0">
+              <a:schemeClr val="phClr">
+                <a:tint val="100000"/>
+                <a:shade val="100000"/>
+                <a:satMod val="130000"/>
+              </a:schemeClr>
+            </a:gs>
+            <a:gs pos="100000">
+              <a:schemeClr val="phClr">
+                <a:tint val="50000"/>
+                <a:shade val="100000"/>
+                <a:satMod val="350000"/>
+              </a:schemeClr>
+            </a:gs>
+          </a:gsLst>
+          <a:lin ang="16200000" scaled="0"/>
+        </a:gradFill>
+      </a:fillStyleLst>
+      <a:lnStyleLst>
+        <a:ln w="9525" cap="flat" cmpd="sng" algn="ctr">
+          <a:solidFill>
+            <a:schemeClr val="phClr">
+              <a:shade val="95000"/>
+              <a:satMod val="105000"/>
+            </a:schemeClr>
+          </a:solidFill>
+          <a:prstDash val="solid"/>
+        </a:ln>
+        <a:ln w="25400" cap="flat" cmpd="sng" algn="ctr">
+          <a:solidFill>
+            <a:schemeClr val="phClr"/>
+          </a:solidFill>
+          <a:prstDash val="solid"/>
+        </a:ln>
+        <a:ln w="38100" cap="flat" cmpd="sng" algn="ctr">
+          <a:solidFill>
+            <a:schemeClr val="phClr"/>
+          </a:solidFill>
+          <a:prstDash val="solid"/>
+        </a:ln>
+      </a:lnStyleLst>
+      <a:effectStyleLst>
+        <a:effectStyle>
+          <a:effectLst>
+            <a:outerShdw blurRad="40000" dist="20000" dir="5400000" rotWithShape="0">
+              <a:srgbClr val="000000">
+                <a:alpha val="38000"/>
+              </a:srgbClr>
+            </a:outerShdw>
+          </a:effectLst>
+        </a:effectStyle>
+        <a:effectStyle>
+          <a:effectLst>
+            <a:outerShdw blurRad="40000" dist="23000" dir="5400000" rotWithShape="0">
+              <a:srgbClr val="000000">
+                <a:alpha val="35000"/>
+              </a:srgbClr>
+            </a:outerShdw>
+          </a:effectLst>
+        </a:effectStyle>
+        <a:effectStyle>
+          <a:effectLst>
+            <a:outerShdw blurRad="40000" dist="23000" dir="5400000" rotWithShape="0">
+              <a:srgbClr val="000000">
+                <a:alpha val="35000"/>
+              </a:srgbClr>
+            </a:outerShdw>
+          </a:effectLst>
+          <a:scene3d>
+            <a:camera prst="orthographicFront">
+              <a:rot lat="0" lon="0" rev="0"/>
+            </a:camera>
+            <a:lightRig rig="threePt" dir="t">
+              <a:rot lat="0" lon="0" rev="1200000"/>
+            </a:lightRig>
+          </a:scene3d>
+          <a:sp3d>
+            <a:bevelT w="63500" h="25400"/>
+          </a:sp3d>
+        </a:effectStyle>
+      </a:effectStyleLst>
+      <a:bgFillStyleLst>
+        <a:solidFill>
+          <a:schemeClr val="phClr"/>
+        </a:solidFill>
+        <a:gradFill rotWithShape="1">
+          <a:gsLst>
+            <a:gs pos="0">
+              <a:schemeClr val="phClr">
+                <a:tint val="40000"/>
+                <a:satMod val="350000"/>
+              </a:schemeClr>
+            </a:gs>
+            <a:gs pos="40000">
+              <a:schemeClr val="phClr">
+                <a:tint val="45000"/>
+                <a:shade val="99000"/>
+                <a:satMod val="350000"/>
+              </a:schemeClr>
+            </a:gs>
+            <a:gs pos="100000">
+              <a:schemeClr val="phClr">
+                <a:shade val="20000"/>
+                <a:satMod val="255000"/>
+              </a:schemeClr>
+            </a:gs>
+          </a:gsLst>
+          <a:path path="circle">
+            <a:fillToRect l="50000" t="-80000" r="50000" b="180000"/>
+          </a:path>
+        </a:gradFill>
+        <a:gradFill rotWithShape="1">
+          <a:gsLst>
+            <a:gs pos="0">
+              <a:schemeClr val="phClr">
+                <a:tint val="80000"/>
+                <a:satMod val="300000"/>
+              </a:schemeClr>
+            </a:gs>
+            <a:gs pos="100000">
+              <a:schemeClr val="phClr">
+                <a:shade val="30000"/>
+                <a:satMod val="200000"/>
+              </a:schemeClr>
+            </a:gs>
+          </a:gsLst>
+          <a:path path="circle">
+            <a:fillToRect l="50000" t="50000" r="50000" b="50000"/>
+          </a:path>
+        </a:gradFill>
+      </a:bgFillStyleLst>
+    </a:fmtScheme>
+  </a:themeElements>
+  <a:objectDefaults/>
+  <a:extraClrSchemeLst/>
+</a:theme>
+</file>
+
+<file path=ppt/theme/theme2.xml><?xml version="1.0" encoding="utf-8"?>
+<a:theme xmlns:a="http://schemas.openxmlformats.org/drawingml/2006/main">
   <a:themeElements>
     <a:clrScheme name="Default">
       <a:dk1>
@@ -10314,284 +10930,7 @@
       </a:bgFillStyleLst>
     </a:fmtScheme>
   </a:themeElements>
-</a:theme>
-</file>
-
-<file path=ppt/theme/theme2.xml><?xml version="1.0" encoding="utf-8"?>
-<a:theme xmlns:a="http://schemas.openxmlformats.org/drawingml/2006/main" xmlns:r="http://schemas.openxmlformats.org/officeDocument/2006/relationships" name="Tropic">
-  <a:themeElements>
-    <a:clrScheme name="Tropic">
-      <a:dk1>
-        <a:srgbClr val="A1E8D9"/>
-      </a:dk1>
-      <a:lt1>
-        <a:srgbClr val="FFFFFF"/>
-      </a:lt1>
-      <a:dk2>
-        <a:srgbClr val="695D46"/>
-      </a:dk2>
-      <a:lt2>
-        <a:srgbClr val="B3A77D"/>
-      </a:lt2>
-      <a:accent1>
-        <a:srgbClr val="EF6C00"/>
-      </a:accent1>
-      <a:accent2>
-        <a:srgbClr val="009668"/>
-      </a:accent2>
-      <a:accent3>
-        <a:srgbClr val="4DB6AC"/>
-      </a:accent3>
-      <a:accent4>
-        <a:srgbClr val="FF9800"/>
-      </a:accent4>
-      <a:accent5>
-        <a:srgbClr val="CE93D8"/>
-      </a:accent5>
-      <a:accent6>
-        <a:srgbClr val="EEFF41"/>
-      </a:accent6>
-      <a:hlink>
-        <a:srgbClr val="CE93D8"/>
-      </a:hlink>
-      <a:folHlink>
-        <a:srgbClr val="CE93D8"/>
-      </a:folHlink>
-    </a:clrScheme>
-    <a:fontScheme name="Office">
-      <a:majorFont>
-        <a:latin typeface="Arial"/>
-        <a:ea typeface=""/>
-        <a:cs typeface=""/>
-        <a:font script="Jpan" typeface="ＭＳ Ｐゴシック"/>
-        <a:font script="Hang" typeface="맑은 고딕"/>
-        <a:font script="Hans" typeface="宋体"/>
-        <a:font script="Hant" typeface="新細明體"/>
-        <a:font script="Arab" typeface="Times New Roman"/>
-        <a:font script="Hebr" typeface="Times New Roman"/>
-        <a:font script="Thai" typeface="Angsana New"/>
-        <a:font script="Ethi" typeface="Nyala"/>
-        <a:font script="Beng" typeface="Vrinda"/>
-        <a:font script="Gujr" typeface="Shruti"/>
-        <a:font script="Khmr" typeface="MoolBoran"/>
-        <a:font script="Knda" typeface="Tunga"/>
-        <a:font script="Guru" typeface="Raavi"/>
-        <a:font script="Cans" typeface="Euphemia"/>
-        <a:font script="Cher" typeface="Plantagenet Cherokee"/>
-        <a:font script="Yiii" typeface="Microsoft Yi Baiti"/>
-        <a:font script="Tibt" typeface="Microsoft Himalaya"/>
-        <a:font script="Thaa" typeface="MV Boli"/>
-        <a:font script="Deva" typeface="Mangal"/>
-        <a:font script="Telu" typeface="Gautami"/>
-        <a:font script="Taml" typeface="Latha"/>
-        <a:font script="Syrc" typeface="Estrangelo Edessa"/>
-        <a:font script="Orya" typeface="Kalinga"/>
-        <a:font script="Mlym" typeface="Kartika"/>
-        <a:font script="Laoo" typeface="DokChampa"/>
-        <a:font script="Sinh" typeface="Iskoola Pota"/>
-        <a:font script="Mong" typeface="Mongolian Baiti"/>
-        <a:font script="Viet" typeface="Times New Roman"/>
-        <a:font script="Uigh" typeface="Microsoft Uighur"/>
-        <a:font script="Geor" typeface="Sylfaen"/>
-      </a:majorFont>
-      <a:minorFont>
-        <a:latin typeface="Arial"/>
-        <a:ea typeface=""/>
-        <a:cs typeface=""/>
-        <a:font script="Jpan" typeface="ＭＳ Ｐゴシック"/>
-        <a:font script="Hang" typeface="맑은 고딕"/>
-        <a:font script="Hans" typeface="宋体"/>
-        <a:font script="Hant" typeface="新細明體"/>
-        <a:font script="Arab" typeface="Arial"/>
-        <a:font script="Hebr" typeface="Arial"/>
-        <a:font script="Thai" typeface="Cordia New"/>
-        <a:font script="Ethi" typeface="Nyala"/>
-        <a:font script="Beng" typeface="Vrinda"/>
-        <a:font script="Gujr" typeface="Shruti"/>
-        <a:font script="Khmr" typeface="DaunPenh"/>
-        <a:font script="Knda" typeface="Tunga"/>
-        <a:font script="Guru" typeface="Raavi"/>
-        <a:font script="Cans" typeface="Euphemia"/>
-        <a:font script="Cher" typeface="Plantagenet Cherokee"/>
-        <a:font script="Yiii" typeface="Microsoft Yi Baiti"/>
-        <a:font script="Tibt" typeface="Microsoft Himalaya"/>
-        <a:font script="Thaa" typeface="MV Boli"/>
-        <a:font script="Deva" typeface="Mangal"/>
-        <a:font script="Telu" typeface="Gautami"/>
-        <a:font script="Taml" typeface="Latha"/>
-        <a:font script="Syrc" typeface="Estrangelo Edessa"/>
-        <a:font script="Orya" typeface="Kalinga"/>
-        <a:font script="Mlym" typeface="Kartika"/>
-        <a:font script="Laoo" typeface="DokChampa"/>
-        <a:font script="Sinh" typeface="Iskoola Pota"/>
-        <a:font script="Mong" typeface="Mongolian Baiti"/>
-        <a:font script="Viet" typeface="Arial"/>
-        <a:font script="Uigh" typeface="Microsoft Uighur"/>
-        <a:font script="Geor" typeface="Sylfaen"/>
-      </a:minorFont>
-    </a:fontScheme>
-    <a:fmtScheme name="Office">
-      <a:fillStyleLst>
-        <a:solidFill>
-          <a:schemeClr val="phClr"/>
-        </a:solidFill>
-        <a:gradFill rotWithShape="1">
-          <a:gsLst>
-            <a:gs pos="0">
-              <a:schemeClr val="phClr">
-                <a:tint val="50000"/>
-                <a:satMod val="300000"/>
-              </a:schemeClr>
-            </a:gs>
-            <a:gs pos="35000">
-              <a:schemeClr val="phClr">
-                <a:tint val="37000"/>
-                <a:satMod val="300000"/>
-              </a:schemeClr>
-            </a:gs>
-            <a:gs pos="100000">
-              <a:schemeClr val="phClr">
-                <a:tint val="15000"/>
-                <a:satMod val="350000"/>
-              </a:schemeClr>
-            </a:gs>
-          </a:gsLst>
-          <a:lin ang="16200000" scaled="1"/>
-        </a:gradFill>
-        <a:gradFill rotWithShape="1">
-          <a:gsLst>
-            <a:gs pos="0">
-              <a:schemeClr val="phClr">
-                <a:tint val="100000"/>
-                <a:shade val="100000"/>
-                <a:satMod val="130000"/>
-              </a:schemeClr>
-            </a:gs>
-            <a:gs pos="100000">
-              <a:schemeClr val="phClr">
-                <a:tint val="50000"/>
-                <a:shade val="100000"/>
-                <a:satMod val="350000"/>
-              </a:schemeClr>
-            </a:gs>
-          </a:gsLst>
-          <a:lin ang="16200000" scaled="0"/>
-        </a:gradFill>
-      </a:fillStyleLst>
-      <a:lnStyleLst>
-        <a:ln w="9525" cap="flat" cmpd="sng" algn="ctr">
-          <a:solidFill>
-            <a:schemeClr val="phClr">
-              <a:shade val="95000"/>
-              <a:satMod val="105000"/>
-            </a:schemeClr>
-          </a:solidFill>
-          <a:prstDash val="solid"/>
-        </a:ln>
-        <a:ln w="25400" cap="flat" cmpd="sng" algn="ctr">
-          <a:solidFill>
-            <a:schemeClr val="phClr"/>
-          </a:solidFill>
-          <a:prstDash val="solid"/>
-        </a:ln>
-        <a:ln w="38100" cap="flat" cmpd="sng" algn="ctr">
-          <a:solidFill>
-            <a:schemeClr val="phClr"/>
-          </a:solidFill>
-          <a:prstDash val="solid"/>
-        </a:ln>
-      </a:lnStyleLst>
-      <a:effectStyleLst>
-        <a:effectStyle>
-          <a:effectLst>
-            <a:outerShdw blurRad="40000" dist="20000" dir="5400000" rotWithShape="0">
-              <a:srgbClr val="000000">
-                <a:alpha val="38000"/>
-              </a:srgbClr>
-            </a:outerShdw>
-          </a:effectLst>
-        </a:effectStyle>
-        <a:effectStyle>
-          <a:effectLst>
-            <a:outerShdw blurRad="40000" dist="23000" dir="5400000" rotWithShape="0">
-              <a:srgbClr val="000000">
-                <a:alpha val="35000"/>
-              </a:srgbClr>
-            </a:outerShdw>
-          </a:effectLst>
-        </a:effectStyle>
-        <a:effectStyle>
-          <a:effectLst>
-            <a:outerShdw blurRad="40000" dist="23000" dir="5400000" rotWithShape="0">
-              <a:srgbClr val="000000">
-                <a:alpha val="35000"/>
-              </a:srgbClr>
-            </a:outerShdw>
-          </a:effectLst>
-          <a:scene3d>
-            <a:camera prst="orthographicFront">
-              <a:rot lat="0" lon="0" rev="0"/>
-            </a:camera>
-            <a:lightRig rig="threePt" dir="t">
-              <a:rot lat="0" lon="0" rev="1200000"/>
-            </a:lightRig>
-          </a:scene3d>
-          <a:sp3d>
-            <a:bevelT w="63500" h="25400"/>
-          </a:sp3d>
-        </a:effectStyle>
-      </a:effectStyleLst>
-      <a:bgFillStyleLst>
-        <a:solidFill>
-          <a:schemeClr val="phClr"/>
-        </a:solidFill>
-        <a:gradFill rotWithShape="1">
-          <a:gsLst>
-            <a:gs pos="0">
-              <a:schemeClr val="phClr">
-                <a:tint val="40000"/>
-                <a:satMod val="350000"/>
-              </a:schemeClr>
-            </a:gs>
-            <a:gs pos="40000">
-              <a:schemeClr val="phClr">
-                <a:tint val="45000"/>
-                <a:shade val="99000"/>
-                <a:satMod val="350000"/>
-              </a:schemeClr>
-            </a:gs>
-            <a:gs pos="100000">
-              <a:schemeClr val="phClr">
-                <a:shade val="20000"/>
-                <a:satMod val="255000"/>
-              </a:schemeClr>
-            </a:gs>
-          </a:gsLst>
-          <a:path path="circle">
-            <a:fillToRect l="50000" t="-80000" r="50000" b="180000"/>
-          </a:path>
-        </a:gradFill>
-        <a:gradFill rotWithShape="1">
-          <a:gsLst>
-            <a:gs pos="0">
-              <a:schemeClr val="phClr">
-                <a:tint val="80000"/>
-                <a:satMod val="300000"/>
-              </a:schemeClr>
-            </a:gs>
-            <a:gs pos="100000">
-              <a:schemeClr val="phClr">
-                <a:shade val="30000"/>
-                <a:satMod val="200000"/>
-              </a:schemeClr>
-            </a:gs>
-          </a:gsLst>
-          <a:path path="circle">
-            <a:fillToRect l="50000" t="50000" r="50000" b="50000"/>
-          </a:path>
-        </a:gradFill>
-      </a:bgFillStyleLst>
-    </a:fmtScheme>
-  </a:themeElements>
+  <a:objectDefaults/>
+  <a:extraClrSchemeLst/>
 </a:theme>
 </file>